--- a/Presentation/DS Final Project Presentation.pptx
+++ b/Presentation/DS Final Project Presentation.pptx
@@ -14,16 +14,17 @@
     <p:sldId id="259" r:id="rId8"/>
     <p:sldId id="271" r:id="rId9"/>
     <p:sldId id="260" r:id="rId10"/>
-    <p:sldId id="261" r:id="rId11"/>
-    <p:sldId id="275" r:id="rId12"/>
-    <p:sldId id="262" r:id="rId13"/>
-    <p:sldId id="272" r:id="rId14"/>
-    <p:sldId id="273" r:id="rId15"/>
-    <p:sldId id="274" r:id="rId16"/>
-    <p:sldId id="263" r:id="rId17"/>
-    <p:sldId id="265" r:id="rId18"/>
-    <p:sldId id="268" r:id="rId19"/>
-    <p:sldId id="269" r:id="rId20"/>
+    <p:sldId id="276" r:id="rId11"/>
+    <p:sldId id="261" r:id="rId12"/>
+    <p:sldId id="275" r:id="rId13"/>
+    <p:sldId id="262" r:id="rId14"/>
+    <p:sldId id="272" r:id="rId15"/>
+    <p:sldId id="273" r:id="rId16"/>
+    <p:sldId id="274" r:id="rId17"/>
+    <p:sldId id="263" r:id="rId18"/>
+    <p:sldId id="265" r:id="rId19"/>
+    <p:sldId id="268" r:id="rId20"/>
+    <p:sldId id="269" r:id="rId21"/>
   </p:sldIdLst>
   <p:sldSz cx="12192000" cy="6858000"/>
   <p:notesSz cx="6858000" cy="9144000"/>
@@ -122,6 +123,11 @@
       </a:defRPr>
     </a:lvl9pPr>
   </p:defaultTextStyle>
+  <p:extLst>
+    <p:ext uri="{EFAFB233-063F-42B5-8137-9DF3F51BA10A}">
+      <p15:sldGuideLst xmlns:p15="http://schemas.microsoft.com/office/powerpoint/2012/main"/>
+    </p:ext>
+  </p:extLst>
 </p:presentation>
 </file>
 
@@ -3151,6 +3157,753 @@
 </file>
 
 <file path=ppt/diagrams/colors5.xml><?xml version="1.0" encoding="utf-8"?>
+<dgm:colorsDef xmlns:dgm="http://schemas.openxmlformats.org/drawingml/2006/diagram" xmlns:a="http://schemas.openxmlformats.org/drawingml/2006/main" uniqueId="urn:microsoft.com/office/officeart/2005/8/colors/accent1_2">
+  <dgm:title val=""/>
+  <dgm:desc val=""/>
+  <dgm:catLst>
+    <dgm:cat type="accent1" pri="11200"/>
+  </dgm:catLst>
+  <dgm:styleLbl name="node0">
+    <dgm:fillClrLst meth="repeat">
+      <a:schemeClr val="accent1"/>
+    </dgm:fillClrLst>
+    <dgm:linClrLst meth="repeat">
+      <a:schemeClr val="lt1"/>
+    </dgm:linClrLst>
+    <dgm:effectClrLst/>
+    <dgm:txLinClrLst/>
+    <dgm:txFillClrLst/>
+    <dgm:txEffectClrLst/>
+  </dgm:styleLbl>
+  <dgm:styleLbl name="alignNode1">
+    <dgm:fillClrLst meth="repeat">
+      <a:schemeClr val="accent1"/>
+    </dgm:fillClrLst>
+    <dgm:linClrLst meth="repeat">
+      <a:schemeClr val="accent1"/>
+    </dgm:linClrLst>
+    <dgm:effectClrLst/>
+    <dgm:txLinClrLst/>
+    <dgm:txFillClrLst/>
+    <dgm:txEffectClrLst/>
+  </dgm:styleLbl>
+  <dgm:styleLbl name="node1">
+    <dgm:fillClrLst meth="repeat">
+      <a:schemeClr val="accent1"/>
+    </dgm:fillClrLst>
+    <dgm:linClrLst meth="repeat">
+      <a:schemeClr val="lt1"/>
+    </dgm:linClrLst>
+    <dgm:effectClrLst/>
+    <dgm:txLinClrLst/>
+    <dgm:txFillClrLst/>
+    <dgm:txEffectClrLst/>
+  </dgm:styleLbl>
+  <dgm:styleLbl name="lnNode1">
+    <dgm:fillClrLst meth="repeat">
+      <a:schemeClr val="accent1"/>
+    </dgm:fillClrLst>
+    <dgm:linClrLst meth="repeat">
+      <a:schemeClr val="lt1"/>
+    </dgm:linClrLst>
+    <dgm:effectClrLst/>
+    <dgm:txLinClrLst/>
+    <dgm:txFillClrLst/>
+    <dgm:txEffectClrLst/>
+  </dgm:styleLbl>
+  <dgm:styleLbl name="vennNode1">
+    <dgm:fillClrLst meth="repeat">
+      <a:schemeClr val="accent1">
+        <a:alpha val="50000"/>
+      </a:schemeClr>
+    </dgm:fillClrLst>
+    <dgm:linClrLst meth="repeat">
+      <a:schemeClr val="lt1"/>
+    </dgm:linClrLst>
+    <dgm:effectClrLst/>
+    <dgm:txLinClrLst/>
+    <dgm:txFillClrLst/>
+    <dgm:txEffectClrLst/>
+  </dgm:styleLbl>
+  <dgm:styleLbl name="node2">
+    <dgm:fillClrLst meth="repeat">
+      <a:schemeClr val="accent1"/>
+    </dgm:fillClrLst>
+    <dgm:linClrLst meth="repeat">
+      <a:schemeClr val="lt1"/>
+    </dgm:linClrLst>
+    <dgm:effectClrLst/>
+    <dgm:txLinClrLst/>
+    <dgm:txFillClrLst/>
+    <dgm:txEffectClrLst/>
+  </dgm:styleLbl>
+  <dgm:styleLbl name="node3">
+    <dgm:fillClrLst meth="repeat">
+      <a:schemeClr val="accent1"/>
+    </dgm:fillClrLst>
+    <dgm:linClrLst meth="repeat">
+      <a:schemeClr val="lt1"/>
+    </dgm:linClrLst>
+    <dgm:effectClrLst/>
+    <dgm:txLinClrLst/>
+    <dgm:txFillClrLst/>
+    <dgm:txEffectClrLst/>
+  </dgm:styleLbl>
+  <dgm:styleLbl name="node4">
+    <dgm:fillClrLst meth="repeat">
+      <a:schemeClr val="accent1"/>
+    </dgm:fillClrLst>
+    <dgm:linClrLst meth="repeat">
+      <a:schemeClr val="lt1"/>
+    </dgm:linClrLst>
+    <dgm:effectClrLst/>
+    <dgm:txLinClrLst/>
+    <dgm:txFillClrLst/>
+    <dgm:txEffectClrLst/>
+  </dgm:styleLbl>
+  <dgm:styleLbl name="fgImgPlace1">
+    <dgm:fillClrLst meth="repeat">
+      <a:schemeClr val="accent1">
+        <a:tint val="50000"/>
+      </a:schemeClr>
+    </dgm:fillClrLst>
+    <dgm:linClrLst meth="repeat">
+      <a:schemeClr val="lt1"/>
+    </dgm:linClrLst>
+    <dgm:effectClrLst/>
+    <dgm:txLinClrLst/>
+    <dgm:txFillClrLst meth="repeat">
+      <a:schemeClr val="lt1"/>
+    </dgm:txFillClrLst>
+    <dgm:txEffectClrLst/>
+  </dgm:styleLbl>
+  <dgm:styleLbl name="alignImgPlace1">
+    <dgm:fillClrLst meth="repeat">
+      <a:schemeClr val="accent1">
+        <a:tint val="50000"/>
+      </a:schemeClr>
+    </dgm:fillClrLst>
+    <dgm:linClrLst meth="repeat">
+      <a:schemeClr val="lt1"/>
+    </dgm:linClrLst>
+    <dgm:effectClrLst/>
+    <dgm:txLinClrLst/>
+    <dgm:txFillClrLst meth="repeat">
+      <a:schemeClr val="lt1"/>
+    </dgm:txFillClrLst>
+    <dgm:txEffectClrLst/>
+  </dgm:styleLbl>
+  <dgm:styleLbl name="bgImgPlace1">
+    <dgm:fillClrLst meth="repeat">
+      <a:schemeClr val="accent1">
+        <a:tint val="50000"/>
+      </a:schemeClr>
+    </dgm:fillClrLst>
+    <dgm:linClrLst meth="repeat">
+      <a:schemeClr val="lt1"/>
+    </dgm:linClrLst>
+    <dgm:effectClrLst/>
+    <dgm:txLinClrLst/>
+    <dgm:txFillClrLst meth="repeat">
+      <a:schemeClr val="lt1"/>
+    </dgm:txFillClrLst>
+    <dgm:txEffectClrLst/>
+  </dgm:styleLbl>
+  <dgm:styleLbl name="sibTrans2D1">
+    <dgm:fillClrLst meth="repeat">
+      <a:schemeClr val="accent1">
+        <a:tint val="60000"/>
+      </a:schemeClr>
+    </dgm:fillClrLst>
+    <dgm:linClrLst meth="repeat">
+      <a:schemeClr val="accent1">
+        <a:tint val="60000"/>
+      </a:schemeClr>
+    </dgm:linClrLst>
+    <dgm:effectClrLst/>
+    <dgm:txLinClrLst/>
+    <dgm:txFillClrLst/>
+    <dgm:txEffectClrLst/>
+  </dgm:styleLbl>
+  <dgm:styleLbl name="fgSibTrans2D1">
+    <dgm:fillClrLst meth="repeat">
+      <a:schemeClr val="accent1">
+        <a:tint val="60000"/>
+      </a:schemeClr>
+    </dgm:fillClrLst>
+    <dgm:linClrLst meth="repeat">
+      <a:schemeClr val="accent1">
+        <a:tint val="60000"/>
+      </a:schemeClr>
+    </dgm:linClrLst>
+    <dgm:effectClrLst/>
+    <dgm:txLinClrLst/>
+    <dgm:txFillClrLst/>
+    <dgm:txEffectClrLst/>
+  </dgm:styleLbl>
+  <dgm:styleLbl name="bgSibTrans2D1">
+    <dgm:fillClrLst meth="repeat">
+      <a:schemeClr val="accent1">
+        <a:tint val="60000"/>
+      </a:schemeClr>
+    </dgm:fillClrLst>
+    <dgm:linClrLst meth="repeat">
+      <a:schemeClr val="accent1">
+        <a:tint val="60000"/>
+      </a:schemeClr>
+    </dgm:linClrLst>
+    <dgm:effectClrLst/>
+    <dgm:txLinClrLst/>
+    <dgm:txFillClrLst/>
+    <dgm:txEffectClrLst/>
+  </dgm:styleLbl>
+  <dgm:styleLbl name="sibTrans1D1">
+    <dgm:fillClrLst meth="repeat">
+      <a:schemeClr val="accent1"/>
+    </dgm:fillClrLst>
+    <dgm:linClrLst meth="repeat">
+      <a:schemeClr val="accent1"/>
+    </dgm:linClrLst>
+    <dgm:effectClrLst/>
+    <dgm:txLinClrLst/>
+    <dgm:txFillClrLst meth="repeat">
+      <a:schemeClr val="tx1"/>
+    </dgm:txFillClrLst>
+    <dgm:txEffectClrLst/>
+  </dgm:styleLbl>
+  <dgm:styleLbl name="callout">
+    <dgm:fillClrLst meth="repeat">
+      <a:schemeClr val="accent1"/>
+    </dgm:fillClrLst>
+    <dgm:linClrLst meth="repeat">
+      <a:schemeClr val="accent1">
+        <a:tint val="50000"/>
+      </a:schemeClr>
+    </dgm:linClrLst>
+    <dgm:effectClrLst/>
+    <dgm:txLinClrLst/>
+    <dgm:txFillClrLst meth="repeat">
+      <a:schemeClr val="tx1"/>
+    </dgm:txFillClrLst>
+    <dgm:txEffectClrLst/>
+  </dgm:styleLbl>
+  <dgm:styleLbl name="asst0">
+    <dgm:fillClrLst meth="repeat">
+      <a:schemeClr val="accent1"/>
+    </dgm:fillClrLst>
+    <dgm:linClrLst meth="repeat">
+      <a:schemeClr val="lt1"/>
+    </dgm:linClrLst>
+    <dgm:effectClrLst/>
+    <dgm:txLinClrLst/>
+    <dgm:txFillClrLst/>
+    <dgm:txEffectClrLst/>
+  </dgm:styleLbl>
+  <dgm:styleLbl name="asst1">
+    <dgm:fillClrLst meth="repeat">
+      <a:schemeClr val="accent1"/>
+    </dgm:fillClrLst>
+    <dgm:linClrLst meth="repeat">
+      <a:schemeClr val="lt1"/>
+    </dgm:linClrLst>
+    <dgm:effectClrLst/>
+    <dgm:txLinClrLst/>
+    <dgm:txFillClrLst/>
+    <dgm:txEffectClrLst/>
+  </dgm:styleLbl>
+  <dgm:styleLbl name="asst2">
+    <dgm:fillClrLst meth="repeat">
+      <a:schemeClr val="accent1"/>
+    </dgm:fillClrLst>
+    <dgm:linClrLst meth="repeat">
+      <a:schemeClr val="lt1"/>
+    </dgm:linClrLst>
+    <dgm:effectClrLst/>
+    <dgm:txLinClrLst/>
+    <dgm:txFillClrLst/>
+    <dgm:txEffectClrLst/>
+  </dgm:styleLbl>
+  <dgm:styleLbl name="asst3">
+    <dgm:fillClrLst meth="repeat">
+      <a:schemeClr val="accent1"/>
+    </dgm:fillClrLst>
+    <dgm:linClrLst meth="repeat">
+      <a:schemeClr val="lt1"/>
+    </dgm:linClrLst>
+    <dgm:effectClrLst/>
+    <dgm:txLinClrLst/>
+    <dgm:txFillClrLst/>
+    <dgm:txEffectClrLst/>
+  </dgm:styleLbl>
+  <dgm:styleLbl name="asst4">
+    <dgm:fillClrLst meth="repeat">
+      <a:schemeClr val="accent1"/>
+    </dgm:fillClrLst>
+    <dgm:linClrLst meth="repeat">
+      <a:schemeClr val="lt1"/>
+    </dgm:linClrLst>
+    <dgm:effectClrLst/>
+    <dgm:txLinClrLst/>
+    <dgm:txFillClrLst/>
+    <dgm:txEffectClrLst/>
+  </dgm:styleLbl>
+  <dgm:styleLbl name="parChTrans2D1">
+    <dgm:fillClrLst meth="repeat">
+      <a:schemeClr val="accent1">
+        <a:tint val="60000"/>
+      </a:schemeClr>
+    </dgm:fillClrLst>
+    <dgm:linClrLst meth="repeat">
+      <a:schemeClr val="accent1">
+        <a:tint val="60000"/>
+      </a:schemeClr>
+    </dgm:linClrLst>
+    <dgm:effectClrLst/>
+    <dgm:txLinClrLst/>
+    <dgm:txFillClrLst meth="repeat">
+      <a:schemeClr val="lt1"/>
+    </dgm:txFillClrLst>
+    <dgm:txEffectClrLst/>
+  </dgm:styleLbl>
+  <dgm:styleLbl name="parChTrans2D2">
+    <dgm:fillClrLst meth="repeat">
+      <a:schemeClr val="accent1"/>
+    </dgm:fillClrLst>
+    <dgm:linClrLst meth="repeat">
+      <a:schemeClr val="accent1"/>
+    </dgm:linClrLst>
+    <dgm:effectClrLst/>
+    <dgm:txLinClrLst/>
+    <dgm:txFillClrLst meth="repeat">
+      <a:schemeClr val="lt1"/>
+    </dgm:txFillClrLst>
+    <dgm:txEffectClrLst/>
+  </dgm:styleLbl>
+  <dgm:styleLbl name="parChTrans2D3">
+    <dgm:fillClrLst meth="repeat">
+      <a:schemeClr val="accent1"/>
+    </dgm:fillClrLst>
+    <dgm:linClrLst meth="repeat">
+      <a:schemeClr val="accent1"/>
+    </dgm:linClrLst>
+    <dgm:effectClrLst/>
+    <dgm:txLinClrLst/>
+    <dgm:txFillClrLst meth="repeat">
+      <a:schemeClr val="lt1"/>
+    </dgm:txFillClrLst>
+    <dgm:txEffectClrLst/>
+  </dgm:styleLbl>
+  <dgm:styleLbl name="parChTrans2D4">
+    <dgm:fillClrLst meth="repeat">
+      <a:schemeClr val="accent1"/>
+    </dgm:fillClrLst>
+    <dgm:linClrLst meth="repeat">
+      <a:schemeClr val="accent1"/>
+    </dgm:linClrLst>
+    <dgm:effectClrLst/>
+    <dgm:txLinClrLst/>
+    <dgm:txFillClrLst meth="repeat">
+      <a:schemeClr val="lt1"/>
+    </dgm:txFillClrLst>
+    <dgm:txEffectClrLst/>
+  </dgm:styleLbl>
+  <dgm:styleLbl name="parChTrans1D1">
+    <dgm:fillClrLst meth="repeat">
+      <a:schemeClr val="accent1"/>
+    </dgm:fillClrLst>
+    <dgm:linClrLst meth="repeat">
+      <a:schemeClr val="accent1">
+        <a:shade val="60000"/>
+      </a:schemeClr>
+    </dgm:linClrLst>
+    <dgm:effectClrLst/>
+    <dgm:txLinClrLst/>
+    <dgm:txFillClrLst meth="repeat">
+      <a:schemeClr val="tx1"/>
+    </dgm:txFillClrLst>
+    <dgm:txEffectClrLst/>
+  </dgm:styleLbl>
+  <dgm:styleLbl name="parChTrans1D2">
+    <dgm:fillClrLst meth="repeat">
+      <a:schemeClr val="accent1"/>
+    </dgm:fillClrLst>
+    <dgm:linClrLst meth="repeat">
+      <a:schemeClr val="accent1">
+        <a:shade val="60000"/>
+      </a:schemeClr>
+    </dgm:linClrLst>
+    <dgm:effectClrLst/>
+    <dgm:txLinClrLst/>
+    <dgm:txFillClrLst meth="repeat">
+      <a:schemeClr val="tx1"/>
+    </dgm:txFillClrLst>
+    <dgm:txEffectClrLst/>
+  </dgm:styleLbl>
+  <dgm:styleLbl name="parChTrans1D3">
+    <dgm:fillClrLst meth="repeat">
+      <a:schemeClr val="accent1"/>
+    </dgm:fillClrLst>
+    <dgm:linClrLst meth="repeat">
+      <a:schemeClr val="accent1">
+        <a:shade val="80000"/>
+      </a:schemeClr>
+    </dgm:linClrLst>
+    <dgm:effectClrLst/>
+    <dgm:txLinClrLst/>
+    <dgm:txFillClrLst meth="repeat">
+      <a:schemeClr val="tx1"/>
+    </dgm:txFillClrLst>
+    <dgm:txEffectClrLst/>
+  </dgm:styleLbl>
+  <dgm:styleLbl name="parChTrans1D4">
+    <dgm:fillClrLst meth="repeat">
+      <a:schemeClr val="accent1"/>
+    </dgm:fillClrLst>
+    <dgm:linClrLst meth="repeat">
+      <a:schemeClr val="accent1">
+        <a:shade val="80000"/>
+      </a:schemeClr>
+    </dgm:linClrLst>
+    <dgm:effectClrLst/>
+    <dgm:txLinClrLst/>
+    <dgm:txFillClrLst meth="repeat">
+      <a:schemeClr val="tx1"/>
+    </dgm:txFillClrLst>
+    <dgm:txEffectClrLst/>
+  </dgm:styleLbl>
+  <dgm:styleLbl name="fgAcc1">
+    <dgm:fillClrLst meth="repeat">
+      <a:schemeClr val="lt1">
+        <a:alpha val="90000"/>
+      </a:schemeClr>
+    </dgm:fillClrLst>
+    <dgm:linClrLst meth="repeat">
+      <a:schemeClr val="accent1"/>
+    </dgm:linClrLst>
+    <dgm:effectClrLst/>
+    <dgm:txLinClrLst/>
+    <dgm:txFillClrLst meth="repeat">
+      <a:schemeClr val="dk1"/>
+    </dgm:txFillClrLst>
+    <dgm:txEffectClrLst/>
+  </dgm:styleLbl>
+  <dgm:styleLbl name="conFgAcc1">
+    <dgm:fillClrLst meth="repeat">
+      <a:schemeClr val="lt1">
+        <a:alpha val="90000"/>
+      </a:schemeClr>
+    </dgm:fillClrLst>
+    <dgm:linClrLst meth="repeat">
+      <a:schemeClr val="accent1"/>
+    </dgm:linClrLst>
+    <dgm:effectClrLst/>
+    <dgm:txLinClrLst/>
+    <dgm:txFillClrLst meth="repeat">
+      <a:schemeClr val="dk1"/>
+    </dgm:txFillClrLst>
+    <dgm:txEffectClrLst/>
+  </dgm:styleLbl>
+  <dgm:styleLbl name="alignAcc1">
+    <dgm:fillClrLst meth="repeat">
+      <a:schemeClr val="lt1">
+        <a:alpha val="90000"/>
+      </a:schemeClr>
+    </dgm:fillClrLst>
+    <dgm:linClrLst meth="repeat">
+      <a:schemeClr val="accent1"/>
+    </dgm:linClrLst>
+    <dgm:effectClrLst/>
+    <dgm:txLinClrLst/>
+    <dgm:txFillClrLst meth="repeat">
+      <a:schemeClr val="dk1"/>
+    </dgm:txFillClrLst>
+    <dgm:txEffectClrLst/>
+  </dgm:styleLbl>
+  <dgm:styleLbl name="trAlignAcc1">
+    <dgm:fillClrLst meth="repeat">
+      <a:schemeClr val="lt1">
+        <a:alpha val="40000"/>
+      </a:schemeClr>
+    </dgm:fillClrLst>
+    <dgm:linClrLst meth="repeat">
+      <a:schemeClr val="accent1"/>
+    </dgm:linClrLst>
+    <dgm:effectClrLst/>
+    <dgm:txLinClrLst/>
+    <dgm:txFillClrLst meth="repeat">
+      <a:schemeClr val="dk1"/>
+    </dgm:txFillClrLst>
+    <dgm:txEffectClrLst/>
+  </dgm:styleLbl>
+  <dgm:styleLbl name="bgAcc1">
+    <dgm:fillClrLst meth="repeat">
+      <a:schemeClr val="lt1">
+        <a:alpha val="90000"/>
+      </a:schemeClr>
+    </dgm:fillClrLst>
+    <dgm:linClrLst meth="repeat">
+      <a:schemeClr val="accent1"/>
+    </dgm:linClrLst>
+    <dgm:effectClrLst/>
+    <dgm:txLinClrLst/>
+    <dgm:txFillClrLst meth="repeat">
+      <a:schemeClr val="dk1"/>
+    </dgm:txFillClrLst>
+    <dgm:txEffectClrLst/>
+  </dgm:styleLbl>
+  <dgm:styleLbl name="solidFgAcc1">
+    <dgm:fillClrLst meth="repeat">
+      <a:schemeClr val="lt1"/>
+    </dgm:fillClrLst>
+    <dgm:linClrLst meth="repeat">
+      <a:schemeClr val="accent1"/>
+    </dgm:linClrLst>
+    <dgm:effectClrLst/>
+    <dgm:txLinClrLst/>
+    <dgm:txFillClrLst meth="repeat">
+      <a:schemeClr val="dk1"/>
+    </dgm:txFillClrLst>
+    <dgm:txEffectClrLst/>
+  </dgm:styleLbl>
+  <dgm:styleLbl name="solidAlignAcc1">
+    <dgm:fillClrLst meth="repeat">
+      <a:schemeClr val="lt1"/>
+    </dgm:fillClrLst>
+    <dgm:linClrLst meth="repeat">
+      <a:schemeClr val="accent1"/>
+    </dgm:linClrLst>
+    <dgm:effectClrLst/>
+    <dgm:txLinClrLst/>
+    <dgm:txFillClrLst meth="repeat">
+      <a:schemeClr val="dk1"/>
+    </dgm:txFillClrLst>
+    <dgm:txEffectClrLst/>
+  </dgm:styleLbl>
+  <dgm:styleLbl name="solidBgAcc1">
+    <dgm:fillClrLst meth="repeat">
+      <a:schemeClr val="lt1"/>
+    </dgm:fillClrLst>
+    <dgm:linClrLst meth="repeat">
+      <a:schemeClr val="accent1"/>
+    </dgm:linClrLst>
+    <dgm:effectClrLst/>
+    <dgm:txLinClrLst/>
+    <dgm:txFillClrLst meth="repeat">
+      <a:schemeClr val="dk1"/>
+    </dgm:txFillClrLst>
+    <dgm:txEffectClrLst/>
+  </dgm:styleLbl>
+  <dgm:styleLbl name="fgAccFollowNode1">
+    <dgm:fillClrLst meth="repeat">
+      <a:schemeClr val="accent1">
+        <a:alpha val="90000"/>
+        <a:tint val="40000"/>
+      </a:schemeClr>
+    </dgm:fillClrLst>
+    <dgm:linClrLst meth="repeat">
+      <a:schemeClr val="accent1">
+        <a:alpha val="90000"/>
+        <a:tint val="40000"/>
+      </a:schemeClr>
+    </dgm:linClrLst>
+    <dgm:effectClrLst/>
+    <dgm:txLinClrLst/>
+    <dgm:txFillClrLst meth="repeat">
+      <a:schemeClr val="dk1"/>
+    </dgm:txFillClrLst>
+    <dgm:txEffectClrLst/>
+  </dgm:styleLbl>
+  <dgm:styleLbl name="alignAccFollowNode1">
+    <dgm:fillClrLst meth="repeat">
+      <a:schemeClr val="accent1">
+        <a:alpha val="90000"/>
+        <a:tint val="40000"/>
+      </a:schemeClr>
+    </dgm:fillClrLst>
+    <dgm:linClrLst meth="repeat">
+      <a:schemeClr val="accent1">
+        <a:alpha val="90000"/>
+        <a:tint val="40000"/>
+      </a:schemeClr>
+    </dgm:linClrLst>
+    <dgm:effectClrLst/>
+    <dgm:txLinClrLst/>
+    <dgm:txFillClrLst meth="repeat">
+      <a:schemeClr val="dk1"/>
+    </dgm:txFillClrLst>
+    <dgm:txEffectClrLst/>
+  </dgm:styleLbl>
+  <dgm:styleLbl name="bgAccFollowNode1">
+    <dgm:fillClrLst meth="repeat">
+      <a:schemeClr val="accent1">
+        <a:alpha val="90000"/>
+        <a:tint val="40000"/>
+      </a:schemeClr>
+    </dgm:fillClrLst>
+    <dgm:linClrLst meth="repeat">
+      <a:schemeClr val="accent1">
+        <a:alpha val="90000"/>
+        <a:tint val="40000"/>
+      </a:schemeClr>
+    </dgm:linClrLst>
+    <dgm:effectClrLst/>
+    <dgm:txLinClrLst/>
+    <dgm:txFillClrLst meth="repeat">
+      <a:schemeClr val="dk1"/>
+    </dgm:txFillClrLst>
+    <dgm:txEffectClrLst/>
+  </dgm:styleLbl>
+  <dgm:styleLbl name="fgAcc0">
+    <dgm:fillClrLst meth="repeat">
+      <a:schemeClr val="lt1">
+        <a:alpha val="90000"/>
+      </a:schemeClr>
+    </dgm:fillClrLst>
+    <dgm:linClrLst meth="repeat">
+      <a:schemeClr val="accent1"/>
+    </dgm:linClrLst>
+    <dgm:effectClrLst/>
+    <dgm:txLinClrLst/>
+    <dgm:txFillClrLst meth="repeat">
+      <a:schemeClr val="dk1"/>
+    </dgm:txFillClrLst>
+    <dgm:txEffectClrLst/>
+  </dgm:styleLbl>
+  <dgm:styleLbl name="fgAcc2">
+    <dgm:fillClrLst meth="repeat">
+      <a:schemeClr val="lt1">
+        <a:alpha val="90000"/>
+      </a:schemeClr>
+    </dgm:fillClrLst>
+    <dgm:linClrLst meth="repeat">
+      <a:schemeClr val="accent1"/>
+    </dgm:linClrLst>
+    <dgm:effectClrLst/>
+    <dgm:txLinClrLst/>
+    <dgm:txFillClrLst meth="repeat">
+      <a:schemeClr val="dk1"/>
+    </dgm:txFillClrLst>
+    <dgm:txEffectClrLst/>
+  </dgm:styleLbl>
+  <dgm:styleLbl name="fgAcc3">
+    <dgm:fillClrLst meth="repeat">
+      <a:schemeClr val="lt1">
+        <a:alpha val="90000"/>
+      </a:schemeClr>
+    </dgm:fillClrLst>
+    <dgm:linClrLst meth="repeat">
+      <a:schemeClr val="accent1"/>
+    </dgm:linClrLst>
+    <dgm:effectClrLst/>
+    <dgm:txLinClrLst/>
+    <dgm:txFillClrLst meth="repeat">
+      <a:schemeClr val="dk1"/>
+    </dgm:txFillClrLst>
+    <dgm:txEffectClrLst/>
+  </dgm:styleLbl>
+  <dgm:styleLbl name="fgAcc4">
+    <dgm:fillClrLst meth="repeat">
+      <a:schemeClr val="lt1">
+        <a:alpha val="90000"/>
+      </a:schemeClr>
+    </dgm:fillClrLst>
+    <dgm:linClrLst meth="repeat">
+      <a:schemeClr val="accent1"/>
+    </dgm:linClrLst>
+    <dgm:effectClrLst/>
+    <dgm:txLinClrLst/>
+    <dgm:txFillClrLst meth="repeat">
+      <a:schemeClr val="dk1"/>
+    </dgm:txFillClrLst>
+    <dgm:txEffectClrLst/>
+  </dgm:styleLbl>
+  <dgm:styleLbl name="bgShp">
+    <dgm:fillClrLst meth="repeat">
+      <a:schemeClr val="accent1">
+        <a:tint val="40000"/>
+      </a:schemeClr>
+    </dgm:fillClrLst>
+    <dgm:linClrLst meth="repeat">
+      <a:schemeClr val="accent1"/>
+    </dgm:linClrLst>
+    <dgm:effectClrLst/>
+    <dgm:txLinClrLst/>
+    <dgm:txFillClrLst meth="repeat">
+      <a:schemeClr val="dk1"/>
+    </dgm:txFillClrLst>
+    <dgm:txEffectClrLst/>
+  </dgm:styleLbl>
+  <dgm:styleLbl name="dkBgShp">
+    <dgm:fillClrLst meth="repeat">
+      <a:schemeClr val="accent1">
+        <a:shade val="80000"/>
+      </a:schemeClr>
+    </dgm:fillClrLst>
+    <dgm:linClrLst meth="repeat">
+      <a:schemeClr val="accent1"/>
+    </dgm:linClrLst>
+    <dgm:effectClrLst/>
+    <dgm:txLinClrLst/>
+    <dgm:txFillClrLst meth="repeat">
+      <a:schemeClr val="lt1"/>
+    </dgm:txFillClrLst>
+    <dgm:txEffectClrLst/>
+  </dgm:styleLbl>
+  <dgm:styleLbl name="trBgShp">
+    <dgm:fillClrLst meth="repeat">
+      <a:schemeClr val="accent1">
+        <a:tint val="50000"/>
+        <a:alpha val="40000"/>
+      </a:schemeClr>
+    </dgm:fillClrLst>
+    <dgm:linClrLst meth="repeat">
+      <a:schemeClr val="accent1"/>
+    </dgm:linClrLst>
+    <dgm:effectClrLst/>
+    <dgm:txLinClrLst/>
+    <dgm:txFillClrLst meth="repeat">
+      <a:schemeClr val="lt1"/>
+    </dgm:txFillClrLst>
+    <dgm:txEffectClrLst/>
+  </dgm:styleLbl>
+  <dgm:styleLbl name="fgShp">
+    <dgm:fillClrLst meth="repeat">
+      <a:schemeClr val="accent1">
+        <a:tint val="60000"/>
+      </a:schemeClr>
+    </dgm:fillClrLst>
+    <dgm:linClrLst meth="repeat">
+      <a:schemeClr val="lt1"/>
+    </dgm:linClrLst>
+    <dgm:effectClrLst/>
+    <dgm:txLinClrLst/>
+    <dgm:txFillClrLst meth="repeat">
+      <a:schemeClr val="dk1"/>
+    </dgm:txFillClrLst>
+    <dgm:txEffectClrLst/>
+  </dgm:styleLbl>
+  <dgm:styleLbl name="revTx">
+    <dgm:fillClrLst meth="repeat">
+      <a:schemeClr val="lt1">
+        <a:alpha val="0"/>
+      </a:schemeClr>
+    </dgm:fillClrLst>
+    <dgm:linClrLst meth="repeat">
+      <a:schemeClr val="dk1">
+        <a:alpha val="0"/>
+      </a:schemeClr>
+    </dgm:linClrLst>
+    <dgm:effectClrLst/>
+    <dgm:txLinClrLst/>
+    <dgm:txFillClrLst meth="repeat">
+      <a:schemeClr val="tx1"/>
+    </dgm:txFillClrLst>
+    <dgm:txEffectClrLst/>
+  </dgm:styleLbl>
+</dgm:colorsDef>
+</file>
+
+<file path=ppt/diagrams/colors6.xml><?xml version="1.0" encoding="utf-8"?>
 <dgm:colorsDef xmlns:dgm="http://schemas.openxmlformats.org/drawingml/2006/diagram" xmlns:a="http://schemas.openxmlformats.org/drawingml/2006/main" uniqueId="urn:microsoft.com/office/officeart/2018/5/colors/Iconchunking_neutralbg_colorful1">
   <dgm:title val=""/>
   <dgm:desc val=""/>
@@ -4071,7 +4824,7 @@
 </dgm:colorsDef>
 </file>
 
-<file path=ppt/diagrams/colors6.xml><?xml version="1.0" encoding="utf-8"?>
+<file path=ppt/diagrams/colors7.xml><?xml version="1.0" encoding="utf-8"?>
 <dgm:colorsDef xmlns:dgm="http://schemas.openxmlformats.org/drawingml/2006/diagram" xmlns:a="http://schemas.openxmlformats.org/drawingml/2006/main" uniqueId="urn:microsoft.com/office/officeart/2005/8/colors/colorful2">
   <dgm:title val=""/>
   <dgm:desc val=""/>
@@ -5023,9 +5776,9 @@
   <dgm:cxnLst>
     <dgm:cxn modelId="{B995B227-DCF3-485E-B821-9091B8576A0A}" srcId="{AB76F313-FC38-450B-A502-1994FDF7F399}" destId="{DABA0628-E211-4231-89F6-1296087E1DFC}" srcOrd="0" destOrd="0" parTransId="{7AA7AB3A-21E0-4C97-AC6E-7F6B9EA14BCD}" sibTransId="{E9DCF6F6-1A5D-4610-B33E-FBF59149F951}"/>
     <dgm:cxn modelId="{20468A40-C3CA-F845-A95E-D67FB5364ED6}" type="presOf" srcId="{AB76F313-FC38-450B-A502-1994FDF7F399}" destId="{85D1DE91-9469-404A-9667-320F0A90782D}" srcOrd="0" destOrd="0" presId="urn:microsoft.com/office/officeart/2005/8/layout/vList2"/>
+    <dgm:cxn modelId="{DE5A6F60-7120-48D3-8C73-716742EADDD9}" srcId="{AB76F313-FC38-450B-A502-1994FDF7F399}" destId="{EDCBAA4F-AEDA-4170-94A1-7FDCA1D33C24}" srcOrd="2" destOrd="0" parTransId="{2FBA0FDE-49DF-4353-9799-01FCE3437013}" sibTransId="{65F42681-F493-43A3-9C98-97B11B4E2943}"/>
     <dgm:cxn modelId="{6C6D184B-0E0B-964D-91E8-1360E64116DE}" type="presOf" srcId="{EDCBAA4F-AEDA-4170-94A1-7FDCA1D33C24}" destId="{C211C398-4C03-7240-8DE2-F27CDE54E91C}" srcOrd="0" destOrd="0" presId="urn:microsoft.com/office/officeart/2005/8/layout/vList2"/>
     <dgm:cxn modelId="{A19C9D4E-0C1D-F34A-B421-AA1FB37C5A00}" type="presOf" srcId="{FB776A32-8026-416A-9756-31A2DC8AC973}" destId="{481A9873-9775-7345-823C-45A84DE19B96}" srcOrd="0" destOrd="0" presId="urn:microsoft.com/office/officeart/2005/8/layout/vList2"/>
-    <dgm:cxn modelId="{DE5A6F60-7120-48D3-8C73-716742EADDD9}" srcId="{AB76F313-FC38-450B-A502-1994FDF7F399}" destId="{EDCBAA4F-AEDA-4170-94A1-7FDCA1D33C24}" srcOrd="2" destOrd="0" parTransId="{2FBA0FDE-49DF-4353-9799-01FCE3437013}" sibTransId="{65F42681-F493-43A3-9C98-97B11B4E2943}"/>
     <dgm:cxn modelId="{986DC58C-4D2D-4526-BD5A-7C3A69A1D472}" srcId="{AB76F313-FC38-450B-A502-1994FDF7F399}" destId="{FB776A32-8026-416A-9756-31A2DC8AC973}" srcOrd="1" destOrd="0" parTransId="{3A0E7488-83BE-4D07-B9CF-CBA98992FA3A}" sibTransId="{E4598285-5F0F-4364-8D51-42C216D17491}"/>
     <dgm:cxn modelId="{D991DE8C-D926-8240-8732-8747376BA006}" type="presOf" srcId="{DABA0628-E211-4231-89F6-1296087E1DFC}" destId="{E00FAF18-7B8E-6341-BEE3-C8645101F400}" srcOrd="0" destOrd="0" presId="urn:microsoft.com/office/officeart/2005/8/layout/vList2"/>
     <dgm:cxn modelId="{739EB23F-EE5C-E643-8798-F233C8ACF2E5}" type="presParOf" srcId="{85D1DE91-9469-404A-9667-320F0A90782D}" destId="{E00FAF18-7B8E-6341-BEE3-C8645101F400}" srcOrd="0" destOrd="0" presId="urn:microsoft.com/office/officeart/2005/8/layout/vList2"/>
@@ -5678,6 +6431,287 @@
 <dgm:dataModel xmlns:dgm="http://schemas.openxmlformats.org/drawingml/2006/diagram" xmlns:a="http://schemas.openxmlformats.org/drawingml/2006/main">
   <dgm:ptLst>
     <dgm:pt modelId="{22A3A9FF-FFFA-4406-A487-6922C9292125}" type="doc">
+      <dgm:prSet loTypeId="urn:microsoft.com/office/officeart/2016/7/layout/LinearBlockProcessNumbered" loCatId="process" qsTypeId="urn:microsoft.com/office/officeart/2005/8/quickstyle/3d2" qsCatId="3D" csTypeId="urn:microsoft.com/office/officeart/2005/8/colors/accent1_2" csCatId="accent1" phldr="1"/>
+      <dgm:spPr/>
+      <dgm:t>
+        <a:bodyPr/>
+        <a:lstStyle/>
+        <a:p>
+          <a:endParaRPr lang="en-US"/>
+        </a:p>
+      </dgm:t>
+    </dgm:pt>
+    <dgm:pt modelId="{82F8E2C6-F3E3-4987-9228-92E87EC40D65}">
+      <dgm:prSet/>
+      <dgm:spPr/>
+      <dgm:t>
+        <a:bodyPr/>
+        <a:lstStyle/>
+        <a:p>
+          <a:pPr>
+            <a:lnSpc>
+              <a:spcPct val="100000"/>
+            </a:lnSpc>
+          </a:pPr>
+          <a:r>
+            <a:rPr lang="en-US" dirty="0"/>
+            <a:t>99.97% accuracy for negative sentiment</a:t>
+          </a:r>
+        </a:p>
+      </dgm:t>
+    </dgm:pt>
+    <dgm:pt modelId="{6E405A06-809E-4440-B580-D4592E6CE849}" type="parTrans" cxnId="{649CC99A-5949-4AEA-85F3-FD641F455EAD}">
+      <dgm:prSet/>
+      <dgm:spPr/>
+      <dgm:t>
+        <a:bodyPr/>
+        <a:lstStyle/>
+        <a:p>
+          <a:endParaRPr lang="en-US"/>
+        </a:p>
+      </dgm:t>
+    </dgm:pt>
+    <dgm:pt modelId="{475E4FFB-C2BF-4D39-A194-85B6CE0A5FAD}" type="sibTrans" cxnId="{649CC99A-5949-4AEA-85F3-FD641F455EAD}">
+      <dgm:prSet phldrT="02"/>
+      <dgm:spPr/>
+      <dgm:t>
+        <a:bodyPr/>
+        <a:lstStyle/>
+        <a:p>
+          <a:endParaRPr lang="en-US" dirty="0"/>
+        </a:p>
+      </dgm:t>
+    </dgm:pt>
+    <dgm:pt modelId="{CF156196-D61F-42B6-8FE7-EC4626D86A10}">
+      <dgm:prSet/>
+      <dgm:spPr/>
+      <dgm:t>
+        <a:bodyPr/>
+        <a:lstStyle/>
+        <a:p>
+          <a:pPr>
+            <a:lnSpc>
+              <a:spcPct val="100000"/>
+            </a:lnSpc>
+          </a:pPr>
+          <a:r>
+            <a:rPr lang="en-US" dirty="0"/>
+            <a:t>0% accuracy overall</a:t>
+          </a:r>
+        </a:p>
+      </dgm:t>
+    </dgm:pt>
+    <dgm:pt modelId="{B23059FC-26F6-4EEE-8FB4-B26E729B48BA}" type="parTrans" cxnId="{595300BB-08BA-4C3E-84EA-75D566F3EE67}">
+      <dgm:prSet/>
+      <dgm:spPr/>
+      <dgm:t>
+        <a:bodyPr/>
+        <a:lstStyle/>
+        <a:p>
+          <a:endParaRPr lang="en-US"/>
+        </a:p>
+      </dgm:t>
+    </dgm:pt>
+    <dgm:pt modelId="{25DA8013-4A75-491D-A45E-A422C5C7EB2F}" type="sibTrans" cxnId="{595300BB-08BA-4C3E-84EA-75D566F3EE67}">
+      <dgm:prSet phldrT="03"/>
+      <dgm:spPr/>
+      <dgm:t>
+        <a:bodyPr/>
+        <a:lstStyle/>
+        <a:p>
+          <a:endParaRPr lang="en-US" dirty="0"/>
+        </a:p>
+      </dgm:t>
+    </dgm:pt>
+    <dgm:pt modelId="{2D68D3BD-BD97-45A4-B87A-780DFD667658}">
+      <dgm:prSet/>
+      <dgm:spPr/>
+      <dgm:t>
+        <a:bodyPr/>
+        <a:lstStyle/>
+        <a:p>
+          <a:pPr>
+            <a:lnSpc>
+              <a:spcPct val="100000"/>
+            </a:lnSpc>
+          </a:pPr>
+          <a:r>
+            <a:rPr lang="en-US" dirty="0"/>
+            <a:t>99.73% accuracy for positive sentiment</a:t>
+          </a:r>
+        </a:p>
+      </dgm:t>
+    </dgm:pt>
+    <dgm:pt modelId="{4A8FAFAA-F08E-4C6E-BF32-52A6ADA3C995}" type="sibTrans" cxnId="{9F75DBDB-9EF0-41FF-A44D-A0787942C53B}">
+      <dgm:prSet phldrT="01"/>
+      <dgm:spPr/>
+      <dgm:t>
+        <a:bodyPr/>
+        <a:lstStyle/>
+        <a:p>
+          <a:endParaRPr lang="en-US" dirty="0"/>
+        </a:p>
+      </dgm:t>
+    </dgm:pt>
+    <dgm:pt modelId="{984690BD-5F51-4154-9C83-B04D1F0991F1}" type="parTrans" cxnId="{9F75DBDB-9EF0-41FF-A44D-A0787942C53B}">
+      <dgm:prSet/>
+      <dgm:spPr/>
+      <dgm:t>
+        <a:bodyPr/>
+        <a:lstStyle/>
+        <a:p>
+          <a:endParaRPr lang="en-US"/>
+        </a:p>
+      </dgm:t>
+    </dgm:pt>
+    <dgm:pt modelId="{33741958-ED1C-49D4-A55E-C678124E7AE7}" type="pres">
+      <dgm:prSet presAssocID="{22A3A9FF-FFFA-4406-A487-6922C9292125}" presName="Name0" presStyleCnt="0">
+        <dgm:presLayoutVars>
+          <dgm:animLvl val="lvl"/>
+          <dgm:resizeHandles val="exact"/>
+        </dgm:presLayoutVars>
+      </dgm:prSet>
+      <dgm:spPr/>
+    </dgm:pt>
+    <dgm:pt modelId="{C25C719E-CD6A-4161-96C1-CA8A3B5C3F0F}" type="pres">
+      <dgm:prSet presAssocID="{2D68D3BD-BD97-45A4-B87A-780DFD667658}" presName="compositeNode" presStyleCnt="0">
+        <dgm:presLayoutVars>
+          <dgm:bulletEnabled val="1"/>
+        </dgm:presLayoutVars>
+      </dgm:prSet>
+      <dgm:spPr/>
+    </dgm:pt>
+    <dgm:pt modelId="{F8DBA9F7-280C-47A2-867B-600D31E49F16}" type="pres">
+      <dgm:prSet presAssocID="{2D68D3BD-BD97-45A4-B87A-780DFD667658}" presName="bgRect" presStyleLbl="alignNode1" presStyleIdx="0" presStyleCnt="3" custLinFactY="15456" custLinFactNeighborX="-25" custLinFactNeighborY="100000"/>
+      <dgm:spPr/>
+    </dgm:pt>
+    <dgm:pt modelId="{9AFE052E-A739-4574-8A66-8DC1184BB979}" type="pres">
+      <dgm:prSet presAssocID="{4A8FAFAA-F08E-4C6E-BF32-52A6ADA3C995}" presName="sibTransNodeRect" presStyleLbl="alignNode1" presStyleIdx="0" presStyleCnt="3" custFlipVert="1" custScaleY="4308">
+        <dgm:presLayoutVars>
+          <dgm:chMax val="0"/>
+          <dgm:bulletEnabled val="1"/>
+        </dgm:presLayoutVars>
+      </dgm:prSet>
+      <dgm:spPr/>
+    </dgm:pt>
+    <dgm:pt modelId="{631357C2-A020-4B19-8492-FC0E83350D4E}" type="pres">
+      <dgm:prSet presAssocID="{2D68D3BD-BD97-45A4-B87A-780DFD667658}" presName="nodeRect" presStyleLbl="alignNode1" presStyleIdx="0" presStyleCnt="3">
+        <dgm:presLayoutVars>
+          <dgm:bulletEnabled val="1"/>
+        </dgm:presLayoutVars>
+      </dgm:prSet>
+      <dgm:spPr/>
+    </dgm:pt>
+    <dgm:pt modelId="{A27B1F84-860C-4F00-9E64-E28ECA7FBC61}" type="pres">
+      <dgm:prSet presAssocID="{4A8FAFAA-F08E-4C6E-BF32-52A6ADA3C995}" presName="sibTrans" presStyleCnt="0"/>
+      <dgm:spPr/>
+    </dgm:pt>
+    <dgm:pt modelId="{2ABB78F1-7B5C-4AC4-AA1D-DA656E464B2F}" type="pres">
+      <dgm:prSet presAssocID="{82F8E2C6-F3E3-4987-9228-92E87EC40D65}" presName="compositeNode" presStyleCnt="0">
+        <dgm:presLayoutVars>
+          <dgm:bulletEnabled val="1"/>
+        </dgm:presLayoutVars>
+      </dgm:prSet>
+      <dgm:spPr/>
+    </dgm:pt>
+    <dgm:pt modelId="{FF36E90A-16A4-4775-B32E-433646289120}" type="pres">
+      <dgm:prSet presAssocID="{82F8E2C6-F3E3-4987-9228-92E87EC40D65}" presName="bgRect" presStyleLbl="alignNode1" presStyleIdx="1" presStyleCnt="3"/>
+      <dgm:spPr/>
+    </dgm:pt>
+    <dgm:pt modelId="{114A7169-3B89-47EE-BAE5-08166D6B7270}" type="pres">
+      <dgm:prSet presAssocID="{475E4FFB-C2BF-4D39-A194-85B6CE0A5FAD}" presName="sibTransNodeRect" presStyleLbl="alignNode1" presStyleIdx="1" presStyleCnt="3">
+        <dgm:presLayoutVars>
+          <dgm:chMax val="0"/>
+          <dgm:bulletEnabled val="1"/>
+        </dgm:presLayoutVars>
+      </dgm:prSet>
+      <dgm:spPr/>
+    </dgm:pt>
+    <dgm:pt modelId="{F84937B5-6278-4842-A7EB-9891EE9E37D8}" type="pres">
+      <dgm:prSet presAssocID="{82F8E2C6-F3E3-4987-9228-92E87EC40D65}" presName="nodeRect" presStyleLbl="alignNode1" presStyleIdx="1" presStyleCnt="3">
+        <dgm:presLayoutVars>
+          <dgm:bulletEnabled val="1"/>
+        </dgm:presLayoutVars>
+      </dgm:prSet>
+      <dgm:spPr/>
+    </dgm:pt>
+    <dgm:pt modelId="{FF02A467-6459-4A02-BCD1-F05FECB1C711}" type="pres">
+      <dgm:prSet presAssocID="{475E4FFB-C2BF-4D39-A194-85B6CE0A5FAD}" presName="sibTrans" presStyleCnt="0"/>
+      <dgm:spPr/>
+    </dgm:pt>
+    <dgm:pt modelId="{EB5590FF-FF81-40D9-8043-58A178DB447E}" type="pres">
+      <dgm:prSet presAssocID="{CF156196-D61F-42B6-8FE7-EC4626D86A10}" presName="compositeNode" presStyleCnt="0">
+        <dgm:presLayoutVars>
+          <dgm:bulletEnabled val="1"/>
+        </dgm:presLayoutVars>
+      </dgm:prSet>
+      <dgm:spPr/>
+    </dgm:pt>
+    <dgm:pt modelId="{9FD55074-1366-4D6C-A840-719A7C1BDA23}" type="pres">
+      <dgm:prSet presAssocID="{CF156196-D61F-42B6-8FE7-EC4626D86A10}" presName="bgRect" presStyleLbl="alignNode1" presStyleIdx="2" presStyleCnt="3"/>
+      <dgm:spPr/>
+    </dgm:pt>
+    <dgm:pt modelId="{02F883EE-0695-4500-B93F-657D101D52E0}" type="pres">
+      <dgm:prSet presAssocID="{25DA8013-4A75-491D-A45E-A422C5C7EB2F}" presName="sibTransNodeRect" presStyleLbl="alignNode1" presStyleIdx="2" presStyleCnt="3">
+        <dgm:presLayoutVars>
+          <dgm:chMax val="0"/>
+          <dgm:bulletEnabled val="1"/>
+        </dgm:presLayoutVars>
+      </dgm:prSet>
+      <dgm:spPr/>
+    </dgm:pt>
+    <dgm:pt modelId="{6744EA25-1C72-49CC-8B06-FC97EEC411E6}" type="pres">
+      <dgm:prSet presAssocID="{CF156196-D61F-42B6-8FE7-EC4626D86A10}" presName="nodeRect" presStyleLbl="alignNode1" presStyleIdx="2" presStyleCnt="3">
+        <dgm:presLayoutVars>
+          <dgm:bulletEnabled val="1"/>
+        </dgm:presLayoutVars>
+      </dgm:prSet>
+      <dgm:spPr/>
+    </dgm:pt>
+  </dgm:ptLst>
+  <dgm:cxnLst>
+    <dgm:cxn modelId="{8C900D02-7FA4-41B1-A87B-62530C5D4CC4}" type="presOf" srcId="{CF156196-D61F-42B6-8FE7-EC4626D86A10}" destId="{9FD55074-1366-4D6C-A840-719A7C1BDA23}" srcOrd="0" destOrd="0" presId="urn:microsoft.com/office/officeart/2016/7/layout/LinearBlockProcessNumbered"/>
+    <dgm:cxn modelId="{6FB50412-7C2D-4405-A503-10563914C142}" type="presOf" srcId="{CF156196-D61F-42B6-8FE7-EC4626D86A10}" destId="{6744EA25-1C72-49CC-8B06-FC97EEC411E6}" srcOrd="1" destOrd="0" presId="urn:microsoft.com/office/officeart/2016/7/layout/LinearBlockProcessNumbered"/>
+    <dgm:cxn modelId="{6B06F130-FDC5-4564-8AAB-70E63A0E2C16}" type="presOf" srcId="{25DA8013-4A75-491D-A45E-A422C5C7EB2F}" destId="{02F883EE-0695-4500-B93F-657D101D52E0}" srcOrd="0" destOrd="0" presId="urn:microsoft.com/office/officeart/2016/7/layout/LinearBlockProcessNumbered"/>
+    <dgm:cxn modelId="{51751B38-51BB-4F9F-8F33-BC5B70BA3741}" type="presOf" srcId="{475E4FFB-C2BF-4D39-A194-85B6CE0A5FAD}" destId="{114A7169-3B89-47EE-BAE5-08166D6B7270}" srcOrd="0" destOrd="0" presId="urn:microsoft.com/office/officeart/2016/7/layout/LinearBlockProcessNumbered"/>
+    <dgm:cxn modelId="{220BF73D-B7BC-4B2C-88C4-9FD7DDEE92BB}" type="presOf" srcId="{2D68D3BD-BD97-45A4-B87A-780DFD667658}" destId="{631357C2-A020-4B19-8492-FC0E83350D4E}" srcOrd="1" destOrd="0" presId="urn:microsoft.com/office/officeart/2016/7/layout/LinearBlockProcessNumbered"/>
+    <dgm:cxn modelId="{F8F3618F-3597-4A9F-B36C-2443DA6947FA}" type="presOf" srcId="{82F8E2C6-F3E3-4987-9228-92E87EC40D65}" destId="{FF36E90A-16A4-4775-B32E-433646289120}" srcOrd="0" destOrd="0" presId="urn:microsoft.com/office/officeart/2016/7/layout/LinearBlockProcessNumbered"/>
+    <dgm:cxn modelId="{7DA9AE96-97DB-4C4D-96F7-5A296EA87F23}" type="presOf" srcId="{82F8E2C6-F3E3-4987-9228-92E87EC40D65}" destId="{F84937B5-6278-4842-A7EB-9891EE9E37D8}" srcOrd="1" destOrd="0" presId="urn:microsoft.com/office/officeart/2016/7/layout/LinearBlockProcessNumbered"/>
+    <dgm:cxn modelId="{649CC99A-5949-4AEA-85F3-FD641F455EAD}" srcId="{22A3A9FF-FFFA-4406-A487-6922C9292125}" destId="{82F8E2C6-F3E3-4987-9228-92E87EC40D65}" srcOrd="1" destOrd="0" parTransId="{6E405A06-809E-4440-B580-D4592E6CE849}" sibTransId="{475E4FFB-C2BF-4D39-A194-85B6CE0A5FAD}"/>
+    <dgm:cxn modelId="{D378C0AD-F071-4448-BD1F-A04947EE3A3C}" type="presOf" srcId="{22A3A9FF-FFFA-4406-A487-6922C9292125}" destId="{33741958-ED1C-49D4-A55E-C678124E7AE7}" srcOrd="0" destOrd="0" presId="urn:microsoft.com/office/officeart/2016/7/layout/LinearBlockProcessNumbered"/>
+    <dgm:cxn modelId="{30B59EB7-B7EF-4A1D-ADA1-EF1EBC2A8CDD}" type="presOf" srcId="{4A8FAFAA-F08E-4C6E-BF32-52A6ADA3C995}" destId="{9AFE052E-A739-4574-8A66-8DC1184BB979}" srcOrd="0" destOrd="0" presId="urn:microsoft.com/office/officeart/2016/7/layout/LinearBlockProcessNumbered"/>
+    <dgm:cxn modelId="{595300BB-08BA-4C3E-84EA-75D566F3EE67}" srcId="{22A3A9FF-FFFA-4406-A487-6922C9292125}" destId="{CF156196-D61F-42B6-8FE7-EC4626D86A10}" srcOrd="2" destOrd="0" parTransId="{B23059FC-26F6-4EEE-8FB4-B26E729B48BA}" sibTransId="{25DA8013-4A75-491D-A45E-A422C5C7EB2F}"/>
+    <dgm:cxn modelId="{052083CC-60CB-4092-AF17-7E31B439FE27}" type="presOf" srcId="{2D68D3BD-BD97-45A4-B87A-780DFD667658}" destId="{F8DBA9F7-280C-47A2-867B-600D31E49F16}" srcOrd="0" destOrd="0" presId="urn:microsoft.com/office/officeart/2016/7/layout/LinearBlockProcessNumbered"/>
+    <dgm:cxn modelId="{9F75DBDB-9EF0-41FF-A44D-A0787942C53B}" srcId="{22A3A9FF-FFFA-4406-A487-6922C9292125}" destId="{2D68D3BD-BD97-45A4-B87A-780DFD667658}" srcOrd="0" destOrd="0" parTransId="{984690BD-5F51-4154-9C83-B04D1F0991F1}" sibTransId="{4A8FAFAA-F08E-4C6E-BF32-52A6ADA3C995}"/>
+    <dgm:cxn modelId="{6A169A5A-7969-45D1-8861-5DDD982C0AE8}" type="presParOf" srcId="{33741958-ED1C-49D4-A55E-C678124E7AE7}" destId="{C25C719E-CD6A-4161-96C1-CA8A3B5C3F0F}" srcOrd="0" destOrd="0" presId="urn:microsoft.com/office/officeart/2016/7/layout/LinearBlockProcessNumbered"/>
+    <dgm:cxn modelId="{ACA45764-95C2-4EB3-AB0D-D59371B3BC25}" type="presParOf" srcId="{C25C719E-CD6A-4161-96C1-CA8A3B5C3F0F}" destId="{F8DBA9F7-280C-47A2-867B-600D31E49F16}" srcOrd="0" destOrd="0" presId="urn:microsoft.com/office/officeart/2016/7/layout/LinearBlockProcessNumbered"/>
+    <dgm:cxn modelId="{5AD167C1-AC3A-4747-8873-69D5A34F9EFF}" type="presParOf" srcId="{C25C719E-CD6A-4161-96C1-CA8A3B5C3F0F}" destId="{9AFE052E-A739-4574-8A66-8DC1184BB979}" srcOrd="1" destOrd="0" presId="urn:microsoft.com/office/officeart/2016/7/layout/LinearBlockProcessNumbered"/>
+    <dgm:cxn modelId="{DE86011C-912A-4C7F-A16A-302090B64C07}" type="presParOf" srcId="{C25C719E-CD6A-4161-96C1-CA8A3B5C3F0F}" destId="{631357C2-A020-4B19-8492-FC0E83350D4E}" srcOrd="2" destOrd="0" presId="urn:microsoft.com/office/officeart/2016/7/layout/LinearBlockProcessNumbered"/>
+    <dgm:cxn modelId="{8F25E803-BE75-4C69-B253-220A65F28660}" type="presParOf" srcId="{33741958-ED1C-49D4-A55E-C678124E7AE7}" destId="{A27B1F84-860C-4F00-9E64-E28ECA7FBC61}" srcOrd="1" destOrd="0" presId="urn:microsoft.com/office/officeart/2016/7/layout/LinearBlockProcessNumbered"/>
+    <dgm:cxn modelId="{501396C8-466C-46E7-841E-0292EC642DCF}" type="presParOf" srcId="{33741958-ED1C-49D4-A55E-C678124E7AE7}" destId="{2ABB78F1-7B5C-4AC4-AA1D-DA656E464B2F}" srcOrd="2" destOrd="0" presId="urn:microsoft.com/office/officeart/2016/7/layout/LinearBlockProcessNumbered"/>
+    <dgm:cxn modelId="{B3A27DD8-869D-4C1C-9EC0-02B2BE5DC7F5}" type="presParOf" srcId="{2ABB78F1-7B5C-4AC4-AA1D-DA656E464B2F}" destId="{FF36E90A-16A4-4775-B32E-433646289120}" srcOrd="0" destOrd="0" presId="urn:microsoft.com/office/officeart/2016/7/layout/LinearBlockProcessNumbered"/>
+    <dgm:cxn modelId="{C9A95C72-A3E3-49F4-934A-3FCD2FFD5174}" type="presParOf" srcId="{2ABB78F1-7B5C-4AC4-AA1D-DA656E464B2F}" destId="{114A7169-3B89-47EE-BAE5-08166D6B7270}" srcOrd="1" destOrd="0" presId="urn:microsoft.com/office/officeart/2016/7/layout/LinearBlockProcessNumbered"/>
+    <dgm:cxn modelId="{CDAFE4F5-69D5-4A46-8718-71FD5C642E7F}" type="presParOf" srcId="{2ABB78F1-7B5C-4AC4-AA1D-DA656E464B2F}" destId="{F84937B5-6278-4842-A7EB-9891EE9E37D8}" srcOrd="2" destOrd="0" presId="urn:microsoft.com/office/officeart/2016/7/layout/LinearBlockProcessNumbered"/>
+    <dgm:cxn modelId="{26687116-03E1-42CF-BDDE-853740D6D1B5}" type="presParOf" srcId="{33741958-ED1C-49D4-A55E-C678124E7AE7}" destId="{FF02A467-6459-4A02-BCD1-F05FECB1C711}" srcOrd="3" destOrd="0" presId="urn:microsoft.com/office/officeart/2016/7/layout/LinearBlockProcessNumbered"/>
+    <dgm:cxn modelId="{7C8C9E2A-764E-493C-991A-D58731BD172E}" type="presParOf" srcId="{33741958-ED1C-49D4-A55E-C678124E7AE7}" destId="{EB5590FF-FF81-40D9-8043-58A178DB447E}" srcOrd="4" destOrd="0" presId="urn:microsoft.com/office/officeart/2016/7/layout/LinearBlockProcessNumbered"/>
+    <dgm:cxn modelId="{B7A19D15-F027-4704-9353-08EB260C765B}" type="presParOf" srcId="{EB5590FF-FF81-40D9-8043-58A178DB447E}" destId="{9FD55074-1366-4D6C-A840-719A7C1BDA23}" srcOrd="0" destOrd="0" presId="urn:microsoft.com/office/officeart/2016/7/layout/LinearBlockProcessNumbered"/>
+    <dgm:cxn modelId="{37C4032B-A06C-453D-83C3-FC9B82B7C0FC}" type="presParOf" srcId="{EB5590FF-FF81-40D9-8043-58A178DB447E}" destId="{02F883EE-0695-4500-B93F-657D101D52E0}" srcOrd="1" destOrd="0" presId="urn:microsoft.com/office/officeart/2016/7/layout/LinearBlockProcessNumbered"/>
+    <dgm:cxn modelId="{E9252805-6A03-492C-A65B-B35F1AA3F637}" type="presParOf" srcId="{EB5590FF-FF81-40D9-8043-58A178DB447E}" destId="{6744EA25-1C72-49CC-8B06-FC97EEC411E6}" srcOrd="2" destOrd="0" presId="urn:microsoft.com/office/officeart/2016/7/layout/LinearBlockProcessNumbered"/>
+  </dgm:cxnLst>
+  <dgm:bg/>
+  <dgm:whole/>
+  <dgm:extLst>
+    <a:ext uri="http://schemas.microsoft.com/office/drawing/2008/diagram">
+      <dsp:dataModelExt xmlns:dsp="http://schemas.microsoft.com/office/drawing/2008/diagram" relId="rId6" minVer="http://schemas.openxmlformats.org/drawingml/2006/diagram"/>
+    </a:ext>
+  </dgm:extLst>
+</dgm:dataModel>
+</file>
+
+<file path=ppt/diagrams/data5.xml><?xml version="1.0" encoding="utf-8"?>
+<dgm:dataModel xmlns:dgm="http://schemas.openxmlformats.org/drawingml/2006/diagram" xmlns:a="http://schemas.openxmlformats.org/drawingml/2006/main">
+  <dgm:ptLst>
+    <dgm:pt modelId="{22A3A9FF-FFFA-4406-A487-6922C9292125}" type="doc">
       <dgm:prSet loTypeId="urn:microsoft.com/office/officeart/2005/8/layout/hierarchy1" loCatId="hierarchy" qsTypeId="urn:microsoft.com/office/officeart/2005/8/quickstyle/simple1" qsCatId="simple" csTypeId="urn:microsoft.com/office/officeart/2005/8/colors/accent1_2" csCatId="accent1"/>
       <dgm:spPr/>
       <dgm:t>
@@ -5982,7 +7016,7 @@
 </dgm:dataModel>
 </file>
 
-<file path=ppt/diagrams/data5.xml><?xml version="1.0" encoding="utf-8"?>
+<file path=ppt/diagrams/data6.xml><?xml version="1.0" encoding="utf-8"?>
 <dgm:dataModel xmlns:dgm="http://schemas.openxmlformats.org/drawingml/2006/diagram" xmlns:a="http://schemas.openxmlformats.org/drawingml/2006/main">
   <dgm:ptLst>
     <dgm:pt modelId="{C7F0A1D7-0800-47E4-8360-F0F7C8E54634}" type="doc">
@@ -6362,8 +7396,8 @@
     <dgm:cxn modelId="{F8514811-1EEF-4294-820E-AA18A44CC068}" type="presOf" srcId="{66CECAA6-C95D-497D-9A2B-217C1584991E}" destId="{413BDF71-797C-43E2-A0E3-B2F48556CDD3}" srcOrd="0" destOrd="0" presId="urn:microsoft.com/office/officeart/2018/2/layout/IconVerticalSolidList"/>
     <dgm:cxn modelId="{5C9B6030-9E9A-433C-9742-359D9FE2108B}" srcId="{C7F0A1D7-0800-47E4-8360-F0F7C8E54634}" destId="{A49277D7-54BA-479F-8B66-2B26B19D1B8F}" srcOrd="3" destOrd="0" parTransId="{15F14939-915B-473D-BA55-124DBE76EFAA}" sibTransId="{E6BEAC95-69CC-4CB4-A3F6-BA1E9CD3AC46}"/>
     <dgm:cxn modelId="{06AB6B36-6CED-4948-9469-B96C49747AD4}" srcId="{C7F0A1D7-0800-47E4-8360-F0F7C8E54634}" destId="{CA2B206A-6ED0-4710-9825-20F199AB4C51}" srcOrd="0" destOrd="0" parTransId="{1CDFD4B2-124E-48F3-AF2A-E7E5EE02A8B4}" sibTransId="{21BA5433-BFAC-4F4C-B326-1B0D0BBA2775}"/>
+    <dgm:cxn modelId="{0C1C905C-4473-4F47-A40F-1902110AC0BF}" type="presOf" srcId="{C7F0A1D7-0800-47E4-8360-F0F7C8E54634}" destId="{0D134DAE-5DE8-45A4-89FA-505C8A4CF0A5}" srcOrd="0" destOrd="0" presId="urn:microsoft.com/office/officeart/2018/2/layout/IconVerticalSolidList"/>
     <dgm:cxn modelId="{F38A1549-7F06-4174-9E64-ACF8DE2731B2}" type="presOf" srcId="{1E71197A-7897-4641-91D5-4109C2165BAB}" destId="{E3405D57-E903-4AE5-B0C9-B029EC62EE40}" srcOrd="0" destOrd="0" presId="urn:microsoft.com/office/officeart/2018/2/layout/IconVerticalSolidList"/>
-    <dgm:cxn modelId="{0C1C905C-4473-4F47-A40F-1902110AC0BF}" type="presOf" srcId="{C7F0A1D7-0800-47E4-8360-F0F7C8E54634}" destId="{0D134DAE-5DE8-45A4-89FA-505C8A4CF0A5}" srcOrd="0" destOrd="0" presId="urn:microsoft.com/office/officeart/2018/2/layout/IconVerticalSolidList"/>
     <dgm:cxn modelId="{8849D869-4C82-4DA5-B204-8AD3A0211238}" type="presOf" srcId="{A49277D7-54BA-479F-8B66-2B26B19D1B8F}" destId="{1EDB1346-6AE8-47EA-9C9F-B1CCBF2E21DD}" srcOrd="0" destOrd="0" presId="urn:microsoft.com/office/officeart/2018/2/layout/IconVerticalSolidList"/>
     <dgm:cxn modelId="{97C04EAB-1476-4285-AF1C-E1F959ED97CB}" type="presOf" srcId="{CA2B206A-6ED0-4710-9825-20F199AB4C51}" destId="{CC8FBE51-4C1E-4003-AE9F-E51AEEAA4ED3}" srcOrd="0" destOrd="0" presId="urn:microsoft.com/office/officeart/2018/2/layout/IconVerticalSolidList"/>
     <dgm:cxn modelId="{9D8727AD-EF57-476C-9998-10EC375C117A}" srcId="{C7F0A1D7-0800-47E4-8360-F0F7C8E54634}" destId="{1E71197A-7897-4641-91D5-4109C2165BAB}" srcOrd="2" destOrd="0" parTransId="{A35328CB-DEDA-42A2-A838-9EFB45E62018}" sibTransId="{846B2897-FCC7-4017-9315-A84E166EEE83}"/>
@@ -6402,7 +7436,7 @@
 </dgm:dataModel>
 </file>
 
-<file path=ppt/diagrams/data6.xml><?xml version="1.0" encoding="utf-8"?>
+<file path=ppt/diagrams/data7.xml><?xml version="1.0" encoding="utf-8"?>
 <dgm:dataModel xmlns:dgm="http://schemas.openxmlformats.org/drawingml/2006/diagram" xmlns:a="http://schemas.openxmlformats.org/drawingml/2006/main">
   <dgm:ptLst>
     <dgm:pt modelId="{62ABCDD8-276F-4700-BAC6-45397441CA2F}" type="doc">
@@ -7714,6 +8748,540 @@
       <dsp:cNvGrpSpPr/>
     </dsp:nvGrpSpPr>
     <dsp:grpSpPr/>
+    <dsp:sp modelId="{F8DBA9F7-280C-47A2-867B-600D31E49F16}">
+      <dsp:nvSpPr>
+        <dsp:cNvPr id="0" name=""/>
+        <dsp:cNvSpPr/>
+      </dsp:nvSpPr>
+      <dsp:spPr>
+        <a:xfrm>
+          <a:off x="0" y="0"/>
+          <a:ext cx="3327201" cy="2653012"/>
+        </a:xfrm>
+        <a:prstGeom prst="rect">
+          <a:avLst/>
+        </a:prstGeom>
+        <a:gradFill rotWithShape="0">
+          <a:gsLst>
+            <a:gs pos="0">
+              <a:schemeClr val="accent1">
+                <a:hueOff val="0"/>
+                <a:satOff val="0"/>
+                <a:lumOff val="0"/>
+                <a:alphaOff val="0"/>
+                <a:satMod val="103000"/>
+                <a:lumMod val="102000"/>
+                <a:tint val="94000"/>
+              </a:schemeClr>
+            </a:gs>
+            <a:gs pos="50000">
+              <a:schemeClr val="accent1">
+                <a:hueOff val="0"/>
+                <a:satOff val="0"/>
+                <a:lumOff val="0"/>
+                <a:alphaOff val="0"/>
+                <a:satMod val="110000"/>
+                <a:lumMod val="100000"/>
+                <a:shade val="100000"/>
+              </a:schemeClr>
+            </a:gs>
+            <a:gs pos="100000">
+              <a:schemeClr val="accent1">
+                <a:hueOff val="0"/>
+                <a:satOff val="0"/>
+                <a:lumOff val="0"/>
+                <a:alphaOff val="0"/>
+                <a:lumMod val="99000"/>
+                <a:satMod val="120000"/>
+                <a:shade val="78000"/>
+              </a:schemeClr>
+            </a:gs>
+          </a:gsLst>
+          <a:lin ang="5400000" scaled="0"/>
+        </a:gradFill>
+        <a:ln>
+          <a:noFill/>
+        </a:ln>
+        <a:effectLst/>
+        <a:scene3d>
+          <a:camera prst="orthographicFront"/>
+          <a:lightRig rig="threePt" dir="t">
+            <a:rot lat="0" lon="0" rev="7500000"/>
+          </a:lightRig>
+        </a:scene3d>
+        <a:sp3d prstMaterial="plastic">
+          <a:bevelT w="127000" h="25400" prst="relaxedInset"/>
+        </a:sp3d>
+      </dsp:spPr>
+      <dsp:style>
+        <a:lnRef idx="0">
+          <a:scrgbClr r="0" g="0" b="0"/>
+        </a:lnRef>
+        <a:fillRef idx="3">
+          <a:scrgbClr r="0" g="0" b="0"/>
+        </a:fillRef>
+        <a:effectRef idx="2">
+          <a:scrgbClr r="0" g="0" b="0"/>
+        </a:effectRef>
+        <a:fontRef idx="minor">
+          <a:schemeClr val="lt1"/>
+        </a:fontRef>
+      </dsp:style>
+      <dsp:txBody>
+        <a:bodyPr spcFirstLastPara="0" vert="horz" wrap="square" lIns="328654" tIns="0" rIns="328654" bIns="330200" numCol="1" spcCol="1270" anchor="t" anchorCtr="0">
+          <a:noAutofit/>
+        </a:bodyPr>
+        <a:lstStyle/>
+        <a:p>
+          <a:pPr marL="0" lvl="0" indent="0" algn="l" defTabSz="1155700">
+            <a:lnSpc>
+              <a:spcPct val="100000"/>
+            </a:lnSpc>
+            <a:spcBef>
+              <a:spcPct val="0"/>
+            </a:spcBef>
+            <a:spcAft>
+              <a:spcPct val="35000"/>
+            </a:spcAft>
+            <a:buNone/>
+          </a:pPr>
+          <a:r>
+            <a:rPr lang="en-US" sz="2600" kern="1200" dirty="0"/>
+            <a:t>99.73% accuracy for positive sentiment</a:t>
+          </a:r>
+        </a:p>
+      </dsp:txBody>
+      <dsp:txXfrm>
+        <a:off x="0" y="1061204"/>
+        <a:ext cx="3327201" cy="1591807"/>
+      </dsp:txXfrm>
+    </dsp:sp>
+    <dsp:sp modelId="{9AFE052E-A739-4574-8A66-8DC1184BB979}">
+      <dsp:nvSpPr>
+        <dsp:cNvPr id="0" name=""/>
+        <dsp:cNvSpPr/>
+      </dsp:nvSpPr>
+      <dsp:spPr>
+        <a:xfrm flipV="1">
+          <a:off x="821" y="507744"/>
+          <a:ext cx="3327201" cy="45716"/>
+        </a:xfrm>
+        <a:prstGeom prst="rect">
+          <a:avLst/>
+        </a:prstGeom>
+        <a:noFill/>
+        <a:ln>
+          <a:noFill/>
+        </a:ln>
+        <a:effectLst/>
+        <a:scene3d>
+          <a:camera prst="orthographicFront"/>
+          <a:lightRig rig="threePt" dir="t">
+            <a:rot lat="0" lon="0" rev="7500000"/>
+          </a:lightRig>
+        </a:scene3d>
+        <a:sp3d/>
+      </dsp:spPr>
+      <dsp:style>
+        <a:lnRef idx="0">
+          <a:scrgbClr r="0" g="0" b="0"/>
+        </a:lnRef>
+        <a:fillRef idx="1">
+          <a:scrgbClr r="0" g="0" b="0"/>
+        </a:fillRef>
+        <a:effectRef idx="2">
+          <a:scrgbClr r="0" g="0" b="0"/>
+        </a:effectRef>
+        <a:fontRef idx="minor">
+          <a:schemeClr val="lt1"/>
+        </a:fontRef>
+      </dsp:style>
+      <dsp:txBody>
+        <a:bodyPr spcFirstLastPara="0" vert="horz" wrap="square" lIns="328654" tIns="165100" rIns="328654" bIns="165100" numCol="1" spcCol="1270" anchor="ctr" anchorCtr="0">
+          <a:noAutofit/>
+        </a:bodyPr>
+        <a:lstStyle/>
+        <a:p>
+          <a:pPr marL="0" lvl="0" indent="0" algn="l" defTabSz="622300">
+            <a:lnSpc>
+              <a:spcPct val="90000"/>
+            </a:lnSpc>
+            <a:spcBef>
+              <a:spcPct val="0"/>
+            </a:spcBef>
+            <a:spcAft>
+              <a:spcPct val="35000"/>
+            </a:spcAft>
+            <a:buNone/>
+          </a:pPr>
+          <a:endParaRPr lang="en-US" sz="1400" kern="1200" dirty="0"/>
+        </a:p>
+      </dsp:txBody>
+      <dsp:txXfrm rot="10800000">
+        <a:off x="821" y="507744"/>
+        <a:ext cx="3327201" cy="45716"/>
+      </dsp:txXfrm>
+    </dsp:sp>
+    <dsp:sp modelId="{FF36E90A-16A4-4775-B32E-433646289120}">
+      <dsp:nvSpPr>
+        <dsp:cNvPr id="0" name=""/>
+        <dsp:cNvSpPr/>
+      </dsp:nvSpPr>
+      <dsp:spPr>
+        <a:xfrm>
+          <a:off x="3594199" y="0"/>
+          <a:ext cx="3327201" cy="2653012"/>
+        </a:xfrm>
+        <a:prstGeom prst="rect">
+          <a:avLst/>
+        </a:prstGeom>
+        <a:gradFill rotWithShape="0">
+          <a:gsLst>
+            <a:gs pos="0">
+              <a:schemeClr val="accent1">
+                <a:hueOff val="0"/>
+                <a:satOff val="0"/>
+                <a:lumOff val="0"/>
+                <a:alphaOff val="0"/>
+                <a:satMod val="103000"/>
+                <a:lumMod val="102000"/>
+                <a:tint val="94000"/>
+              </a:schemeClr>
+            </a:gs>
+            <a:gs pos="50000">
+              <a:schemeClr val="accent1">
+                <a:hueOff val="0"/>
+                <a:satOff val="0"/>
+                <a:lumOff val="0"/>
+                <a:alphaOff val="0"/>
+                <a:satMod val="110000"/>
+                <a:lumMod val="100000"/>
+                <a:shade val="100000"/>
+              </a:schemeClr>
+            </a:gs>
+            <a:gs pos="100000">
+              <a:schemeClr val="accent1">
+                <a:hueOff val="0"/>
+                <a:satOff val="0"/>
+                <a:lumOff val="0"/>
+                <a:alphaOff val="0"/>
+                <a:lumMod val="99000"/>
+                <a:satMod val="120000"/>
+                <a:shade val="78000"/>
+              </a:schemeClr>
+            </a:gs>
+          </a:gsLst>
+          <a:lin ang="5400000" scaled="0"/>
+        </a:gradFill>
+        <a:ln>
+          <a:noFill/>
+        </a:ln>
+        <a:effectLst/>
+        <a:scene3d>
+          <a:camera prst="orthographicFront"/>
+          <a:lightRig rig="threePt" dir="t">
+            <a:rot lat="0" lon="0" rev="7500000"/>
+          </a:lightRig>
+        </a:scene3d>
+        <a:sp3d prstMaterial="plastic">
+          <a:bevelT w="127000" h="25400" prst="relaxedInset"/>
+        </a:sp3d>
+      </dsp:spPr>
+      <dsp:style>
+        <a:lnRef idx="0">
+          <a:scrgbClr r="0" g="0" b="0"/>
+        </a:lnRef>
+        <a:fillRef idx="3">
+          <a:scrgbClr r="0" g="0" b="0"/>
+        </a:fillRef>
+        <a:effectRef idx="2">
+          <a:scrgbClr r="0" g="0" b="0"/>
+        </a:effectRef>
+        <a:fontRef idx="minor">
+          <a:schemeClr val="lt1"/>
+        </a:fontRef>
+      </dsp:style>
+      <dsp:txBody>
+        <a:bodyPr spcFirstLastPara="0" vert="horz" wrap="square" lIns="328654" tIns="0" rIns="328654" bIns="330200" numCol="1" spcCol="1270" anchor="t" anchorCtr="0">
+          <a:noAutofit/>
+        </a:bodyPr>
+        <a:lstStyle/>
+        <a:p>
+          <a:pPr marL="0" lvl="0" indent="0" algn="l" defTabSz="1155700">
+            <a:lnSpc>
+              <a:spcPct val="100000"/>
+            </a:lnSpc>
+            <a:spcBef>
+              <a:spcPct val="0"/>
+            </a:spcBef>
+            <a:spcAft>
+              <a:spcPct val="35000"/>
+            </a:spcAft>
+            <a:buNone/>
+          </a:pPr>
+          <a:r>
+            <a:rPr lang="en-US" sz="2600" kern="1200" dirty="0"/>
+            <a:t>99.97% accuracy for negative sentiment</a:t>
+          </a:r>
+        </a:p>
+      </dsp:txBody>
+      <dsp:txXfrm>
+        <a:off x="3594199" y="1061204"/>
+        <a:ext cx="3327201" cy="1591807"/>
+      </dsp:txXfrm>
+    </dsp:sp>
+    <dsp:sp modelId="{114A7169-3B89-47EE-BAE5-08166D6B7270}">
+      <dsp:nvSpPr>
+        <dsp:cNvPr id="0" name=""/>
+        <dsp:cNvSpPr/>
+      </dsp:nvSpPr>
+      <dsp:spPr>
+        <a:xfrm>
+          <a:off x="3594199" y="0"/>
+          <a:ext cx="3327201" cy="1061204"/>
+        </a:xfrm>
+        <a:prstGeom prst="rect">
+          <a:avLst/>
+        </a:prstGeom>
+        <a:noFill/>
+        <a:ln>
+          <a:noFill/>
+        </a:ln>
+        <a:effectLst/>
+        <a:scene3d>
+          <a:camera prst="orthographicFront"/>
+          <a:lightRig rig="threePt" dir="t">
+            <a:rot lat="0" lon="0" rev="7500000"/>
+          </a:lightRig>
+        </a:scene3d>
+        <a:sp3d/>
+      </dsp:spPr>
+      <dsp:style>
+        <a:lnRef idx="0">
+          <a:scrgbClr r="0" g="0" b="0"/>
+        </a:lnRef>
+        <a:fillRef idx="1">
+          <a:scrgbClr r="0" g="0" b="0"/>
+        </a:fillRef>
+        <a:effectRef idx="2">
+          <a:scrgbClr r="0" g="0" b="0"/>
+        </a:effectRef>
+        <a:fontRef idx="minor">
+          <a:schemeClr val="lt1"/>
+        </a:fontRef>
+      </dsp:style>
+      <dsp:txBody>
+        <a:bodyPr spcFirstLastPara="0" vert="horz" wrap="square" lIns="328654" tIns="165100" rIns="328654" bIns="165100" numCol="1" spcCol="1270" anchor="ctr" anchorCtr="0">
+          <a:noAutofit/>
+        </a:bodyPr>
+        <a:lstStyle/>
+        <a:p>
+          <a:pPr marL="0" lvl="0" indent="0" algn="l" defTabSz="2311400">
+            <a:lnSpc>
+              <a:spcPct val="90000"/>
+            </a:lnSpc>
+            <a:spcBef>
+              <a:spcPct val="0"/>
+            </a:spcBef>
+            <a:spcAft>
+              <a:spcPct val="35000"/>
+            </a:spcAft>
+            <a:buNone/>
+          </a:pPr>
+          <a:endParaRPr lang="en-US" sz="5200" kern="1200" dirty="0"/>
+        </a:p>
+      </dsp:txBody>
+      <dsp:txXfrm>
+        <a:off x="3594199" y="0"/>
+        <a:ext cx="3327201" cy="1061204"/>
+      </dsp:txXfrm>
+    </dsp:sp>
+    <dsp:sp modelId="{9FD55074-1366-4D6C-A840-719A7C1BDA23}">
+      <dsp:nvSpPr>
+        <dsp:cNvPr id="0" name=""/>
+        <dsp:cNvSpPr/>
+      </dsp:nvSpPr>
+      <dsp:spPr>
+        <a:xfrm>
+          <a:off x="7187576" y="0"/>
+          <a:ext cx="3327201" cy="2653012"/>
+        </a:xfrm>
+        <a:prstGeom prst="rect">
+          <a:avLst/>
+        </a:prstGeom>
+        <a:gradFill rotWithShape="0">
+          <a:gsLst>
+            <a:gs pos="0">
+              <a:schemeClr val="accent1">
+                <a:hueOff val="0"/>
+                <a:satOff val="0"/>
+                <a:lumOff val="0"/>
+                <a:alphaOff val="0"/>
+                <a:satMod val="103000"/>
+                <a:lumMod val="102000"/>
+                <a:tint val="94000"/>
+              </a:schemeClr>
+            </a:gs>
+            <a:gs pos="50000">
+              <a:schemeClr val="accent1">
+                <a:hueOff val="0"/>
+                <a:satOff val="0"/>
+                <a:lumOff val="0"/>
+                <a:alphaOff val="0"/>
+                <a:satMod val="110000"/>
+                <a:lumMod val="100000"/>
+                <a:shade val="100000"/>
+              </a:schemeClr>
+            </a:gs>
+            <a:gs pos="100000">
+              <a:schemeClr val="accent1">
+                <a:hueOff val="0"/>
+                <a:satOff val="0"/>
+                <a:lumOff val="0"/>
+                <a:alphaOff val="0"/>
+                <a:lumMod val="99000"/>
+                <a:satMod val="120000"/>
+                <a:shade val="78000"/>
+              </a:schemeClr>
+            </a:gs>
+          </a:gsLst>
+          <a:lin ang="5400000" scaled="0"/>
+        </a:gradFill>
+        <a:ln>
+          <a:noFill/>
+        </a:ln>
+        <a:effectLst/>
+        <a:scene3d>
+          <a:camera prst="orthographicFront"/>
+          <a:lightRig rig="threePt" dir="t">
+            <a:rot lat="0" lon="0" rev="7500000"/>
+          </a:lightRig>
+        </a:scene3d>
+        <a:sp3d prstMaterial="plastic">
+          <a:bevelT w="127000" h="25400" prst="relaxedInset"/>
+        </a:sp3d>
+      </dsp:spPr>
+      <dsp:style>
+        <a:lnRef idx="0">
+          <a:scrgbClr r="0" g="0" b="0"/>
+        </a:lnRef>
+        <a:fillRef idx="3">
+          <a:scrgbClr r="0" g="0" b="0"/>
+        </a:fillRef>
+        <a:effectRef idx="2">
+          <a:scrgbClr r="0" g="0" b="0"/>
+        </a:effectRef>
+        <a:fontRef idx="minor">
+          <a:schemeClr val="lt1"/>
+        </a:fontRef>
+      </dsp:style>
+      <dsp:txBody>
+        <a:bodyPr spcFirstLastPara="0" vert="horz" wrap="square" lIns="328654" tIns="0" rIns="328654" bIns="330200" numCol="1" spcCol="1270" anchor="t" anchorCtr="0">
+          <a:noAutofit/>
+        </a:bodyPr>
+        <a:lstStyle/>
+        <a:p>
+          <a:pPr marL="0" lvl="0" indent="0" algn="l" defTabSz="1155700">
+            <a:lnSpc>
+              <a:spcPct val="100000"/>
+            </a:lnSpc>
+            <a:spcBef>
+              <a:spcPct val="0"/>
+            </a:spcBef>
+            <a:spcAft>
+              <a:spcPct val="35000"/>
+            </a:spcAft>
+            <a:buNone/>
+          </a:pPr>
+          <a:r>
+            <a:rPr lang="en-US" sz="2600" kern="1200" dirty="0"/>
+            <a:t>0% accuracy overall</a:t>
+          </a:r>
+        </a:p>
+      </dsp:txBody>
+      <dsp:txXfrm>
+        <a:off x="7187576" y="1061204"/>
+        <a:ext cx="3327201" cy="1591807"/>
+      </dsp:txXfrm>
+    </dsp:sp>
+    <dsp:sp modelId="{02F883EE-0695-4500-B93F-657D101D52E0}">
+      <dsp:nvSpPr>
+        <dsp:cNvPr id="0" name=""/>
+        <dsp:cNvSpPr/>
+      </dsp:nvSpPr>
+      <dsp:spPr>
+        <a:xfrm>
+          <a:off x="7187576" y="0"/>
+          <a:ext cx="3327201" cy="1061204"/>
+        </a:xfrm>
+        <a:prstGeom prst="rect">
+          <a:avLst/>
+        </a:prstGeom>
+        <a:noFill/>
+        <a:ln>
+          <a:noFill/>
+        </a:ln>
+        <a:effectLst/>
+        <a:scene3d>
+          <a:camera prst="orthographicFront"/>
+          <a:lightRig rig="threePt" dir="t">
+            <a:rot lat="0" lon="0" rev="7500000"/>
+          </a:lightRig>
+        </a:scene3d>
+        <a:sp3d/>
+      </dsp:spPr>
+      <dsp:style>
+        <a:lnRef idx="0">
+          <a:scrgbClr r="0" g="0" b="0"/>
+        </a:lnRef>
+        <a:fillRef idx="1">
+          <a:scrgbClr r="0" g="0" b="0"/>
+        </a:fillRef>
+        <a:effectRef idx="2">
+          <a:scrgbClr r="0" g="0" b="0"/>
+        </a:effectRef>
+        <a:fontRef idx="minor">
+          <a:schemeClr val="lt1"/>
+        </a:fontRef>
+      </dsp:style>
+      <dsp:txBody>
+        <a:bodyPr spcFirstLastPara="0" vert="horz" wrap="square" lIns="328654" tIns="165100" rIns="328654" bIns="165100" numCol="1" spcCol="1270" anchor="ctr" anchorCtr="0">
+          <a:noAutofit/>
+        </a:bodyPr>
+        <a:lstStyle/>
+        <a:p>
+          <a:pPr marL="0" lvl="0" indent="0" algn="l" defTabSz="2311400">
+            <a:lnSpc>
+              <a:spcPct val="90000"/>
+            </a:lnSpc>
+            <a:spcBef>
+              <a:spcPct val="0"/>
+            </a:spcBef>
+            <a:spcAft>
+              <a:spcPct val="35000"/>
+            </a:spcAft>
+            <a:buNone/>
+          </a:pPr>
+          <a:endParaRPr lang="en-US" sz="5200" kern="1200" dirty="0"/>
+        </a:p>
+      </dsp:txBody>
+      <dsp:txXfrm>
+        <a:off x="7187576" y="0"/>
+        <a:ext cx="3327201" cy="1061204"/>
+      </dsp:txXfrm>
+    </dsp:sp>
+  </dsp:spTree>
+</dsp:drawing>
+</file>
+
+<file path=ppt/diagrams/drawing5.xml><?xml version="1.0" encoding="utf-8"?>
+<dsp:drawing xmlns:dgm="http://schemas.openxmlformats.org/drawingml/2006/diagram" xmlns:dsp="http://schemas.microsoft.com/office/drawing/2008/diagram" xmlns:a="http://schemas.openxmlformats.org/drawingml/2006/main">
+  <dsp:spTree>
+    <dsp:nvGrpSpPr>
+      <dsp:cNvPr id="0" name=""/>
+      <dsp:cNvGrpSpPr/>
+    </dsp:nvGrpSpPr>
+    <dsp:grpSpPr/>
     <dsp:sp modelId="{88ACFC13-28EE-934A-8B0E-9330BEF9E136}">
       <dsp:nvSpPr>
         <dsp:cNvPr id="0" name=""/>
@@ -8242,7 +9810,7 @@
 </dsp:drawing>
 </file>
 
-<file path=ppt/diagrams/drawing5.xml><?xml version="1.0" encoding="utf-8"?>
+<file path=ppt/diagrams/drawing6.xml><?xml version="1.0" encoding="utf-8"?>
 <dsp:drawing xmlns:dgm="http://schemas.openxmlformats.org/drawingml/2006/diagram" xmlns:dsp="http://schemas.microsoft.com/office/drawing/2008/diagram" xmlns:a="http://schemas.openxmlformats.org/drawingml/2006/main">
   <dsp:spTree>
     <dsp:nvGrpSpPr>
@@ -8862,7 +10430,7 @@
 </dsp:drawing>
 </file>
 
-<file path=ppt/diagrams/drawing6.xml><?xml version="1.0" encoding="utf-8"?>
+<file path=ppt/diagrams/drawing7.xml><?xml version="1.0" encoding="utf-8"?>
 <dsp:drawing xmlns:dgm="http://schemas.openxmlformats.org/drawingml/2006/diagram" xmlns:dsp="http://schemas.microsoft.com/office/drawing/2008/diagram" xmlns:a="http://schemas.openxmlformats.org/drawingml/2006/main">
   <dsp:spTree>
     <dsp:nvGrpSpPr>
@@ -10029,6 +11597,272 @@
 </file>
 
 <file path=ppt/diagrams/layout4.xml><?xml version="1.0" encoding="utf-8"?>
+<dgm:layoutDef xmlns:dgm="http://schemas.openxmlformats.org/drawingml/2006/diagram" xmlns:a="http://schemas.openxmlformats.org/drawingml/2006/main" uniqueId="urn:microsoft.com/office/officeart/2016/7/layout/LinearBlockProcessNumbered">
+  <dgm:title val="Linear Block Process Numbered"/>
+  <dgm:desc val="Used to show a progression; a timeline; sequential steps in a task, process, or workflow; or to emphasize movement or direction. Automatic numbers have been introduced to show the steps of the process. Level 1 text and Level 2 text both appears in a rectangle."/>
+  <dgm:catLst>
+    <dgm:cat type="process" pri="500"/>
+  </dgm:catLst>
+  <dgm:sampData>
+    <dgm:dataModel>
+      <dgm:ptLst>
+        <dgm:pt modelId="0" type="doc"/>
+        <dgm:pt modelId="1">
+          <dgm:prSet phldr="1"/>
+        </dgm:pt>
+        <dgm:pt modelId="11">
+          <dgm:prSet phldr="1"/>
+        </dgm:pt>
+        <dgm:pt modelId="2">
+          <dgm:prSet phldr="1"/>
+        </dgm:pt>
+        <dgm:pt modelId="21">
+          <dgm:prSet phldr="1"/>
+        </dgm:pt>
+        <dgm:pt modelId="3">
+          <dgm:prSet phldr="1"/>
+        </dgm:pt>
+        <dgm:pt modelId="31">
+          <dgm:prSet phldr="1"/>
+        </dgm:pt>
+        <dgm:pt modelId="101" type="sibTrans" cxnId="4">
+          <dgm:prSet phldrT="1"/>
+          <dgm:t>
+            <a:bodyPr/>
+            <a:lstStyle/>
+            <a:p>
+              <a:r>
+                <a:t>01</a:t>
+              </a:r>
+            </a:p>
+          </dgm:t>
+        </dgm:pt>
+        <dgm:pt modelId="201" type="sibTrans" cxnId="5">
+          <dgm:prSet phldrT="2"/>
+          <dgm:t>
+            <a:bodyPr/>
+            <a:lstStyle/>
+            <a:p>
+              <a:r>
+                <a:t>02</a:t>
+              </a:r>
+            </a:p>
+          </dgm:t>
+        </dgm:pt>
+        <dgm:pt modelId="301" type="sibTrans" cxnId="6">
+          <dgm:prSet phldrT="3"/>
+          <dgm:t>
+            <a:bodyPr/>
+            <a:lstStyle/>
+            <a:p>
+              <a:r>
+                <a:t>03</a:t>
+              </a:r>
+            </a:p>
+          </dgm:t>
+        </dgm:pt>
+      </dgm:ptLst>
+      <dgm:cxnLst>
+        <dgm:cxn modelId="4" srcId="0" destId="1" srcOrd="0" destOrd="0" sibTransId="101"/>
+        <dgm:cxn modelId="5" srcId="0" destId="2" srcOrd="1" destOrd="0" sibTransId="201"/>
+        <dgm:cxn modelId="6" srcId="0" destId="3" srcOrd="2" destOrd="0" sibTransId="301"/>
+        <dgm:cxn modelId="13" srcId="1" destId="11" srcOrd="0" destOrd="0"/>
+        <dgm:cxn modelId="23" srcId="2" destId="21" srcOrd="0" destOrd="0"/>
+        <dgm:cxn modelId="33" srcId="3" destId="31" srcOrd="0" destOrd="0"/>
+      </dgm:cxnLst>
+      <dgm:bg/>
+      <dgm:whole/>
+    </dgm:dataModel>
+  </dgm:sampData>
+  <dgm:styleData>
+    <dgm:dataModel>
+      <dgm:ptLst>
+        <dgm:pt modelId="0" type="doc"/>
+        <dgm:pt modelId="1"/>
+        <dgm:pt modelId="11"/>
+        <dgm:pt modelId="2"/>
+        <dgm:pt modelId="21"/>
+      </dgm:ptLst>
+      <dgm:cxnLst>
+        <dgm:cxn modelId="4" srcId="0" destId="1" srcOrd="0" destOrd="0"/>
+        <dgm:cxn modelId="5" srcId="0" destId="2" srcOrd="1" destOrd="0"/>
+        <dgm:cxn modelId="13" srcId="1" destId="11" srcOrd="0" destOrd="0"/>
+        <dgm:cxn modelId="23" srcId="2" destId="21" srcOrd="0" destOrd="0"/>
+      </dgm:cxnLst>
+      <dgm:bg/>
+      <dgm:whole/>
+    </dgm:dataModel>
+  </dgm:styleData>
+  <dgm:clrData>
+    <dgm:dataModel>
+      <dgm:ptLst>
+        <dgm:pt modelId="0" type="doc"/>
+        <dgm:pt modelId="1"/>
+        <dgm:pt modelId="11"/>
+        <dgm:pt modelId="2"/>
+        <dgm:pt modelId="21"/>
+        <dgm:pt modelId="3"/>
+        <dgm:pt modelId="31"/>
+        <dgm:pt modelId="4"/>
+        <dgm:pt modelId="41"/>
+      </dgm:ptLst>
+      <dgm:cxnLst>
+        <dgm:cxn modelId="5" srcId="0" destId="1" srcOrd="0" destOrd="0"/>
+        <dgm:cxn modelId="6" srcId="0" destId="2" srcOrd="1" destOrd="0"/>
+        <dgm:cxn modelId="7" srcId="0" destId="3" srcOrd="2" destOrd="0"/>
+        <dgm:cxn modelId="8" srcId="0" destId="4" srcOrd="3" destOrd="0"/>
+        <dgm:cxn modelId="13" srcId="1" destId="11" srcOrd="0" destOrd="0"/>
+        <dgm:cxn modelId="23" srcId="2" destId="21" srcOrd="0" destOrd="0"/>
+        <dgm:cxn modelId="33" srcId="3" destId="31" srcOrd="0" destOrd="0"/>
+        <dgm:cxn modelId="43" srcId="4" destId="41" srcOrd="0" destOrd="0"/>
+      </dgm:cxnLst>
+      <dgm:bg/>
+      <dgm:whole/>
+    </dgm:dataModel>
+  </dgm:clrData>
+  <dgm:layoutNode name="Name0">
+    <dgm:varLst>
+      <dgm:animLvl val="lvl"/>
+      <dgm:resizeHandles val="exact"/>
+    </dgm:varLst>
+    <dgm:alg type="lin">
+      <dgm:param type="linDir" val="fromL"/>
+      <dgm:param type="nodeVertAlign" val="t"/>
+    </dgm:alg>
+    <dgm:shape xmlns:r="http://schemas.openxmlformats.org/officeDocument/2006/relationships" r:blip="">
+      <dgm:adjLst/>
+    </dgm:shape>
+    <dgm:presOf/>
+    <dgm:constrLst>
+      <dgm:constr type="h" for="ch" forName="compositeNode" refType="h"/>
+      <dgm:constr type="w" for="ch" forName="compositeNode" refType="w"/>
+      <dgm:constr type="w" for="des" forName="simulatedConn" refType="w" refFor="ch" refForName="compositeNode" fact="0.15"/>
+      <dgm:constr type="h" for="des" forName="simulatedConn" refType="w" refFor="des" refForName="simulatedConn"/>
+      <dgm:constr type="h" for="des" forName="vSp1" refType="w" refFor="ch" refForName="compositeNode" fact="0.8"/>
+      <dgm:constr type="h" for="des" forName="vSp2" refType="w" refFor="ch" refForName="compositeNode" fact="0.07"/>
+      <dgm:constr type="w" for="ch" forName="vProcSp" refType="w" refFor="des" refForName="simulatedConn" op="equ"/>
+      <dgm:constr type="h" for="ch" forName="vProcSp" refType="h" refFor="ch" refForName="compositeNode" op="equ"/>
+      <dgm:constr type="w" for="ch" forName="sibTrans" refType="w" refFor="ch" refForName="compositeNode" fact="0.08"/>
+      <dgm:constr type="primFontSz" for="des" forName="sibTransNodeRect" op="equ"/>
+      <dgm:constr type="primFontSz" for="des" forName="nodeRect" op="equ"/>
+    </dgm:constrLst>
+    <dgm:ruleLst/>
+    <dgm:forEach name="Name4" axis="ch" ptType="node">
+      <dgm:layoutNode name="compositeNode">
+        <dgm:varLst>
+          <dgm:bulletEnabled val="1"/>
+        </dgm:varLst>
+        <dgm:alg type="composite"/>
+        <dgm:constrLst>
+          <dgm:constr type="h" refType="w" op="lte" fact="1.2"/>
+          <dgm:constr type="w" for="ch" forName="bgRect" refType="w"/>
+          <dgm:constr type="h" for="ch" forName="bgRect" refType="h"/>
+          <dgm:constr type="t" for="ch" forName="bgRect"/>
+          <dgm:constr type="l" for="ch" forName="bgRect"/>
+          <dgm:constr type="w" for="ch" forName="sibTransNodeRect" refType="w" refFor="ch" refForName="bgRect"/>
+          <dgm:constr type="h" for="ch" forName="sibTransNodeRect" refType="h" refFor="ch" refForName="bgRect" fact="0.4"/>
+          <dgm:constr type="t" for="ch" forName="sibTransNodeRect"/>
+          <dgm:constr type="l" for="ch" forName="sibTransNodeRect"/>
+          <dgm:constr type="r" for="ch" forName="nodeRect" refType="r" refFor="ch" refForName="bgRect"/>
+          <dgm:constr type="h" for="ch" forName="nodeRect" refType="h" refFor="ch" refForName="bgRect" fact="0.6"/>
+          <dgm:constr type="t" for="ch" forName="nodeRect" refType="b" refFor="ch" refForName="sibTransNodeRect"/>
+          <dgm:constr type="l" for="ch" forName="nodeRect" refType="l" refFor="ch" refForName="bgRect"/>
+        </dgm:constrLst>
+        <dgm:ruleLst>
+          <dgm:rule type="w" for="ch" forName="nodeRect" val="NaN" fact="NaN" max="30"/>
+        </dgm:ruleLst>
+        <dgm:layoutNode name="bgRect" styleLbl="alignNode1">
+          <dgm:alg type="sp"/>
+          <dgm:shape xmlns:r="http://schemas.openxmlformats.org/officeDocument/2006/relationships" type="rect" r:blip="">
+            <dgm:adjLst>
+              <dgm:adj idx="1" val="0.05"/>
+            </dgm:adjLst>
+          </dgm:shape>
+          <dgm:presOf axis="self"/>
+          <dgm:constrLst/>
+          <dgm:ruleLst/>
+        </dgm:layoutNode>
+        <dgm:forEach name="Name19" axis="followSib" ptType="sibTrans" hideLastTrans="0" cnt="1">
+          <dgm:layoutNode name="sibTransNodeRect" styleLbl="alignNode1">
+            <dgm:varLst>
+              <dgm:chMax val="0"/>
+              <dgm:bulletEnabled val="1"/>
+            </dgm:varLst>
+            <dgm:presOf axis="self"/>
+            <dgm:alg type="tx">
+              <dgm:param type="parTxLTRAlign" val="l"/>
+              <dgm:param type="parTxRTLAlign" val="l"/>
+            </dgm:alg>
+            <dgm:shape xmlns:r="http://schemas.openxmlformats.org/officeDocument/2006/relationships" type="rect" r:blip="" hideGeom="1">
+              <dgm:adjLst/>
+            </dgm:shape>
+            <dgm:constrLst>
+              <dgm:constr type="primFontSz" val="66"/>
+              <dgm:constr type="tMarg" val="13"/>
+              <dgm:constr type="lMarg" refType="w" fact="0.28"/>
+              <dgm:constr type="rMarg" refType="w" fact="0.28"/>
+              <dgm:constr type="bMarg" val="13"/>
+            </dgm:constrLst>
+            <dgm:ruleLst>
+              <dgm:rule type="primFontSz" val="14" fact="NaN" max="NaN"/>
+              <dgm:rule type="tMarg" val="13" fact="NaN" max="NaN"/>
+            </dgm:ruleLst>
+          </dgm:layoutNode>
+        </dgm:forEach>
+        <dgm:layoutNode name="nodeRect" styleLbl="alignNode1" moveWith="bgRect">
+          <dgm:varLst>
+            <dgm:bulletEnabled val="1"/>
+          </dgm:varLst>
+          <dgm:alg type="tx">
+            <dgm:param type="parTxLTRAlign" val="l"/>
+            <dgm:param type="parTxRTLAlign" val="r"/>
+            <dgm:param type="txAnchorVert" val="t"/>
+            <dgm:param type="stBulletLvl" val="2"/>
+          </dgm:alg>
+          <dgm:shape xmlns:r="http://schemas.openxmlformats.org/officeDocument/2006/relationships" type="rect" r:blip="" hideGeom="1">
+            <dgm:adjLst/>
+          </dgm:shape>
+          <dgm:presOf axis="desOrSelf" ptType="node"/>
+          <dgm:constrLst>
+            <dgm:constr type="primFontSz" val="26"/>
+            <dgm:constr type="tMarg"/>
+            <dgm:constr type="lMarg" refType="w" fact="0.28"/>
+            <dgm:constr type="rMarg" refType="w" fact="0.28"/>
+            <dgm:constr type="bMarg" val="26"/>
+          </dgm:constrLst>
+          <dgm:ruleLst>
+            <dgm:rule type="primFontSz" val="11" fact="NaN" max="NaN"/>
+          </dgm:ruleLst>
+        </dgm:layoutNode>
+      </dgm:layoutNode>
+      <dgm:forEach name="Name14" axis="followSib" ptType="sibTrans" cnt="1">
+        <dgm:layoutNode name="sibTrans">
+          <dgm:alg type="sp"/>
+          <dgm:shape xmlns:r="http://schemas.openxmlformats.org/officeDocument/2006/relationships" r:blip="">
+            <dgm:adjLst/>
+          </dgm:shape>
+          <dgm:presOf/>
+          <dgm:constrLst/>
+          <dgm:ruleLst/>
+        </dgm:layoutNode>
+      </dgm:forEach>
+    </dgm:forEach>
+  </dgm:layoutNode>
+  <dgm:extLst>
+    <a:ext uri="{4F341089-5ED1-44EC-B178-C955D00A3D55}">
+      <dgm1611:autoBuNodeInfoLst xmlns:dgm1611="http://schemas.microsoft.com/office/drawing/2016/11/diagram">
+        <dgm1611:autoBuNodeInfo lvl="1" ptType="sibTrans">
+          <dgm1611:buPr prefix="" leadZeros="1">
+            <a:buAutoNum type="arabicParenBoth"/>
+          </dgm1611:buPr>
+        </dgm1611:autoBuNodeInfo>
+      </dgm1611:autoBuNodeInfoLst>
+    </a:ext>
+  </dgm:extLst>
+</dgm:layoutDef>
+</file>
+
+<file path=ppt/diagrams/layout5.xml><?xml version="1.0" encoding="utf-8"?>
 <dgm:layoutDef xmlns:dgm="http://schemas.openxmlformats.org/drawingml/2006/diagram" xmlns:a="http://schemas.openxmlformats.org/drawingml/2006/main" uniqueId="urn:microsoft.com/office/officeart/2005/8/layout/hierarchy1">
   <dgm:title val=""/>
   <dgm:desc val=""/>
@@ -10591,7 +12425,7 @@
 </dgm:layoutDef>
 </file>
 
-<file path=ppt/diagrams/layout5.xml><?xml version="1.0" encoding="utf-8"?>
+<file path=ppt/diagrams/layout6.xml><?xml version="1.0" encoding="utf-8"?>
 <dgm:layoutDef xmlns:dgm="http://schemas.openxmlformats.org/drawingml/2006/diagram" xmlns:a="http://schemas.openxmlformats.org/drawingml/2006/main" uniqueId="urn:microsoft.com/office/officeart/2018/2/layout/IconVerticalSolidList">
   <dgm:title val="Icon Vertical Solid List"/>
   <dgm:desc val="Use to show a series of visuals from top to bottom with Level 1 or Level 1 and Level 2 text grouped in a shape. Works best with icons or small pictures with lengthier descriptions."/>
@@ -10885,7 +12719,7 @@
 </dgm:layoutDef>
 </file>
 
-<file path=ppt/diagrams/layout6.xml><?xml version="1.0" encoding="utf-8"?>
+<file path=ppt/diagrams/layout7.xml><?xml version="1.0" encoding="utf-8"?>
 <dgm:layoutDef xmlns:dgm="http://schemas.openxmlformats.org/drawingml/2006/diagram" xmlns:a="http://schemas.openxmlformats.org/drawingml/2006/main" uniqueId="urn:microsoft.com/office/officeart/2005/8/layout/vList2">
   <dgm:title val=""/>
   <dgm:desc val=""/>
@@ -14155,11 +15989,11 @@
 </file>
 
 <file path=ppt/diagrams/quickStyle4.xml><?xml version="1.0" encoding="utf-8"?>
-<dgm:styleDef xmlns:dgm="http://schemas.openxmlformats.org/drawingml/2006/diagram" xmlns:a="http://schemas.openxmlformats.org/drawingml/2006/main" uniqueId="urn:microsoft.com/office/officeart/2005/8/quickstyle/simple1">
+<dgm:styleDef xmlns:dgm="http://schemas.openxmlformats.org/drawingml/2006/diagram" xmlns:a="http://schemas.openxmlformats.org/drawingml/2006/main" uniqueId="urn:microsoft.com/office/officeart/2005/8/quickstyle/3d2">
   <dgm:title val=""/>
   <dgm:desc val=""/>
   <dgm:catLst>
-    <dgm:cat type="simple" pri="10100"/>
+    <dgm:cat type="3D" pri="11200"/>
   </dgm:catLst>
   <dgm:scene3d>
     <a:camera prst="orthographicFront"/>
@@ -14168,18 +16002,22 @@
   <dgm:styleLbl name="node0">
     <dgm:scene3d>
       <a:camera prst="orthographicFront"/>
-      <a:lightRig rig="threePt" dir="t"/>
+      <a:lightRig rig="threePt" dir="t">
+        <a:rot lat="0" lon="0" rev="7500000"/>
+      </a:lightRig>
     </dgm:scene3d>
-    <dgm:sp3d/>
+    <dgm:sp3d prstMaterial="plastic">
+      <a:bevelT w="127000" h="25400" prst="relaxedInset"/>
+    </dgm:sp3d>
     <dgm:txPr/>
     <dgm:style>
-      <a:lnRef idx="2">
+      <a:lnRef idx="0">
         <a:scrgbClr r="0" g="0" b="0"/>
       </a:lnRef>
-      <a:fillRef idx="1">
+      <a:fillRef idx="3">
         <a:scrgbClr r="0" g="0" b="0"/>
       </a:fillRef>
-      <a:effectRef idx="0">
+      <a:effectRef idx="2">
         <a:scrgbClr r="0" g="0" b="0"/>
       </a:effectRef>
       <a:fontRef idx="minor">
@@ -14190,18 +16028,22 @@
   <dgm:styleLbl name="lnNode1">
     <dgm:scene3d>
       <a:camera prst="orthographicFront"/>
-      <a:lightRig rig="threePt" dir="t"/>
+      <a:lightRig rig="threePt" dir="t">
+        <a:rot lat="0" lon="0" rev="7500000"/>
+      </a:lightRig>
     </dgm:scene3d>
-    <dgm:sp3d/>
+    <dgm:sp3d prstMaterial="plastic">
+      <a:bevelT w="127000" h="25400" prst="relaxedInset"/>
+    </dgm:sp3d>
     <dgm:txPr/>
     <dgm:style>
-      <a:lnRef idx="2">
+      <a:lnRef idx="1">
         <a:scrgbClr r="0" g="0" b="0"/>
       </a:lnRef>
-      <a:fillRef idx="1">
+      <a:fillRef idx="3">
         <a:scrgbClr r="0" g="0" b="0"/>
       </a:fillRef>
-      <a:effectRef idx="0">
+      <a:effectRef idx="2">
         <a:scrgbClr r="0" g="0" b="0"/>
       </a:effectRef>
       <a:fontRef idx="minor">
@@ -14212,18 +16054,22 @@
   <dgm:styleLbl name="vennNode1">
     <dgm:scene3d>
       <a:camera prst="orthographicFront"/>
-      <a:lightRig rig="threePt" dir="t"/>
+      <a:lightRig rig="threePt" dir="t">
+        <a:rot lat="0" lon="0" rev="7500000"/>
+      </a:lightRig>
     </dgm:scene3d>
-    <dgm:sp3d/>
+    <dgm:sp3d prstMaterial="plastic">
+      <a:bevelT w="127000" h="25400" prst="relaxedInset"/>
+    </dgm:sp3d>
     <dgm:txPr/>
     <dgm:style>
-      <a:lnRef idx="2">
+      <a:lnRef idx="0">
         <a:scrgbClr r="0" g="0" b="0"/>
       </a:lnRef>
-      <a:fillRef idx="1">
+      <a:fillRef idx="3">
         <a:scrgbClr r="0" g="0" b="0"/>
       </a:fillRef>
-      <a:effectRef idx="0">
+      <a:effectRef idx="2">
         <a:scrgbClr r="0" g="0" b="0"/>
       </a:effectRef>
       <a:fontRef idx="minor">
@@ -14231,21 +16077,25 @@
       </a:fontRef>
     </dgm:style>
   </dgm:styleLbl>
-  <dgm:styleLbl name="alignNode1">
+  <dgm:styleLbl name="alingNode1">
     <dgm:scene3d>
       <a:camera prst="orthographicFront"/>
-      <a:lightRig rig="threePt" dir="t"/>
+      <a:lightRig rig="threePt" dir="t">
+        <a:rot lat="0" lon="0" rev="7500000"/>
+      </a:lightRig>
     </dgm:scene3d>
-    <dgm:sp3d/>
+    <dgm:sp3d prstMaterial="plastic">
+      <a:bevelT w="127000" h="25400" prst="relaxedInset"/>
+    </dgm:sp3d>
     <dgm:txPr/>
     <dgm:style>
-      <a:lnRef idx="2">
+      <a:lnRef idx="0">
         <a:scrgbClr r="0" g="0" b="0"/>
       </a:lnRef>
-      <a:fillRef idx="1">
+      <a:fillRef idx="3">
         <a:scrgbClr r="0" g="0" b="0"/>
       </a:fillRef>
-      <a:effectRef idx="0">
+      <a:effectRef idx="2">
         <a:scrgbClr r="0" g="0" b="0"/>
       </a:effectRef>
       <a:fontRef idx="minor">
@@ -14256,18 +16106,22 @@
   <dgm:styleLbl name="node1">
     <dgm:scene3d>
       <a:camera prst="orthographicFront"/>
-      <a:lightRig rig="threePt" dir="t"/>
+      <a:lightRig rig="threePt" dir="t">
+        <a:rot lat="0" lon="0" rev="7500000"/>
+      </a:lightRig>
     </dgm:scene3d>
-    <dgm:sp3d/>
+    <dgm:sp3d prstMaterial="plastic">
+      <a:bevelT w="127000" h="25400" prst="relaxedInset"/>
+    </dgm:sp3d>
     <dgm:txPr/>
     <dgm:style>
-      <a:lnRef idx="2">
+      <a:lnRef idx="0">
         <a:scrgbClr r="0" g="0" b="0"/>
       </a:lnRef>
-      <a:fillRef idx="1">
+      <a:fillRef idx="3">
         <a:scrgbClr r="0" g="0" b="0"/>
       </a:fillRef>
-      <a:effectRef idx="0">
+      <a:effectRef idx="2">
         <a:scrgbClr r="0" g="0" b="0"/>
       </a:effectRef>
       <a:fontRef idx="minor">
@@ -14278,18 +16132,22 @@
   <dgm:styleLbl name="node2">
     <dgm:scene3d>
       <a:camera prst="orthographicFront"/>
-      <a:lightRig rig="threePt" dir="t"/>
+      <a:lightRig rig="threePt" dir="t">
+        <a:rot lat="0" lon="0" rev="7500000"/>
+      </a:lightRig>
     </dgm:scene3d>
-    <dgm:sp3d/>
+    <dgm:sp3d prstMaterial="plastic">
+      <a:bevelT w="127000" h="25400" prst="relaxedInset"/>
+    </dgm:sp3d>
     <dgm:txPr/>
     <dgm:style>
-      <a:lnRef idx="2">
+      <a:lnRef idx="0">
         <a:scrgbClr r="0" g="0" b="0"/>
       </a:lnRef>
-      <a:fillRef idx="1">
+      <a:fillRef idx="3">
         <a:scrgbClr r="0" g="0" b="0"/>
       </a:fillRef>
-      <a:effectRef idx="0">
+      <a:effectRef idx="2">
         <a:scrgbClr r="0" g="0" b="0"/>
       </a:effectRef>
       <a:fontRef idx="minor">
@@ -14300,18 +16158,22 @@
   <dgm:styleLbl name="node3">
     <dgm:scene3d>
       <a:camera prst="orthographicFront"/>
-      <a:lightRig rig="threePt" dir="t"/>
+      <a:lightRig rig="threePt" dir="t">
+        <a:rot lat="0" lon="0" rev="7500000"/>
+      </a:lightRig>
     </dgm:scene3d>
-    <dgm:sp3d/>
+    <dgm:sp3d prstMaterial="plastic">
+      <a:bevelT w="127000" h="25400" prst="relaxedInset"/>
+    </dgm:sp3d>
     <dgm:txPr/>
     <dgm:style>
-      <a:lnRef idx="2">
+      <a:lnRef idx="0">
         <a:scrgbClr r="0" g="0" b="0"/>
       </a:lnRef>
-      <a:fillRef idx="1">
+      <a:fillRef idx="3">
         <a:scrgbClr r="0" g="0" b="0"/>
       </a:fillRef>
-      <a:effectRef idx="0">
+      <a:effectRef idx="2">
         <a:scrgbClr r="0" g="0" b="0"/>
       </a:effectRef>
       <a:fontRef idx="minor">
@@ -14322,18 +16184,22 @@
   <dgm:styleLbl name="node4">
     <dgm:scene3d>
       <a:camera prst="orthographicFront"/>
-      <a:lightRig rig="threePt" dir="t"/>
+      <a:lightRig rig="threePt" dir="t">
+        <a:rot lat="0" lon="0" rev="7500000"/>
+      </a:lightRig>
     </dgm:scene3d>
-    <dgm:sp3d/>
+    <dgm:sp3d prstMaterial="plastic">
+      <a:bevelT w="127000" h="25400" prst="relaxedInset"/>
+    </dgm:sp3d>
     <dgm:txPr/>
     <dgm:style>
-      <a:lnRef idx="2">
+      <a:lnRef idx="0">
         <a:scrgbClr r="0" g="0" b="0"/>
       </a:lnRef>
-      <a:fillRef idx="1">
+      <a:fillRef idx="3">
         <a:scrgbClr r="0" g="0" b="0"/>
       </a:fillRef>
-      <a:effectRef idx="0">
+      <a:effectRef idx="2">
         <a:scrgbClr r="0" g="0" b="0"/>
       </a:effectRef>
       <a:fontRef idx="minor">
@@ -14344,12 +16210,19 @@
   <dgm:styleLbl name="fgImgPlace1">
     <dgm:scene3d>
       <a:camera prst="orthographicFront"/>
-      <a:lightRig rig="threePt" dir="t"/>
+      <a:lightRig rig="threePt" dir="t">
+        <a:rot lat="0" lon="0" rev="7500000"/>
+      </a:lightRig>
     </dgm:scene3d>
-    <dgm:sp3d/>
+    <dgm:sp3d z="152400" extrusionH="63500" prstMaterial="matte">
+      <a:bevelT w="50800" h="19050" prst="relaxedInset"/>
+      <a:contourClr>
+        <a:schemeClr val="bg1"/>
+      </a:contourClr>
+    </dgm:sp3d>
     <dgm:txPr/>
     <dgm:style>
-      <a:lnRef idx="2">
+      <a:lnRef idx="0">
         <a:scrgbClr r="0" g="0" b="0"/>
       </a:lnRef>
       <a:fillRef idx="1">
@@ -14364,12 +16237,18 @@
   <dgm:styleLbl name="alignImgPlace1">
     <dgm:scene3d>
       <a:camera prst="orthographicFront"/>
-      <a:lightRig rig="threePt" dir="t"/>
+      <a:lightRig rig="threePt" dir="t">
+        <a:rot lat="0" lon="0" rev="7500000"/>
+      </a:lightRig>
     </dgm:scene3d>
-    <dgm:sp3d/>
+    <dgm:sp3d z="254000" extrusionH="63500" contourW="12700" prstMaterial="matte">
+      <a:contourClr>
+        <a:schemeClr val="lt1"/>
+      </a:contourClr>
+    </dgm:sp3d>
     <dgm:txPr/>
     <dgm:style>
-      <a:lnRef idx="2">
+      <a:lnRef idx="0">
         <a:scrgbClr r="0" g="0" b="0"/>
       </a:lnRef>
       <a:fillRef idx="1">
@@ -14384,12 +16263,18 @@
   <dgm:styleLbl name="bgImgPlace1">
     <dgm:scene3d>
       <a:camera prst="orthographicFront"/>
-      <a:lightRig rig="threePt" dir="t"/>
+      <a:lightRig rig="threePt" dir="t">
+        <a:rot lat="0" lon="0" rev="7500000"/>
+      </a:lightRig>
     </dgm:scene3d>
-    <dgm:sp3d/>
+    <dgm:sp3d z="-152400" extrusionH="63500" contourW="12700" prstMaterial="matte">
+      <a:contourClr>
+        <a:schemeClr val="lt1"/>
+      </a:contourClr>
+    </dgm:sp3d>
     <dgm:txPr/>
     <dgm:style>
-      <a:lnRef idx="2">
+      <a:lnRef idx="0">
         <a:scrgbClr r="0" g="0" b="0"/>
       </a:lnRef>
       <a:fillRef idx="1">
@@ -14404,9 +16289,16 @@
   <dgm:styleLbl name="sibTrans2D1">
     <dgm:scene3d>
       <a:camera prst="orthographicFront"/>
-      <a:lightRig rig="threePt" dir="t"/>
+      <a:lightRig rig="threePt" dir="t">
+        <a:rot lat="0" lon="0" rev="7500000"/>
+      </a:lightRig>
     </dgm:scene3d>
-    <dgm:sp3d/>
+    <dgm:sp3d z="-70000" extrusionH="63500" prstMaterial="matte">
+      <a:bevelT w="25400" h="6350" prst="relaxedInset"/>
+      <a:contourClr>
+        <a:schemeClr val="bg1"/>
+      </a:contourClr>
+    </dgm:sp3d>
     <dgm:txPr/>
     <dgm:style>
       <a:lnRef idx="0">
@@ -14415,7 +16307,7 @@
       <a:fillRef idx="1">
         <a:scrgbClr r="0" g="0" b="0"/>
       </a:fillRef>
-      <a:effectRef idx="0">
+      <a:effectRef idx="2">
         <a:scrgbClr r="0" g="0" b="0"/>
       </a:effectRef>
       <a:fontRef idx="minor">
@@ -14426,9 +16318,16 @@
   <dgm:styleLbl name="fgSibTrans2D1">
     <dgm:scene3d>
       <a:camera prst="orthographicFront"/>
-      <a:lightRig rig="threePt" dir="t"/>
+      <a:lightRig rig="threePt" dir="t">
+        <a:rot lat="0" lon="0" rev="7500000"/>
+      </a:lightRig>
     </dgm:scene3d>
-    <dgm:sp3d/>
+    <dgm:sp3d z="152400" extrusionH="63500" prstMaterial="matte">
+      <a:bevelT w="25400" h="6350" prst="relaxedInset"/>
+      <a:contourClr>
+        <a:schemeClr val="bg1"/>
+      </a:contourClr>
+    </dgm:sp3d>
     <dgm:txPr/>
     <dgm:style>
       <a:lnRef idx="0">
@@ -14437,7 +16336,7 @@
       <a:fillRef idx="1">
         <a:scrgbClr r="0" g="0" b="0"/>
       </a:fillRef>
-      <a:effectRef idx="0">
+      <a:effectRef idx="2">
         <a:scrgbClr r="0" g="0" b="0"/>
       </a:effectRef>
       <a:fontRef idx="minor">
@@ -14448,9 +16347,16 @@
   <dgm:styleLbl name="bgSibTrans2D1">
     <dgm:scene3d>
       <a:camera prst="orthographicFront"/>
-      <a:lightRig rig="threePt" dir="t"/>
+      <a:lightRig rig="threePt" dir="t">
+        <a:rot lat="0" lon="0" rev="7500000"/>
+      </a:lightRig>
     </dgm:scene3d>
-    <dgm:sp3d/>
+    <dgm:sp3d z="-152400" extrusionH="63500" prstMaterial="matte">
+      <a:bevelT w="25400" h="6350" prst="relaxedInset"/>
+      <a:contourClr>
+        <a:schemeClr val="bg1"/>
+      </a:contourClr>
+    </dgm:sp3d>
     <dgm:txPr/>
     <dgm:style>
       <a:lnRef idx="0">
@@ -14459,7 +16365,7 @@
       <a:fillRef idx="1">
         <a:scrgbClr r="0" g="0" b="0"/>
       </a:fillRef>
-      <a:effectRef idx="0">
+      <a:effectRef idx="2">
         <a:scrgbClr r="0" g="0" b="0"/>
       </a:effectRef>
       <a:fontRef idx="minor">
@@ -14470,9 +16376,11 @@
   <dgm:styleLbl name="sibTrans1D1">
     <dgm:scene3d>
       <a:camera prst="orthographicFront"/>
-      <a:lightRig rig="threePt" dir="t"/>
+      <a:lightRig rig="threePt" dir="t">
+        <a:rot lat="0" lon="0" rev="7500000"/>
+      </a:lightRig>
     </dgm:scene3d>
-    <dgm:sp3d/>
+    <dgm:sp3d z="-40000" prstMaterial="matte"/>
     <dgm:txPr/>
     <dgm:style>
       <a:lnRef idx="1">
@@ -14490,9 +16398,11 @@
   <dgm:styleLbl name="callout">
     <dgm:scene3d>
       <a:camera prst="orthographicFront"/>
-      <a:lightRig rig="threePt" dir="t"/>
+      <a:lightRig rig="threePt" dir="t">
+        <a:rot lat="0" lon="0" rev="7500000"/>
+      </a:lightRig>
     </dgm:scene3d>
-    <dgm:sp3d/>
+    <dgm:sp3d z="127000" prstMaterial="matte"/>
     <dgm:txPr/>
     <dgm:style>
       <a:lnRef idx="2">
@@ -14510,18 +16420,22 @@
   <dgm:styleLbl name="asst0">
     <dgm:scene3d>
       <a:camera prst="orthographicFront"/>
-      <a:lightRig rig="threePt" dir="t"/>
+      <a:lightRig rig="threePt" dir="t">
+        <a:rot lat="0" lon="0" rev="7500000"/>
+      </a:lightRig>
     </dgm:scene3d>
-    <dgm:sp3d/>
+    <dgm:sp3d prstMaterial="plastic">
+      <a:bevelT w="127000" h="25400" prst="relaxedInset"/>
+    </dgm:sp3d>
     <dgm:txPr/>
     <dgm:style>
-      <a:lnRef idx="2">
+      <a:lnRef idx="0">
         <a:scrgbClr r="0" g="0" b="0"/>
       </a:lnRef>
-      <a:fillRef idx="1">
+      <a:fillRef idx="3">
         <a:scrgbClr r="0" g="0" b="0"/>
       </a:fillRef>
-      <a:effectRef idx="0">
+      <a:effectRef idx="2">
         <a:scrgbClr r="0" g="0" b="0"/>
       </a:effectRef>
       <a:fontRef idx="minor">
@@ -14532,18 +16446,22 @@
   <dgm:styleLbl name="asst1">
     <dgm:scene3d>
       <a:camera prst="orthographicFront"/>
-      <a:lightRig rig="threePt" dir="t"/>
+      <a:lightRig rig="threePt" dir="t">
+        <a:rot lat="0" lon="0" rev="7500000"/>
+      </a:lightRig>
     </dgm:scene3d>
-    <dgm:sp3d/>
+    <dgm:sp3d prstMaterial="plastic">
+      <a:bevelT w="127000" h="25400" prst="relaxedInset"/>
+    </dgm:sp3d>
     <dgm:txPr/>
     <dgm:style>
-      <a:lnRef idx="2">
+      <a:lnRef idx="0">
         <a:scrgbClr r="0" g="0" b="0"/>
       </a:lnRef>
-      <a:fillRef idx="1">
+      <a:fillRef idx="3">
         <a:scrgbClr r="0" g="0" b="0"/>
       </a:fillRef>
-      <a:effectRef idx="0">
+      <a:effectRef idx="2">
         <a:scrgbClr r="0" g="0" b="0"/>
       </a:effectRef>
       <a:fontRef idx="minor">
@@ -14554,18 +16472,22 @@
   <dgm:styleLbl name="asst2">
     <dgm:scene3d>
       <a:camera prst="orthographicFront"/>
-      <a:lightRig rig="threePt" dir="t"/>
+      <a:lightRig rig="threePt" dir="t">
+        <a:rot lat="0" lon="0" rev="7500000"/>
+      </a:lightRig>
     </dgm:scene3d>
-    <dgm:sp3d/>
+    <dgm:sp3d prstMaterial="plastic">
+      <a:bevelT w="127000" h="25400" prst="relaxedInset"/>
+    </dgm:sp3d>
     <dgm:txPr/>
     <dgm:style>
-      <a:lnRef idx="2">
+      <a:lnRef idx="0">
         <a:scrgbClr r="0" g="0" b="0"/>
       </a:lnRef>
-      <a:fillRef idx="1">
+      <a:fillRef idx="3">
         <a:scrgbClr r="0" g="0" b="0"/>
       </a:fillRef>
-      <a:effectRef idx="0">
+      <a:effectRef idx="2">
         <a:scrgbClr r="0" g="0" b="0"/>
       </a:effectRef>
       <a:fontRef idx="minor">
@@ -14576,18 +16498,22 @@
   <dgm:styleLbl name="asst3">
     <dgm:scene3d>
       <a:camera prst="orthographicFront"/>
-      <a:lightRig rig="threePt" dir="t"/>
+      <a:lightRig rig="threePt" dir="t">
+        <a:rot lat="0" lon="0" rev="7500000"/>
+      </a:lightRig>
     </dgm:scene3d>
-    <dgm:sp3d/>
+    <dgm:sp3d prstMaterial="plastic">
+      <a:bevelT w="127000" h="25400" prst="relaxedInset"/>
+    </dgm:sp3d>
     <dgm:txPr/>
     <dgm:style>
-      <a:lnRef idx="2">
+      <a:lnRef idx="0">
         <a:scrgbClr r="0" g="0" b="0"/>
       </a:lnRef>
-      <a:fillRef idx="1">
+      <a:fillRef idx="3">
         <a:scrgbClr r="0" g="0" b="0"/>
       </a:fillRef>
-      <a:effectRef idx="0">
+      <a:effectRef idx="2">
         <a:scrgbClr r="0" g="0" b="0"/>
       </a:effectRef>
       <a:fontRef idx="minor">
@@ -14595,21 +16521,28 @@
       </a:fontRef>
     </dgm:style>
   </dgm:styleLbl>
-  <dgm:styleLbl name="asst4">
+  <dgm:styleLbl name="parChTrans2D1">
     <dgm:scene3d>
       <a:camera prst="orthographicFront"/>
-      <a:lightRig rig="threePt" dir="t"/>
+      <a:lightRig rig="threePt" dir="t">
+        <a:rot lat="0" lon="0" rev="7500000"/>
+      </a:lightRig>
     </dgm:scene3d>
-    <dgm:sp3d/>
+    <dgm:sp3d extrusionH="63500" prstMaterial="matte">
+      <a:bevelT w="50800" h="19050" prst="relaxedInset"/>
+      <a:contourClr>
+        <a:schemeClr val="bg1"/>
+      </a:contourClr>
+    </dgm:sp3d>
     <dgm:txPr/>
     <dgm:style>
-      <a:lnRef idx="2">
+      <a:lnRef idx="0">
         <a:scrgbClr r="0" g="0" b="0"/>
       </a:lnRef>
       <a:fillRef idx="1">
         <a:scrgbClr r="0" g="0" b="0"/>
       </a:fillRef>
-      <a:effectRef idx="0">
+      <a:effectRef idx="2">
         <a:scrgbClr r="0" g="0" b="0"/>
       </a:effectRef>
       <a:fontRef idx="minor">
@@ -14617,15 +16550,22 @@
       </a:fontRef>
     </dgm:style>
   </dgm:styleLbl>
-  <dgm:styleLbl name="parChTrans2D1">
+  <dgm:styleLbl name="parChTrans2D2">
     <dgm:scene3d>
       <a:camera prst="orthographicFront"/>
-      <a:lightRig rig="threePt" dir="t"/>
+      <a:lightRig rig="threePt" dir="t">
+        <a:rot lat="0" lon="0" rev="7500000"/>
+      </a:lightRig>
     </dgm:scene3d>
-    <dgm:sp3d/>
+    <dgm:sp3d extrusionH="63500" prstMaterial="matte">
+      <a:bevelT w="50800" h="19050" prst="relaxedInset"/>
+      <a:contourClr>
+        <a:schemeClr val="bg1"/>
+      </a:contourClr>
+    </dgm:sp3d>
     <dgm:txPr/>
     <dgm:style>
-      <a:lnRef idx="2">
+      <a:lnRef idx="0">
         <a:scrgbClr r="0" g="0" b="0"/>
       </a:lnRef>
       <a:fillRef idx="1">
@@ -14639,21 +16579,25 @@
       </a:fontRef>
     </dgm:style>
   </dgm:styleLbl>
-  <dgm:styleLbl name="parChTrans2D2">
+  <dgm:styleLbl name="parChTrans2D3">
     <dgm:scene3d>
       <a:camera prst="orthographicFront"/>
-      <a:lightRig rig="threePt" dir="t"/>
+      <a:lightRig rig="threePt" dir="t">
+        <a:rot lat="0" lon="0" rev="7500000"/>
+      </a:lightRig>
     </dgm:scene3d>
-    <dgm:sp3d/>
+    <dgm:sp3d z="60000" prstMaterial="flat">
+      <a:bevelT w="120900" h="88900"/>
+    </dgm:sp3d>
     <dgm:txPr/>
     <dgm:style>
-      <a:lnRef idx="2">
+      <a:lnRef idx="0">
         <a:scrgbClr r="0" g="0" b="0"/>
       </a:lnRef>
-      <a:fillRef idx="1">
+      <a:fillRef idx="3">
         <a:scrgbClr r="0" g="0" b="0"/>
       </a:fillRef>
-      <a:effectRef idx="0">
+      <a:effectRef idx="1">
         <a:scrgbClr r="0" g="0" b="0"/>
       </a:effectRef>
       <a:fontRef idx="minor">
@@ -14661,21 +16605,25 @@
       </a:fontRef>
     </dgm:style>
   </dgm:styleLbl>
-  <dgm:styleLbl name="parChTrans2D3">
+  <dgm:styleLbl name="parChTrans2D4">
     <dgm:scene3d>
       <a:camera prst="orthographicFront"/>
-      <a:lightRig rig="threePt" dir="t"/>
+      <a:lightRig rig="threePt" dir="t">
+        <a:rot lat="0" lon="0" rev="7500000"/>
+      </a:lightRig>
     </dgm:scene3d>
-    <dgm:sp3d/>
+    <dgm:sp3d z="60000" prstMaterial="flat">
+      <a:bevelT w="120900" h="88900"/>
+    </dgm:sp3d>
     <dgm:txPr/>
     <dgm:style>
-      <a:lnRef idx="2">
+      <a:lnRef idx="0">
         <a:scrgbClr r="0" g="0" b="0"/>
       </a:lnRef>
-      <a:fillRef idx="1">
+      <a:fillRef idx="3">
         <a:scrgbClr r="0" g="0" b="0"/>
       </a:fillRef>
-      <a:effectRef idx="0">
+      <a:effectRef idx="1">
         <a:scrgbClr r="0" g="0" b="0"/>
       </a:effectRef>
       <a:fontRef idx="minor">
@@ -14683,21 +16631,194 @@
       </a:fontRef>
     </dgm:style>
   </dgm:styleLbl>
-  <dgm:styleLbl name="parChTrans2D4">
+  <dgm:styleLbl name="parChTrans1D1">
     <dgm:scene3d>
       <a:camera prst="orthographicFront"/>
-      <a:lightRig rig="threePt" dir="t"/>
+      <a:lightRig rig="threePt" dir="t">
+        <a:rot lat="0" lon="0" rev="7500000"/>
+      </a:lightRig>
     </dgm:scene3d>
-    <dgm:sp3d/>
+    <dgm:sp3d z="-40000" prstMaterial="matte"/>
     <dgm:txPr/>
     <dgm:style>
       <a:lnRef idx="2">
         <a:scrgbClr r="0" g="0" b="0"/>
       </a:lnRef>
-      <a:fillRef idx="1">
+      <a:fillRef idx="0">
         <a:scrgbClr r="0" g="0" b="0"/>
       </a:fillRef>
       <a:effectRef idx="0">
+        <a:scrgbClr r="0" g="0" b="0"/>
+      </a:effectRef>
+      <a:fontRef idx="minor"/>
+    </dgm:style>
+  </dgm:styleLbl>
+  <dgm:styleLbl name="parChTrans1D2">
+    <dgm:scene3d>
+      <a:camera prst="orthographicFront"/>
+      <a:lightRig rig="threePt" dir="t">
+        <a:rot lat="0" lon="0" rev="7500000"/>
+      </a:lightRig>
+    </dgm:scene3d>
+    <dgm:sp3d z="-40000" prstMaterial="matte"/>
+    <dgm:txPr/>
+    <dgm:style>
+      <a:lnRef idx="2">
+        <a:scrgbClr r="0" g="0" b="0"/>
+      </a:lnRef>
+      <a:fillRef idx="0">
+        <a:scrgbClr r="0" g="0" b="0"/>
+      </a:fillRef>
+      <a:effectRef idx="0">
+        <a:scrgbClr r="0" g="0" b="0"/>
+      </a:effectRef>
+      <a:fontRef idx="minor"/>
+    </dgm:style>
+  </dgm:styleLbl>
+  <dgm:styleLbl name="parChTrans1D3">
+    <dgm:scene3d>
+      <a:camera prst="orthographicFront"/>
+      <a:lightRig rig="threePt" dir="t">
+        <a:rot lat="0" lon="0" rev="7500000"/>
+      </a:lightRig>
+    </dgm:scene3d>
+    <dgm:sp3d z="-40000" prstMaterial="matte"/>
+    <dgm:txPr/>
+    <dgm:style>
+      <a:lnRef idx="2">
+        <a:scrgbClr r="0" g="0" b="0"/>
+      </a:lnRef>
+      <a:fillRef idx="0">
+        <a:scrgbClr r="0" g="0" b="0"/>
+      </a:fillRef>
+      <a:effectRef idx="0">
+        <a:scrgbClr r="0" g="0" b="0"/>
+      </a:effectRef>
+      <a:fontRef idx="minor"/>
+    </dgm:style>
+  </dgm:styleLbl>
+  <dgm:styleLbl name="parChTrans1D4">
+    <dgm:scene3d>
+      <a:camera prst="orthographicFront"/>
+      <a:lightRig rig="threePt" dir="t">
+        <a:rot lat="0" lon="0" rev="7500000"/>
+      </a:lightRig>
+    </dgm:scene3d>
+    <dgm:sp3d z="-40000" prstMaterial="matte"/>
+    <dgm:txPr/>
+    <dgm:style>
+      <a:lnRef idx="2">
+        <a:scrgbClr r="0" g="0" b="0"/>
+      </a:lnRef>
+      <a:fillRef idx="0">
+        <a:scrgbClr r="0" g="0" b="0"/>
+      </a:fillRef>
+      <a:effectRef idx="0">
+        <a:scrgbClr r="0" g="0" b="0"/>
+      </a:effectRef>
+      <a:fontRef idx="minor"/>
+    </dgm:style>
+  </dgm:styleLbl>
+  <dgm:styleLbl name="fgAcc1">
+    <dgm:scene3d>
+      <a:camera prst="orthographicFront"/>
+      <a:lightRig rig="threePt" dir="t">
+        <a:rot lat="0" lon="0" rev="7500000"/>
+      </a:lightRig>
+    </dgm:scene3d>
+    <dgm:sp3d z="152400" extrusionH="63500" prstMaterial="dkEdge">
+      <a:bevelT w="135400" h="16350" prst="relaxedInset"/>
+      <a:contourClr>
+        <a:schemeClr val="bg1"/>
+      </a:contourClr>
+    </dgm:sp3d>
+    <dgm:txPr/>
+    <dgm:style>
+      <a:lnRef idx="1">
+        <a:scrgbClr r="0" g="0" b="0"/>
+      </a:lnRef>
+      <a:fillRef idx="1">
+        <a:scrgbClr r="0" g="0" b="0"/>
+      </a:fillRef>
+      <a:effectRef idx="2">
+        <a:scrgbClr r="0" g="0" b="0"/>
+      </a:effectRef>
+      <a:fontRef idx="minor"/>
+    </dgm:style>
+  </dgm:styleLbl>
+  <dgm:styleLbl name="conFgAcc1">
+    <dgm:scene3d>
+      <a:camera prst="orthographicFront"/>
+      <a:lightRig rig="threePt" dir="t">
+        <a:rot lat="0" lon="0" rev="7500000"/>
+      </a:lightRig>
+    </dgm:scene3d>
+    <dgm:sp3d z="152400" extrusionH="63500" prstMaterial="dkEdge">
+      <a:bevelT w="135400" h="16350" prst="relaxedInset"/>
+      <a:contourClr>
+        <a:schemeClr val="bg1"/>
+      </a:contourClr>
+    </dgm:sp3d>
+    <dgm:txPr/>
+    <dgm:style>
+      <a:lnRef idx="1">
+        <a:scrgbClr r="0" g="0" b="0"/>
+      </a:lnRef>
+      <a:fillRef idx="1">
+        <a:scrgbClr r="0" g="0" b="0"/>
+      </a:fillRef>
+      <a:effectRef idx="2">
+        <a:scrgbClr r="0" g="0" b="0"/>
+      </a:effectRef>
+      <a:fontRef idx="minor"/>
+    </dgm:style>
+  </dgm:styleLbl>
+  <dgm:styleLbl name="alignAcc1">
+    <dgm:scene3d>
+      <a:camera prst="orthographicFront"/>
+      <a:lightRig rig="threePt" dir="t">
+        <a:rot lat="0" lon="0" rev="7500000"/>
+      </a:lightRig>
+    </dgm:scene3d>
+    <dgm:sp3d extrusionH="190500" prstMaterial="dkEdge">
+      <a:bevelT w="135400" h="16350" prst="relaxedInset"/>
+      <a:contourClr>
+        <a:schemeClr val="bg1"/>
+      </a:contourClr>
+    </dgm:sp3d>
+    <dgm:txPr/>
+    <dgm:style>
+      <a:lnRef idx="1">
+        <a:scrgbClr r="0" g="0" b="0"/>
+      </a:lnRef>
+      <a:fillRef idx="1">
+        <a:scrgbClr r="0" g="0" b="0"/>
+      </a:fillRef>
+      <a:effectRef idx="2">
+        <a:scrgbClr r="0" g="0" b="0"/>
+      </a:effectRef>
+      <a:fontRef idx="minor"/>
+    </dgm:style>
+  </dgm:styleLbl>
+  <dgm:styleLbl name="trAlignAcc1">
+    <dgm:scene3d>
+      <a:camera prst="orthographicFront"/>
+      <a:lightRig rig="threePt" dir="t">
+        <a:rot lat="0" lon="0" rev="7500000"/>
+      </a:lightRig>
+    </dgm:scene3d>
+    <dgm:sp3d prstMaterial="plastic">
+      <a:bevelT w="127000" h="35400"/>
+    </dgm:sp3d>
+    <dgm:txPr/>
+    <dgm:style>
+      <a:lnRef idx="1">
+        <a:scrgbClr r="0" g="0" b="0"/>
+      </a:lnRef>
+      <a:fillRef idx="1">
+        <a:scrgbClr r="0" g="0" b="0"/>
+      </a:fillRef>
+      <a:effectRef idx="2">
         <a:scrgbClr r="0" g="0" b="0"/>
       </a:effectRef>
       <a:fontRef idx="minor">
@@ -14705,18 +16826,25 @@
       </a:fontRef>
     </dgm:style>
   </dgm:styleLbl>
-  <dgm:styleLbl name="parChTrans1D1">
+  <dgm:styleLbl name="bgAcc1">
     <dgm:scene3d>
       <a:camera prst="orthographicFront"/>
-      <a:lightRig rig="threePt" dir="t"/>
+      <a:lightRig rig="threePt" dir="t">
+        <a:rot lat="0" lon="0" rev="7500000"/>
+      </a:lightRig>
     </dgm:scene3d>
-    <dgm:sp3d/>
+    <dgm:sp3d z="-152400" extrusionH="63500" prstMaterial="dkEdge">
+      <a:bevelT w="124450" h="16350" prst="relaxedInset"/>
+      <a:contourClr>
+        <a:schemeClr val="bg1"/>
+      </a:contourClr>
+    </dgm:sp3d>
     <dgm:txPr/>
     <dgm:style>
-      <a:lnRef idx="2">
+      <a:lnRef idx="1">
         <a:scrgbClr r="0" g="0" b="0"/>
       </a:lnRef>
-      <a:fillRef idx="0">
+      <a:fillRef idx="1">
         <a:scrgbClr r="0" g="0" b="0"/>
       </a:fillRef>
       <a:effectRef idx="0">
@@ -14725,58 +16853,79 @@
       <a:fontRef idx="minor"/>
     </dgm:style>
   </dgm:styleLbl>
-  <dgm:styleLbl name="parChTrans1D2">
+  <dgm:styleLbl name="solidFgAcc1">
     <dgm:scene3d>
       <a:camera prst="orthographicFront"/>
-      <a:lightRig rig="threePt" dir="t"/>
+      <a:lightRig rig="threePt" dir="t">
+        <a:rot lat="0" lon="0" rev="7500000"/>
+      </a:lightRig>
     </dgm:scene3d>
-    <dgm:sp3d/>
+    <dgm:sp3d z="152400" extrusionH="63500" prstMaterial="dkEdge">
+      <a:bevelT w="120800" h="19050" prst="relaxedInset"/>
+      <a:contourClr>
+        <a:schemeClr val="bg1"/>
+      </a:contourClr>
+    </dgm:sp3d>
     <dgm:txPr/>
     <dgm:style>
-      <a:lnRef idx="2">
+      <a:lnRef idx="1">
         <a:scrgbClr r="0" g="0" b="0"/>
       </a:lnRef>
-      <a:fillRef idx="0">
+      <a:fillRef idx="1">
         <a:scrgbClr r="0" g="0" b="0"/>
       </a:fillRef>
-      <a:effectRef idx="0">
+      <a:effectRef idx="2">
         <a:scrgbClr r="0" g="0" b="0"/>
       </a:effectRef>
       <a:fontRef idx="minor"/>
     </dgm:style>
   </dgm:styleLbl>
-  <dgm:styleLbl name="parChTrans1D3">
+  <dgm:styleLbl name="solidAlignAcc1">
     <dgm:scene3d>
       <a:camera prst="orthographicFront"/>
-      <a:lightRig rig="threePt" dir="t"/>
+      <a:lightRig rig="threePt" dir="t">
+        <a:rot lat="0" lon="0" rev="7500000"/>
+      </a:lightRig>
     </dgm:scene3d>
-    <dgm:sp3d/>
+    <dgm:sp3d extrusionH="190500" prstMaterial="dkEdge">
+      <a:bevelT w="120650" h="38100" prst="relaxedInset"/>
+      <a:contourClr>
+        <a:schemeClr val="bg1"/>
+      </a:contourClr>
+    </dgm:sp3d>
     <dgm:txPr/>
     <dgm:style>
-      <a:lnRef idx="2">
+      <a:lnRef idx="1">
         <a:scrgbClr r="0" g="0" b="0"/>
       </a:lnRef>
-      <a:fillRef idx="0">
+      <a:fillRef idx="1">
         <a:scrgbClr r="0" g="0" b="0"/>
       </a:fillRef>
-      <a:effectRef idx="0">
+      <a:effectRef idx="2">
         <a:scrgbClr r="0" g="0" b="0"/>
       </a:effectRef>
       <a:fontRef idx="minor"/>
     </dgm:style>
   </dgm:styleLbl>
-  <dgm:styleLbl name="parChTrans1D4">
+  <dgm:styleLbl name="solidBgAcc1">
     <dgm:scene3d>
       <a:camera prst="orthographicFront"/>
-      <a:lightRig rig="threePt" dir="t"/>
+      <a:lightRig rig="threePt" dir="t">
+        <a:rot lat="0" lon="0" rev="7500000"/>
+      </a:lightRig>
     </dgm:scene3d>
-    <dgm:sp3d/>
+    <dgm:sp3d z="-152400" extrusionH="63500" prstMaterial="dkEdge">
+      <a:bevelT w="144450" h="36350" prst="relaxedInset"/>
+      <a:contourClr>
+        <a:schemeClr val="bg1"/>
+      </a:contourClr>
+    </dgm:sp3d>
     <dgm:txPr/>
     <dgm:style>
-      <a:lnRef idx="2">
+      <a:lnRef idx="1">
         <a:scrgbClr r="0" g="0" b="0"/>
       </a:lnRef>
-      <a:fillRef idx="0">
+      <a:fillRef idx="1">
         <a:scrgbClr r="0" g="0" b="0"/>
       </a:fillRef>
       <a:effectRef idx="0">
@@ -14785,15 +16934,22 @@
       <a:fontRef idx="minor"/>
     </dgm:style>
   </dgm:styleLbl>
-  <dgm:styleLbl name="fgAcc1">
+  <dgm:styleLbl name="fgAccFollowNode1">
     <dgm:scene3d>
       <a:camera prst="orthographicFront"/>
-      <a:lightRig rig="threePt" dir="t"/>
+      <a:lightRig rig="threePt" dir="t">
+        <a:rot lat="0" lon="0" rev="7500000"/>
+      </a:lightRig>
     </dgm:scene3d>
-    <dgm:sp3d/>
+    <dgm:sp3d z="152400" extrusionH="63500" prstMaterial="dkEdge">
+      <a:bevelT w="125400" h="36350" prst="relaxedInset"/>
+      <a:contourClr>
+        <a:schemeClr val="bg1"/>
+      </a:contourClr>
+    </dgm:sp3d>
     <dgm:txPr/>
     <dgm:style>
-      <a:lnRef idx="2">
+      <a:lnRef idx="1">
         <a:scrgbClr r="0" g="0" b="0"/>
       </a:lnRef>
       <a:fillRef idx="1">
@@ -14805,52 +16961,74 @@
       <a:fontRef idx="minor"/>
     </dgm:style>
   </dgm:styleLbl>
-  <dgm:styleLbl name="conFgAcc1">
+  <dgm:styleLbl name="alignAccFollowNode1">
     <dgm:scene3d>
       <a:camera prst="orthographicFront"/>
-      <a:lightRig rig="threePt" dir="t"/>
+      <a:lightRig rig="threePt" dir="t">
+        <a:rot lat="0" lon="0" rev="7500000"/>
+      </a:lightRig>
     </dgm:scene3d>
-    <dgm:sp3d/>
+    <dgm:sp3d extrusionH="190500" prstMaterial="dkEdge">
+      <a:bevelT w="120650" h="38100" prst="relaxedInset"/>
+      <a:bevelB w="120650" h="57150" prst="relaxedInset"/>
+      <a:contourClr>
+        <a:schemeClr val="bg1"/>
+      </a:contourClr>
+    </dgm:sp3d>
     <dgm:txPr/>
     <dgm:style>
-      <a:lnRef idx="2">
+      <a:lnRef idx="1">
         <a:scrgbClr r="0" g="0" b="0"/>
       </a:lnRef>
       <a:fillRef idx="1">
         <a:scrgbClr r="0" g="0" b="0"/>
       </a:fillRef>
-      <a:effectRef idx="0">
+      <a:effectRef idx="2">
         <a:scrgbClr r="0" g="0" b="0"/>
       </a:effectRef>
       <a:fontRef idx="minor"/>
     </dgm:style>
   </dgm:styleLbl>
-  <dgm:styleLbl name="alignAcc1">
+  <dgm:styleLbl name="bgAccFollowNode1">
     <dgm:scene3d>
       <a:camera prst="orthographicFront"/>
-      <a:lightRig rig="threePt" dir="t"/>
+      <a:lightRig rig="threePt" dir="t">
+        <a:rot lat="0" lon="0" rev="7500000"/>
+      </a:lightRig>
     </dgm:scene3d>
-    <dgm:sp3d/>
+    <dgm:sp3d z="-152400" extrusionH="63500" prstMaterial="dkEdge">
+      <a:bevelT w="144450" h="36350" prst="relaxedInset"/>
+      <a:contourClr>
+        <a:schemeClr val="bg1"/>
+      </a:contourClr>
+    </dgm:sp3d>
     <dgm:txPr/>
     <dgm:style>
-      <a:lnRef idx="2">
+      <a:lnRef idx="1">
         <a:scrgbClr r="0" g="0" b="0"/>
       </a:lnRef>
       <a:fillRef idx="1">
         <a:scrgbClr r="0" g="0" b="0"/>
       </a:fillRef>
-      <a:effectRef idx="0">
+      <a:effectRef idx="2">
         <a:scrgbClr r="0" g="0" b="0"/>
       </a:effectRef>
       <a:fontRef idx="minor"/>
     </dgm:style>
   </dgm:styleLbl>
-  <dgm:styleLbl name="trAlignAcc1">
+  <dgm:styleLbl name="fgAcc0">
     <dgm:scene3d>
       <a:camera prst="orthographicFront"/>
-      <a:lightRig rig="threePt" dir="t"/>
+      <a:lightRig rig="threePt" dir="t">
+        <a:rot lat="0" lon="0" rev="7500000"/>
+      </a:lightRig>
     </dgm:scene3d>
-    <dgm:sp3d/>
+    <dgm:sp3d z="152400" extrusionH="63500" prstMaterial="dkEdge">
+      <a:bevelT w="125400" h="36350" prst="relaxedInset"/>
+      <a:contourClr>
+        <a:schemeClr val="bg1"/>
+      </a:contourClr>
+    </dgm:sp3d>
     <dgm:txPr/>
     <dgm:style>
       <a:lnRef idx="1">
@@ -14859,84 +17037,112 @@
       <a:fillRef idx="1">
         <a:scrgbClr r="0" g="0" b="0"/>
       </a:fillRef>
-      <a:effectRef idx="0">
+      <a:effectRef idx="2">
         <a:scrgbClr r="0" g="0" b="0"/>
       </a:effectRef>
       <a:fontRef idx="minor"/>
     </dgm:style>
   </dgm:styleLbl>
-  <dgm:styleLbl name="bgAcc1">
+  <dgm:styleLbl name="fgAcc2">
     <dgm:scene3d>
       <a:camera prst="orthographicFront"/>
-      <a:lightRig rig="threePt" dir="t"/>
+      <a:lightRig rig="threePt" dir="t">
+        <a:rot lat="0" lon="0" rev="7500000"/>
+      </a:lightRig>
     </dgm:scene3d>
-    <dgm:sp3d/>
+    <dgm:sp3d z="152400" extrusionH="63500" prstMaterial="dkEdge">
+      <a:bevelT w="125400" h="36350" prst="relaxedInset"/>
+      <a:contourClr>
+        <a:schemeClr val="bg1"/>
+      </a:contourClr>
+    </dgm:sp3d>
     <dgm:txPr/>
     <dgm:style>
-      <a:lnRef idx="2">
+      <a:lnRef idx="1">
         <a:scrgbClr r="0" g="0" b="0"/>
       </a:lnRef>
       <a:fillRef idx="1">
         <a:scrgbClr r="0" g="0" b="0"/>
       </a:fillRef>
-      <a:effectRef idx="0">
+      <a:effectRef idx="2">
         <a:scrgbClr r="0" g="0" b="0"/>
       </a:effectRef>
       <a:fontRef idx="minor"/>
     </dgm:style>
   </dgm:styleLbl>
-  <dgm:styleLbl name="solidFgAcc1">
+  <dgm:styleLbl name="fgAcc3">
     <dgm:scene3d>
       <a:camera prst="orthographicFront"/>
-      <a:lightRig rig="threePt" dir="t"/>
+      <a:lightRig rig="threePt" dir="t">
+        <a:rot lat="0" lon="0" rev="7500000"/>
+      </a:lightRig>
     </dgm:scene3d>
-    <dgm:sp3d/>
+    <dgm:sp3d z="152400" extrusionH="63500" prstMaterial="dkEdge">
+      <a:bevelT w="125400" h="36350" prst="relaxedInset"/>
+      <a:contourClr>
+        <a:schemeClr val="bg1"/>
+      </a:contourClr>
+    </dgm:sp3d>
     <dgm:txPr/>
     <dgm:style>
-      <a:lnRef idx="2">
+      <a:lnRef idx="1">
         <a:scrgbClr r="0" g="0" b="0"/>
       </a:lnRef>
       <a:fillRef idx="1">
         <a:scrgbClr r="0" g="0" b="0"/>
       </a:fillRef>
-      <a:effectRef idx="0">
+      <a:effectRef idx="2">
         <a:scrgbClr r="0" g="0" b="0"/>
       </a:effectRef>
       <a:fontRef idx="minor"/>
     </dgm:style>
   </dgm:styleLbl>
-  <dgm:styleLbl name="solidAlignAcc1">
+  <dgm:styleLbl name="fgAcc4">
     <dgm:scene3d>
       <a:camera prst="orthographicFront"/>
-      <a:lightRig rig="threePt" dir="t"/>
+      <a:lightRig rig="threePt" dir="t">
+        <a:rot lat="0" lon="0" rev="7500000"/>
+      </a:lightRig>
     </dgm:scene3d>
-    <dgm:sp3d/>
+    <dgm:sp3d z="152400" extrusionH="63500" prstMaterial="dkEdge">
+      <a:bevelT w="125400" h="36350" prst="relaxedInset"/>
+      <a:contourClr>
+        <a:schemeClr val="bg1"/>
+      </a:contourClr>
+    </dgm:sp3d>
     <dgm:txPr/>
     <dgm:style>
-      <a:lnRef idx="2">
+      <a:lnRef idx="1">
         <a:scrgbClr r="0" g="0" b="0"/>
       </a:lnRef>
       <a:fillRef idx="1">
         <a:scrgbClr r="0" g="0" b="0"/>
       </a:fillRef>
-      <a:effectRef idx="0">
+      <a:effectRef idx="2">
         <a:scrgbClr r="0" g="0" b="0"/>
       </a:effectRef>
       <a:fontRef idx="minor"/>
     </dgm:style>
   </dgm:styleLbl>
-  <dgm:styleLbl name="solidBgAcc1">
+  <dgm:styleLbl name="bgShp">
     <dgm:scene3d>
       <a:camera prst="orthographicFront"/>
-      <a:lightRig rig="threePt" dir="t"/>
+      <a:lightRig rig="threePt" dir="t">
+        <a:rot lat="0" lon="0" rev="7500000"/>
+      </a:lightRig>
     </dgm:scene3d>
-    <dgm:sp3d/>
+    <dgm:sp3d z="-152400" extrusionH="63500" prstMaterial="matte">
+      <a:bevelT w="144450" h="6350" prst="relaxedInset"/>
+      <a:contourClr>
+        <a:schemeClr val="bg1"/>
+      </a:contourClr>
+    </dgm:sp3d>
     <dgm:txPr/>
     <dgm:style>
-      <a:lnRef idx="2">
+      <a:lnRef idx="0">
         <a:scrgbClr r="0" g="0" b="0"/>
       </a:lnRef>
-      <a:fillRef idx="1">
+      <a:fillRef idx="3">
         <a:scrgbClr r="0" g="0" b="0"/>
       </a:fillRef>
       <a:effectRef idx="0">
@@ -14945,152 +17151,17 @@
       <a:fontRef idx="minor"/>
     </dgm:style>
   </dgm:styleLbl>
-  <dgm:styleLbl name="fgAccFollowNode1">
+  <dgm:styleLbl name="dkBgShp">
     <dgm:scene3d>
       <a:camera prst="orthographicFront"/>
-      <a:lightRig rig="threePt" dir="t"/>
+      <a:lightRig rig="threePt" dir="t">
+        <a:rot lat="0" lon="0" rev="7500000"/>
+      </a:lightRig>
     </dgm:scene3d>
-    <dgm:sp3d/>
-    <dgm:txPr/>
-    <dgm:style>
-      <a:lnRef idx="2">
-        <a:scrgbClr r="0" g="0" b="0"/>
-      </a:lnRef>
-      <a:fillRef idx="1">
-        <a:scrgbClr r="0" g="0" b="0"/>
-      </a:fillRef>
-      <a:effectRef idx="0">
-        <a:scrgbClr r="0" g="0" b="0"/>
-      </a:effectRef>
-      <a:fontRef idx="minor"/>
-    </dgm:style>
-  </dgm:styleLbl>
-  <dgm:styleLbl name="alignAccFollowNode1">
-    <dgm:scene3d>
-      <a:camera prst="orthographicFront"/>
-      <a:lightRig rig="threePt" dir="t"/>
-    </dgm:scene3d>
-    <dgm:sp3d/>
-    <dgm:txPr/>
-    <dgm:style>
-      <a:lnRef idx="2">
-        <a:scrgbClr r="0" g="0" b="0"/>
-      </a:lnRef>
-      <a:fillRef idx="1">
-        <a:scrgbClr r="0" g="0" b="0"/>
-      </a:fillRef>
-      <a:effectRef idx="0">
-        <a:scrgbClr r="0" g="0" b="0"/>
-      </a:effectRef>
-      <a:fontRef idx="minor"/>
-    </dgm:style>
-  </dgm:styleLbl>
-  <dgm:styleLbl name="bgAccFollowNode1">
-    <dgm:scene3d>
-      <a:camera prst="orthographicFront"/>
-      <a:lightRig rig="threePt" dir="t"/>
-    </dgm:scene3d>
-    <dgm:sp3d/>
-    <dgm:txPr/>
-    <dgm:style>
-      <a:lnRef idx="2">
-        <a:scrgbClr r="0" g="0" b="0"/>
-      </a:lnRef>
-      <a:fillRef idx="1">
-        <a:scrgbClr r="0" g="0" b="0"/>
-      </a:fillRef>
-      <a:effectRef idx="0">
-        <a:scrgbClr r="0" g="0" b="0"/>
-      </a:effectRef>
-      <a:fontRef idx="minor"/>
-    </dgm:style>
-  </dgm:styleLbl>
-  <dgm:styleLbl name="fgAcc0">
-    <dgm:scene3d>
-      <a:camera prst="orthographicFront"/>
-      <a:lightRig rig="threePt" dir="t"/>
-    </dgm:scene3d>
-    <dgm:sp3d/>
-    <dgm:txPr/>
-    <dgm:style>
-      <a:lnRef idx="2">
-        <a:scrgbClr r="0" g="0" b="0"/>
-      </a:lnRef>
-      <a:fillRef idx="1">
-        <a:scrgbClr r="0" g="0" b="0"/>
-      </a:fillRef>
-      <a:effectRef idx="0">
-        <a:scrgbClr r="0" g="0" b="0"/>
-      </a:effectRef>
-      <a:fontRef idx="minor"/>
-    </dgm:style>
-  </dgm:styleLbl>
-  <dgm:styleLbl name="fgAcc2">
-    <dgm:scene3d>
-      <a:camera prst="orthographicFront"/>
-      <a:lightRig rig="threePt" dir="t"/>
-    </dgm:scene3d>
-    <dgm:sp3d/>
-    <dgm:txPr/>
-    <dgm:style>
-      <a:lnRef idx="2">
-        <a:scrgbClr r="0" g="0" b="0"/>
-      </a:lnRef>
-      <a:fillRef idx="1">
-        <a:scrgbClr r="0" g="0" b="0"/>
-      </a:fillRef>
-      <a:effectRef idx="0">
-        <a:scrgbClr r="0" g="0" b="0"/>
-      </a:effectRef>
-      <a:fontRef idx="minor"/>
-    </dgm:style>
-  </dgm:styleLbl>
-  <dgm:styleLbl name="fgAcc3">
-    <dgm:scene3d>
-      <a:camera prst="orthographicFront"/>
-      <a:lightRig rig="threePt" dir="t"/>
-    </dgm:scene3d>
-    <dgm:sp3d/>
-    <dgm:txPr/>
-    <dgm:style>
-      <a:lnRef idx="2">
-        <a:scrgbClr r="0" g="0" b="0"/>
-      </a:lnRef>
-      <a:fillRef idx="1">
-        <a:scrgbClr r="0" g="0" b="0"/>
-      </a:fillRef>
-      <a:effectRef idx="0">
-        <a:scrgbClr r="0" g="0" b="0"/>
-      </a:effectRef>
-      <a:fontRef idx="minor"/>
-    </dgm:style>
-  </dgm:styleLbl>
-  <dgm:styleLbl name="fgAcc4">
-    <dgm:scene3d>
-      <a:camera prst="orthographicFront"/>
-      <a:lightRig rig="threePt" dir="t"/>
-    </dgm:scene3d>
-    <dgm:sp3d/>
-    <dgm:txPr/>
-    <dgm:style>
-      <a:lnRef idx="2">
-        <a:scrgbClr r="0" g="0" b="0"/>
-      </a:lnRef>
-      <a:fillRef idx="1">
-        <a:scrgbClr r="0" g="0" b="0"/>
-      </a:fillRef>
-      <a:effectRef idx="0">
-        <a:scrgbClr r="0" g="0" b="0"/>
-      </a:effectRef>
-      <a:fontRef idx="minor"/>
-    </dgm:style>
-  </dgm:styleLbl>
-  <dgm:styleLbl name="bgShp">
-    <dgm:scene3d>
-      <a:camera prst="orthographicFront"/>
-      <a:lightRig rig="threePt" dir="t"/>
-    </dgm:scene3d>
-    <dgm:sp3d/>
+    <dgm:sp3d prstMaterial="plastic">
+      <a:bevelT w="127000" h="25400" prst="relaxedInset"/>
+      <a:bevelB w="88900" h="121750" prst="angle"/>
+    </dgm:sp3d>
     <dgm:txPr/>
     <dgm:style>
       <a:lnRef idx="0">
@@ -15099,30 +17170,12 @@
       <a:fillRef idx="1">
         <a:scrgbClr r="0" g="0" b="0"/>
       </a:fillRef>
-      <a:effectRef idx="0">
+      <a:effectRef idx="2">
         <a:scrgbClr r="0" g="0" b="0"/>
       </a:effectRef>
-      <a:fontRef idx="minor"/>
-    </dgm:style>
-  </dgm:styleLbl>
-  <dgm:styleLbl name="dkBgShp">
-    <dgm:scene3d>
-      <a:camera prst="orthographicFront"/>
-      <a:lightRig rig="threePt" dir="t"/>
-    </dgm:scene3d>
-    <dgm:sp3d/>
-    <dgm:txPr/>
-    <dgm:style>
-      <a:lnRef idx="0">
-        <a:scrgbClr r="0" g="0" b="0"/>
-      </a:lnRef>
-      <a:fillRef idx="1">
-        <a:scrgbClr r="0" g="0" b="0"/>
-      </a:fillRef>
-      <a:effectRef idx="0">
-        <a:scrgbClr r="0" g="0" b="0"/>
-      </a:effectRef>
-      <a:fontRef idx="minor"/>
+      <a:fontRef idx="minor">
+        <a:schemeClr val="lt1"/>
+      </a:fontRef>
     </dgm:style>
   </dgm:styleLbl>
   <dgm:styleLbl name="trBgShp">
@@ -15130,7 +17183,7 @@
       <a:camera prst="orthographicFront"/>
       <a:lightRig rig="threePt" dir="t"/>
     </dgm:scene3d>
-    <dgm:sp3d/>
+    <dgm:sp3d z="-152400" prstMaterial="matte"/>
     <dgm:txPr/>
     <dgm:style>
       <a:lnRef idx="0">
@@ -15148,21 +17201,30 @@
   <dgm:styleLbl name="fgShp">
     <dgm:scene3d>
       <a:camera prst="orthographicFront"/>
-      <a:lightRig rig="threePt" dir="t"/>
+      <a:lightRig rig="threePt" dir="t">
+        <a:rot lat="0" lon="0" rev="7500000"/>
+      </a:lightRig>
     </dgm:scene3d>
-    <dgm:sp3d/>
+    <dgm:sp3d z="152400" extrusionH="63500" prstMaterial="matte">
+      <a:bevelT w="50800" h="19050" prst="relaxedInset"/>
+      <a:contourClr>
+        <a:schemeClr val="bg1"/>
+      </a:contourClr>
+    </dgm:sp3d>
     <dgm:txPr/>
     <dgm:style>
-      <a:lnRef idx="2">
+      <a:lnRef idx="0">
         <a:scrgbClr r="0" g="0" b="0"/>
       </a:lnRef>
       <a:fillRef idx="1">
         <a:scrgbClr r="0" g="0" b="0"/>
       </a:fillRef>
-      <a:effectRef idx="0">
+      <a:effectRef idx="2">
         <a:scrgbClr r="0" g="0" b="0"/>
       </a:effectRef>
-      <a:fontRef idx="minor"/>
+      <a:fontRef idx="minor">
+        <a:schemeClr val="lt1"/>
+      </a:fontRef>
     </dgm:style>
   </dgm:styleLbl>
   <dgm:styleLbl name="revTx">
@@ -16223,6 +18285,1040 @@
 </file>
 
 <file path=ppt/diagrams/quickStyle6.xml><?xml version="1.0" encoding="utf-8"?>
+<dgm:styleDef xmlns:dgm="http://schemas.openxmlformats.org/drawingml/2006/diagram" xmlns:a="http://schemas.openxmlformats.org/drawingml/2006/main" uniqueId="urn:microsoft.com/office/officeart/2005/8/quickstyle/simple1">
+  <dgm:title val=""/>
+  <dgm:desc val=""/>
+  <dgm:catLst>
+    <dgm:cat type="simple" pri="10100"/>
+  </dgm:catLst>
+  <dgm:scene3d>
+    <a:camera prst="orthographicFront"/>
+    <a:lightRig rig="threePt" dir="t"/>
+  </dgm:scene3d>
+  <dgm:styleLbl name="node0">
+    <dgm:scene3d>
+      <a:camera prst="orthographicFront"/>
+      <a:lightRig rig="threePt" dir="t"/>
+    </dgm:scene3d>
+    <dgm:sp3d/>
+    <dgm:txPr/>
+    <dgm:style>
+      <a:lnRef idx="2">
+        <a:scrgbClr r="0" g="0" b="0"/>
+      </a:lnRef>
+      <a:fillRef idx="1">
+        <a:scrgbClr r="0" g="0" b="0"/>
+      </a:fillRef>
+      <a:effectRef idx="0">
+        <a:scrgbClr r="0" g="0" b="0"/>
+      </a:effectRef>
+      <a:fontRef idx="minor">
+        <a:schemeClr val="lt1"/>
+      </a:fontRef>
+    </dgm:style>
+  </dgm:styleLbl>
+  <dgm:styleLbl name="lnNode1">
+    <dgm:scene3d>
+      <a:camera prst="orthographicFront"/>
+      <a:lightRig rig="threePt" dir="t"/>
+    </dgm:scene3d>
+    <dgm:sp3d/>
+    <dgm:txPr/>
+    <dgm:style>
+      <a:lnRef idx="2">
+        <a:scrgbClr r="0" g="0" b="0"/>
+      </a:lnRef>
+      <a:fillRef idx="1">
+        <a:scrgbClr r="0" g="0" b="0"/>
+      </a:fillRef>
+      <a:effectRef idx="0">
+        <a:scrgbClr r="0" g="0" b="0"/>
+      </a:effectRef>
+      <a:fontRef idx="minor">
+        <a:schemeClr val="lt1"/>
+      </a:fontRef>
+    </dgm:style>
+  </dgm:styleLbl>
+  <dgm:styleLbl name="vennNode1">
+    <dgm:scene3d>
+      <a:camera prst="orthographicFront"/>
+      <a:lightRig rig="threePt" dir="t"/>
+    </dgm:scene3d>
+    <dgm:sp3d/>
+    <dgm:txPr/>
+    <dgm:style>
+      <a:lnRef idx="2">
+        <a:scrgbClr r="0" g="0" b="0"/>
+      </a:lnRef>
+      <a:fillRef idx="1">
+        <a:scrgbClr r="0" g="0" b="0"/>
+      </a:fillRef>
+      <a:effectRef idx="0">
+        <a:scrgbClr r="0" g="0" b="0"/>
+      </a:effectRef>
+      <a:fontRef idx="minor">
+        <a:schemeClr val="tx1"/>
+      </a:fontRef>
+    </dgm:style>
+  </dgm:styleLbl>
+  <dgm:styleLbl name="alignNode1">
+    <dgm:scene3d>
+      <a:camera prst="orthographicFront"/>
+      <a:lightRig rig="threePt" dir="t"/>
+    </dgm:scene3d>
+    <dgm:sp3d/>
+    <dgm:txPr/>
+    <dgm:style>
+      <a:lnRef idx="2">
+        <a:scrgbClr r="0" g="0" b="0"/>
+      </a:lnRef>
+      <a:fillRef idx="1">
+        <a:scrgbClr r="0" g="0" b="0"/>
+      </a:fillRef>
+      <a:effectRef idx="0">
+        <a:scrgbClr r="0" g="0" b="0"/>
+      </a:effectRef>
+      <a:fontRef idx="minor">
+        <a:schemeClr val="lt1"/>
+      </a:fontRef>
+    </dgm:style>
+  </dgm:styleLbl>
+  <dgm:styleLbl name="node1">
+    <dgm:scene3d>
+      <a:camera prst="orthographicFront"/>
+      <a:lightRig rig="threePt" dir="t"/>
+    </dgm:scene3d>
+    <dgm:sp3d/>
+    <dgm:txPr/>
+    <dgm:style>
+      <a:lnRef idx="2">
+        <a:scrgbClr r="0" g="0" b="0"/>
+      </a:lnRef>
+      <a:fillRef idx="1">
+        <a:scrgbClr r="0" g="0" b="0"/>
+      </a:fillRef>
+      <a:effectRef idx="0">
+        <a:scrgbClr r="0" g="0" b="0"/>
+      </a:effectRef>
+      <a:fontRef idx="minor">
+        <a:schemeClr val="lt1"/>
+      </a:fontRef>
+    </dgm:style>
+  </dgm:styleLbl>
+  <dgm:styleLbl name="node2">
+    <dgm:scene3d>
+      <a:camera prst="orthographicFront"/>
+      <a:lightRig rig="threePt" dir="t"/>
+    </dgm:scene3d>
+    <dgm:sp3d/>
+    <dgm:txPr/>
+    <dgm:style>
+      <a:lnRef idx="2">
+        <a:scrgbClr r="0" g="0" b="0"/>
+      </a:lnRef>
+      <a:fillRef idx="1">
+        <a:scrgbClr r="0" g="0" b="0"/>
+      </a:fillRef>
+      <a:effectRef idx="0">
+        <a:scrgbClr r="0" g="0" b="0"/>
+      </a:effectRef>
+      <a:fontRef idx="minor">
+        <a:schemeClr val="lt1"/>
+      </a:fontRef>
+    </dgm:style>
+  </dgm:styleLbl>
+  <dgm:styleLbl name="node3">
+    <dgm:scene3d>
+      <a:camera prst="orthographicFront"/>
+      <a:lightRig rig="threePt" dir="t"/>
+    </dgm:scene3d>
+    <dgm:sp3d/>
+    <dgm:txPr/>
+    <dgm:style>
+      <a:lnRef idx="2">
+        <a:scrgbClr r="0" g="0" b="0"/>
+      </a:lnRef>
+      <a:fillRef idx="1">
+        <a:scrgbClr r="0" g="0" b="0"/>
+      </a:fillRef>
+      <a:effectRef idx="0">
+        <a:scrgbClr r="0" g="0" b="0"/>
+      </a:effectRef>
+      <a:fontRef idx="minor">
+        <a:schemeClr val="lt1"/>
+      </a:fontRef>
+    </dgm:style>
+  </dgm:styleLbl>
+  <dgm:styleLbl name="node4">
+    <dgm:scene3d>
+      <a:camera prst="orthographicFront"/>
+      <a:lightRig rig="threePt" dir="t"/>
+    </dgm:scene3d>
+    <dgm:sp3d/>
+    <dgm:txPr/>
+    <dgm:style>
+      <a:lnRef idx="2">
+        <a:scrgbClr r="0" g="0" b="0"/>
+      </a:lnRef>
+      <a:fillRef idx="1">
+        <a:scrgbClr r="0" g="0" b="0"/>
+      </a:fillRef>
+      <a:effectRef idx="0">
+        <a:scrgbClr r="0" g="0" b="0"/>
+      </a:effectRef>
+      <a:fontRef idx="minor">
+        <a:schemeClr val="lt1"/>
+      </a:fontRef>
+    </dgm:style>
+  </dgm:styleLbl>
+  <dgm:styleLbl name="fgImgPlace1">
+    <dgm:scene3d>
+      <a:camera prst="orthographicFront"/>
+      <a:lightRig rig="threePt" dir="t"/>
+    </dgm:scene3d>
+    <dgm:sp3d/>
+    <dgm:txPr/>
+    <dgm:style>
+      <a:lnRef idx="2">
+        <a:scrgbClr r="0" g="0" b="0"/>
+      </a:lnRef>
+      <a:fillRef idx="1">
+        <a:scrgbClr r="0" g="0" b="0"/>
+      </a:fillRef>
+      <a:effectRef idx="0">
+        <a:scrgbClr r="0" g="0" b="0"/>
+      </a:effectRef>
+      <a:fontRef idx="minor"/>
+    </dgm:style>
+  </dgm:styleLbl>
+  <dgm:styleLbl name="alignImgPlace1">
+    <dgm:scene3d>
+      <a:camera prst="orthographicFront"/>
+      <a:lightRig rig="threePt" dir="t"/>
+    </dgm:scene3d>
+    <dgm:sp3d/>
+    <dgm:txPr/>
+    <dgm:style>
+      <a:lnRef idx="2">
+        <a:scrgbClr r="0" g="0" b="0"/>
+      </a:lnRef>
+      <a:fillRef idx="1">
+        <a:scrgbClr r="0" g="0" b="0"/>
+      </a:fillRef>
+      <a:effectRef idx="0">
+        <a:scrgbClr r="0" g="0" b="0"/>
+      </a:effectRef>
+      <a:fontRef idx="minor"/>
+    </dgm:style>
+  </dgm:styleLbl>
+  <dgm:styleLbl name="bgImgPlace1">
+    <dgm:scene3d>
+      <a:camera prst="orthographicFront"/>
+      <a:lightRig rig="threePt" dir="t"/>
+    </dgm:scene3d>
+    <dgm:sp3d/>
+    <dgm:txPr/>
+    <dgm:style>
+      <a:lnRef idx="2">
+        <a:scrgbClr r="0" g="0" b="0"/>
+      </a:lnRef>
+      <a:fillRef idx="1">
+        <a:scrgbClr r="0" g="0" b="0"/>
+      </a:fillRef>
+      <a:effectRef idx="0">
+        <a:scrgbClr r="0" g="0" b="0"/>
+      </a:effectRef>
+      <a:fontRef idx="minor"/>
+    </dgm:style>
+  </dgm:styleLbl>
+  <dgm:styleLbl name="sibTrans2D1">
+    <dgm:scene3d>
+      <a:camera prst="orthographicFront"/>
+      <a:lightRig rig="threePt" dir="t"/>
+    </dgm:scene3d>
+    <dgm:sp3d/>
+    <dgm:txPr/>
+    <dgm:style>
+      <a:lnRef idx="0">
+        <a:scrgbClr r="0" g="0" b="0"/>
+      </a:lnRef>
+      <a:fillRef idx="1">
+        <a:scrgbClr r="0" g="0" b="0"/>
+      </a:fillRef>
+      <a:effectRef idx="0">
+        <a:scrgbClr r="0" g="0" b="0"/>
+      </a:effectRef>
+      <a:fontRef idx="minor">
+        <a:schemeClr val="lt1"/>
+      </a:fontRef>
+    </dgm:style>
+  </dgm:styleLbl>
+  <dgm:styleLbl name="fgSibTrans2D1">
+    <dgm:scene3d>
+      <a:camera prst="orthographicFront"/>
+      <a:lightRig rig="threePt" dir="t"/>
+    </dgm:scene3d>
+    <dgm:sp3d/>
+    <dgm:txPr/>
+    <dgm:style>
+      <a:lnRef idx="0">
+        <a:scrgbClr r="0" g="0" b="0"/>
+      </a:lnRef>
+      <a:fillRef idx="1">
+        <a:scrgbClr r="0" g="0" b="0"/>
+      </a:fillRef>
+      <a:effectRef idx="0">
+        <a:scrgbClr r="0" g="0" b="0"/>
+      </a:effectRef>
+      <a:fontRef idx="minor">
+        <a:schemeClr val="lt1"/>
+      </a:fontRef>
+    </dgm:style>
+  </dgm:styleLbl>
+  <dgm:styleLbl name="bgSibTrans2D1">
+    <dgm:scene3d>
+      <a:camera prst="orthographicFront"/>
+      <a:lightRig rig="threePt" dir="t"/>
+    </dgm:scene3d>
+    <dgm:sp3d/>
+    <dgm:txPr/>
+    <dgm:style>
+      <a:lnRef idx="0">
+        <a:scrgbClr r="0" g="0" b="0"/>
+      </a:lnRef>
+      <a:fillRef idx="1">
+        <a:scrgbClr r="0" g="0" b="0"/>
+      </a:fillRef>
+      <a:effectRef idx="0">
+        <a:scrgbClr r="0" g="0" b="0"/>
+      </a:effectRef>
+      <a:fontRef idx="minor">
+        <a:schemeClr val="lt1"/>
+      </a:fontRef>
+    </dgm:style>
+  </dgm:styleLbl>
+  <dgm:styleLbl name="sibTrans1D1">
+    <dgm:scene3d>
+      <a:camera prst="orthographicFront"/>
+      <a:lightRig rig="threePt" dir="t"/>
+    </dgm:scene3d>
+    <dgm:sp3d/>
+    <dgm:txPr/>
+    <dgm:style>
+      <a:lnRef idx="1">
+        <a:scrgbClr r="0" g="0" b="0"/>
+      </a:lnRef>
+      <a:fillRef idx="0">
+        <a:scrgbClr r="0" g="0" b="0"/>
+      </a:fillRef>
+      <a:effectRef idx="0">
+        <a:scrgbClr r="0" g="0" b="0"/>
+      </a:effectRef>
+      <a:fontRef idx="minor"/>
+    </dgm:style>
+  </dgm:styleLbl>
+  <dgm:styleLbl name="callout">
+    <dgm:scene3d>
+      <a:camera prst="orthographicFront"/>
+      <a:lightRig rig="threePt" dir="t"/>
+    </dgm:scene3d>
+    <dgm:sp3d/>
+    <dgm:txPr/>
+    <dgm:style>
+      <a:lnRef idx="2">
+        <a:scrgbClr r="0" g="0" b="0"/>
+      </a:lnRef>
+      <a:fillRef idx="1">
+        <a:scrgbClr r="0" g="0" b="0"/>
+      </a:fillRef>
+      <a:effectRef idx="0">
+        <a:scrgbClr r="0" g="0" b="0"/>
+      </a:effectRef>
+      <a:fontRef idx="minor"/>
+    </dgm:style>
+  </dgm:styleLbl>
+  <dgm:styleLbl name="asst0">
+    <dgm:scene3d>
+      <a:camera prst="orthographicFront"/>
+      <a:lightRig rig="threePt" dir="t"/>
+    </dgm:scene3d>
+    <dgm:sp3d/>
+    <dgm:txPr/>
+    <dgm:style>
+      <a:lnRef idx="2">
+        <a:scrgbClr r="0" g="0" b="0"/>
+      </a:lnRef>
+      <a:fillRef idx="1">
+        <a:scrgbClr r="0" g="0" b="0"/>
+      </a:fillRef>
+      <a:effectRef idx="0">
+        <a:scrgbClr r="0" g="0" b="0"/>
+      </a:effectRef>
+      <a:fontRef idx="minor">
+        <a:schemeClr val="lt1"/>
+      </a:fontRef>
+    </dgm:style>
+  </dgm:styleLbl>
+  <dgm:styleLbl name="asst1">
+    <dgm:scene3d>
+      <a:camera prst="orthographicFront"/>
+      <a:lightRig rig="threePt" dir="t"/>
+    </dgm:scene3d>
+    <dgm:sp3d/>
+    <dgm:txPr/>
+    <dgm:style>
+      <a:lnRef idx="2">
+        <a:scrgbClr r="0" g="0" b="0"/>
+      </a:lnRef>
+      <a:fillRef idx="1">
+        <a:scrgbClr r="0" g="0" b="0"/>
+      </a:fillRef>
+      <a:effectRef idx="0">
+        <a:scrgbClr r="0" g="0" b="0"/>
+      </a:effectRef>
+      <a:fontRef idx="minor">
+        <a:schemeClr val="lt1"/>
+      </a:fontRef>
+    </dgm:style>
+  </dgm:styleLbl>
+  <dgm:styleLbl name="asst2">
+    <dgm:scene3d>
+      <a:camera prst="orthographicFront"/>
+      <a:lightRig rig="threePt" dir="t"/>
+    </dgm:scene3d>
+    <dgm:sp3d/>
+    <dgm:txPr/>
+    <dgm:style>
+      <a:lnRef idx="2">
+        <a:scrgbClr r="0" g="0" b="0"/>
+      </a:lnRef>
+      <a:fillRef idx="1">
+        <a:scrgbClr r="0" g="0" b="0"/>
+      </a:fillRef>
+      <a:effectRef idx="0">
+        <a:scrgbClr r="0" g="0" b="0"/>
+      </a:effectRef>
+      <a:fontRef idx="minor">
+        <a:schemeClr val="lt1"/>
+      </a:fontRef>
+    </dgm:style>
+  </dgm:styleLbl>
+  <dgm:styleLbl name="asst3">
+    <dgm:scene3d>
+      <a:camera prst="orthographicFront"/>
+      <a:lightRig rig="threePt" dir="t"/>
+    </dgm:scene3d>
+    <dgm:sp3d/>
+    <dgm:txPr/>
+    <dgm:style>
+      <a:lnRef idx="2">
+        <a:scrgbClr r="0" g="0" b="0"/>
+      </a:lnRef>
+      <a:fillRef idx="1">
+        <a:scrgbClr r="0" g="0" b="0"/>
+      </a:fillRef>
+      <a:effectRef idx="0">
+        <a:scrgbClr r="0" g="0" b="0"/>
+      </a:effectRef>
+      <a:fontRef idx="minor">
+        <a:schemeClr val="lt1"/>
+      </a:fontRef>
+    </dgm:style>
+  </dgm:styleLbl>
+  <dgm:styleLbl name="asst4">
+    <dgm:scene3d>
+      <a:camera prst="orthographicFront"/>
+      <a:lightRig rig="threePt" dir="t"/>
+    </dgm:scene3d>
+    <dgm:sp3d/>
+    <dgm:txPr/>
+    <dgm:style>
+      <a:lnRef idx="2">
+        <a:scrgbClr r="0" g="0" b="0"/>
+      </a:lnRef>
+      <a:fillRef idx="1">
+        <a:scrgbClr r="0" g="0" b="0"/>
+      </a:fillRef>
+      <a:effectRef idx="0">
+        <a:scrgbClr r="0" g="0" b="0"/>
+      </a:effectRef>
+      <a:fontRef idx="minor">
+        <a:schemeClr val="lt1"/>
+      </a:fontRef>
+    </dgm:style>
+  </dgm:styleLbl>
+  <dgm:styleLbl name="parChTrans2D1">
+    <dgm:scene3d>
+      <a:camera prst="orthographicFront"/>
+      <a:lightRig rig="threePt" dir="t"/>
+    </dgm:scene3d>
+    <dgm:sp3d/>
+    <dgm:txPr/>
+    <dgm:style>
+      <a:lnRef idx="2">
+        <a:scrgbClr r="0" g="0" b="0"/>
+      </a:lnRef>
+      <a:fillRef idx="1">
+        <a:scrgbClr r="0" g="0" b="0"/>
+      </a:fillRef>
+      <a:effectRef idx="0">
+        <a:scrgbClr r="0" g="0" b="0"/>
+      </a:effectRef>
+      <a:fontRef idx="minor">
+        <a:schemeClr val="lt1"/>
+      </a:fontRef>
+    </dgm:style>
+  </dgm:styleLbl>
+  <dgm:styleLbl name="parChTrans2D2">
+    <dgm:scene3d>
+      <a:camera prst="orthographicFront"/>
+      <a:lightRig rig="threePt" dir="t"/>
+    </dgm:scene3d>
+    <dgm:sp3d/>
+    <dgm:txPr/>
+    <dgm:style>
+      <a:lnRef idx="2">
+        <a:scrgbClr r="0" g="0" b="0"/>
+      </a:lnRef>
+      <a:fillRef idx="1">
+        <a:scrgbClr r="0" g="0" b="0"/>
+      </a:fillRef>
+      <a:effectRef idx="0">
+        <a:scrgbClr r="0" g="0" b="0"/>
+      </a:effectRef>
+      <a:fontRef idx="minor">
+        <a:schemeClr val="lt1"/>
+      </a:fontRef>
+    </dgm:style>
+  </dgm:styleLbl>
+  <dgm:styleLbl name="parChTrans2D3">
+    <dgm:scene3d>
+      <a:camera prst="orthographicFront"/>
+      <a:lightRig rig="threePt" dir="t"/>
+    </dgm:scene3d>
+    <dgm:sp3d/>
+    <dgm:txPr/>
+    <dgm:style>
+      <a:lnRef idx="2">
+        <a:scrgbClr r="0" g="0" b="0"/>
+      </a:lnRef>
+      <a:fillRef idx="1">
+        <a:scrgbClr r="0" g="0" b="0"/>
+      </a:fillRef>
+      <a:effectRef idx="0">
+        <a:scrgbClr r="0" g="0" b="0"/>
+      </a:effectRef>
+      <a:fontRef idx="minor">
+        <a:schemeClr val="lt1"/>
+      </a:fontRef>
+    </dgm:style>
+  </dgm:styleLbl>
+  <dgm:styleLbl name="parChTrans2D4">
+    <dgm:scene3d>
+      <a:camera prst="orthographicFront"/>
+      <a:lightRig rig="threePt" dir="t"/>
+    </dgm:scene3d>
+    <dgm:sp3d/>
+    <dgm:txPr/>
+    <dgm:style>
+      <a:lnRef idx="2">
+        <a:scrgbClr r="0" g="0" b="0"/>
+      </a:lnRef>
+      <a:fillRef idx="1">
+        <a:scrgbClr r="0" g="0" b="0"/>
+      </a:fillRef>
+      <a:effectRef idx="0">
+        <a:scrgbClr r="0" g="0" b="0"/>
+      </a:effectRef>
+      <a:fontRef idx="minor">
+        <a:schemeClr val="lt1"/>
+      </a:fontRef>
+    </dgm:style>
+  </dgm:styleLbl>
+  <dgm:styleLbl name="parChTrans1D1">
+    <dgm:scene3d>
+      <a:camera prst="orthographicFront"/>
+      <a:lightRig rig="threePt" dir="t"/>
+    </dgm:scene3d>
+    <dgm:sp3d/>
+    <dgm:txPr/>
+    <dgm:style>
+      <a:lnRef idx="2">
+        <a:scrgbClr r="0" g="0" b="0"/>
+      </a:lnRef>
+      <a:fillRef idx="0">
+        <a:scrgbClr r="0" g="0" b="0"/>
+      </a:fillRef>
+      <a:effectRef idx="0">
+        <a:scrgbClr r="0" g="0" b="0"/>
+      </a:effectRef>
+      <a:fontRef idx="minor"/>
+    </dgm:style>
+  </dgm:styleLbl>
+  <dgm:styleLbl name="parChTrans1D2">
+    <dgm:scene3d>
+      <a:camera prst="orthographicFront"/>
+      <a:lightRig rig="threePt" dir="t"/>
+    </dgm:scene3d>
+    <dgm:sp3d/>
+    <dgm:txPr/>
+    <dgm:style>
+      <a:lnRef idx="2">
+        <a:scrgbClr r="0" g="0" b="0"/>
+      </a:lnRef>
+      <a:fillRef idx="0">
+        <a:scrgbClr r="0" g="0" b="0"/>
+      </a:fillRef>
+      <a:effectRef idx="0">
+        <a:scrgbClr r="0" g="0" b="0"/>
+      </a:effectRef>
+      <a:fontRef idx="minor"/>
+    </dgm:style>
+  </dgm:styleLbl>
+  <dgm:styleLbl name="parChTrans1D3">
+    <dgm:scene3d>
+      <a:camera prst="orthographicFront"/>
+      <a:lightRig rig="threePt" dir="t"/>
+    </dgm:scene3d>
+    <dgm:sp3d/>
+    <dgm:txPr/>
+    <dgm:style>
+      <a:lnRef idx="2">
+        <a:scrgbClr r="0" g="0" b="0"/>
+      </a:lnRef>
+      <a:fillRef idx="0">
+        <a:scrgbClr r="0" g="0" b="0"/>
+      </a:fillRef>
+      <a:effectRef idx="0">
+        <a:scrgbClr r="0" g="0" b="0"/>
+      </a:effectRef>
+      <a:fontRef idx="minor"/>
+    </dgm:style>
+  </dgm:styleLbl>
+  <dgm:styleLbl name="parChTrans1D4">
+    <dgm:scene3d>
+      <a:camera prst="orthographicFront"/>
+      <a:lightRig rig="threePt" dir="t"/>
+    </dgm:scene3d>
+    <dgm:sp3d/>
+    <dgm:txPr/>
+    <dgm:style>
+      <a:lnRef idx="2">
+        <a:scrgbClr r="0" g="0" b="0"/>
+      </a:lnRef>
+      <a:fillRef idx="0">
+        <a:scrgbClr r="0" g="0" b="0"/>
+      </a:fillRef>
+      <a:effectRef idx="0">
+        <a:scrgbClr r="0" g="0" b="0"/>
+      </a:effectRef>
+      <a:fontRef idx="minor"/>
+    </dgm:style>
+  </dgm:styleLbl>
+  <dgm:styleLbl name="fgAcc1">
+    <dgm:scene3d>
+      <a:camera prst="orthographicFront"/>
+      <a:lightRig rig="threePt" dir="t"/>
+    </dgm:scene3d>
+    <dgm:sp3d/>
+    <dgm:txPr/>
+    <dgm:style>
+      <a:lnRef idx="2">
+        <a:scrgbClr r="0" g="0" b="0"/>
+      </a:lnRef>
+      <a:fillRef idx="1">
+        <a:scrgbClr r="0" g="0" b="0"/>
+      </a:fillRef>
+      <a:effectRef idx="0">
+        <a:scrgbClr r="0" g="0" b="0"/>
+      </a:effectRef>
+      <a:fontRef idx="minor"/>
+    </dgm:style>
+  </dgm:styleLbl>
+  <dgm:styleLbl name="conFgAcc1">
+    <dgm:scene3d>
+      <a:camera prst="orthographicFront"/>
+      <a:lightRig rig="threePt" dir="t"/>
+    </dgm:scene3d>
+    <dgm:sp3d/>
+    <dgm:txPr/>
+    <dgm:style>
+      <a:lnRef idx="2">
+        <a:scrgbClr r="0" g="0" b="0"/>
+      </a:lnRef>
+      <a:fillRef idx="1">
+        <a:scrgbClr r="0" g="0" b="0"/>
+      </a:fillRef>
+      <a:effectRef idx="0">
+        <a:scrgbClr r="0" g="0" b="0"/>
+      </a:effectRef>
+      <a:fontRef idx="minor"/>
+    </dgm:style>
+  </dgm:styleLbl>
+  <dgm:styleLbl name="alignAcc1">
+    <dgm:scene3d>
+      <a:camera prst="orthographicFront"/>
+      <a:lightRig rig="threePt" dir="t"/>
+    </dgm:scene3d>
+    <dgm:sp3d/>
+    <dgm:txPr/>
+    <dgm:style>
+      <a:lnRef idx="2">
+        <a:scrgbClr r="0" g="0" b="0"/>
+      </a:lnRef>
+      <a:fillRef idx="1">
+        <a:scrgbClr r="0" g="0" b="0"/>
+      </a:fillRef>
+      <a:effectRef idx="0">
+        <a:scrgbClr r="0" g="0" b="0"/>
+      </a:effectRef>
+      <a:fontRef idx="minor"/>
+    </dgm:style>
+  </dgm:styleLbl>
+  <dgm:styleLbl name="trAlignAcc1">
+    <dgm:scene3d>
+      <a:camera prst="orthographicFront"/>
+      <a:lightRig rig="threePt" dir="t"/>
+    </dgm:scene3d>
+    <dgm:sp3d/>
+    <dgm:txPr/>
+    <dgm:style>
+      <a:lnRef idx="1">
+        <a:scrgbClr r="0" g="0" b="0"/>
+      </a:lnRef>
+      <a:fillRef idx="1">
+        <a:scrgbClr r="0" g="0" b="0"/>
+      </a:fillRef>
+      <a:effectRef idx="0">
+        <a:scrgbClr r="0" g="0" b="0"/>
+      </a:effectRef>
+      <a:fontRef idx="minor"/>
+    </dgm:style>
+  </dgm:styleLbl>
+  <dgm:styleLbl name="bgAcc1">
+    <dgm:scene3d>
+      <a:camera prst="orthographicFront"/>
+      <a:lightRig rig="threePt" dir="t"/>
+    </dgm:scene3d>
+    <dgm:sp3d/>
+    <dgm:txPr/>
+    <dgm:style>
+      <a:lnRef idx="2">
+        <a:scrgbClr r="0" g="0" b="0"/>
+      </a:lnRef>
+      <a:fillRef idx="1">
+        <a:scrgbClr r="0" g="0" b="0"/>
+      </a:fillRef>
+      <a:effectRef idx="0">
+        <a:scrgbClr r="0" g="0" b="0"/>
+      </a:effectRef>
+      <a:fontRef idx="minor"/>
+    </dgm:style>
+  </dgm:styleLbl>
+  <dgm:styleLbl name="solidFgAcc1">
+    <dgm:scene3d>
+      <a:camera prst="orthographicFront"/>
+      <a:lightRig rig="threePt" dir="t"/>
+    </dgm:scene3d>
+    <dgm:sp3d/>
+    <dgm:txPr/>
+    <dgm:style>
+      <a:lnRef idx="2">
+        <a:scrgbClr r="0" g="0" b="0"/>
+      </a:lnRef>
+      <a:fillRef idx="1">
+        <a:scrgbClr r="0" g="0" b="0"/>
+      </a:fillRef>
+      <a:effectRef idx="0">
+        <a:scrgbClr r="0" g="0" b="0"/>
+      </a:effectRef>
+      <a:fontRef idx="minor"/>
+    </dgm:style>
+  </dgm:styleLbl>
+  <dgm:styleLbl name="solidAlignAcc1">
+    <dgm:scene3d>
+      <a:camera prst="orthographicFront"/>
+      <a:lightRig rig="threePt" dir="t"/>
+    </dgm:scene3d>
+    <dgm:sp3d/>
+    <dgm:txPr/>
+    <dgm:style>
+      <a:lnRef idx="2">
+        <a:scrgbClr r="0" g="0" b="0"/>
+      </a:lnRef>
+      <a:fillRef idx="1">
+        <a:scrgbClr r="0" g="0" b="0"/>
+      </a:fillRef>
+      <a:effectRef idx="0">
+        <a:scrgbClr r="0" g="0" b="0"/>
+      </a:effectRef>
+      <a:fontRef idx="minor"/>
+    </dgm:style>
+  </dgm:styleLbl>
+  <dgm:styleLbl name="solidBgAcc1">
+    <dgm:scene3d>
+      <a:camera prst="orthographicFront"/>
+      <a:lightRig rig="threePt" dir="t"/>
+    </dgm:scene3d>
+    <dgm:sp3d/>
+    <dgm:txPr/>
+    <dgm:style>
+      <a:lnRef idx="2">
+        <a:scrgbClr r="0" g="0" b="0"/>
+      </a:lnRef>
+      <a:fillRef idx="1">
+        <a:scrgbClr r="0" g="0" b="0"/>
+      </a:fillRef>
+      <a:effectRef idx="0">
+        <a:scrgbClr r="0" g="0" b="0"/>
+      </a:effectRef>
+      <a:fontRef idx="minor"/>
+    </dgm:style>
+  </dgm:styleLbl>
+  <dgm:styleLbl name="fgAccFollowNode1">
+    <dgm:scene3d>
+      <a:camera prst="orthographicFront"/>
+      <a:lightRig rig="threePt" dir="t"/>
+    </dgm:scene3d>
+    <dgm:sp3d/>
+    <dgm:txPr/>
+    <dgm:style>
+      <a:lnRef idx="2">
+        <a:scrgbClr r="0" g="0" b="0"/>
+      </a:lnRef>
+      <a:fillRef idx="1">
+        <a:scrgbClr r="0" g="0" b="0"/>
+      </a:fillRef>
+      <a:effectRef idx="0">
+        <a:scrgbClr r="0" g="0" b="0"/>
+      </a:effectRef>
+      <a:fontRef idx="minor"/>
+    </dgm:style>
+  </dgm:styleLbl>
+  <dgm:styleLbl name="alignAccFollowNode1">
+    <dgm:scene3d>
+      <a:camera prst="orthographicFront"/>
+      <a:lightRig rig="threePt" dir="t"/>
+    </dgm:scene3d>
+    <dgm:sp3d/>
+    <dgm:txPr/>
+    <dgm:style>
+      <a:lnRef idx="2">
+        <a:scrgbClr r="0" g="0" b="0"/>
+      </a:lnRef>
+      <a:fillRef idx="1">
+        <a:scrgbClr r="0" g="0" b="0"/>
+      </a:fillRef>
+      <a:effectRef idx="0">
+        <a:scrgbClr r="0" g="0" b="0"/>
+      </a:effectRef>
+      <a:fontRef idx="minor"/>
+    </dgm:style>
+  </dgm:styleLbl>
+  <dgm:styleLbl name="bgAccFollowNode1">
+    <dgm:scene3d>
+      <a:camera prst="orthographicFront"/>
+      <a:lightRig rig="threePt" dir="t"/>
+    </dgm:scene3d>
+    <dgm:sp3d/>
+    <dgm:txPr/>
+    <dgm:style>
+      <a:lnRef idx="2">
+        <a:scrgbClr r="0" g="0" b="0"/>
+      </a:lnRef>
+      <a:fillRef idx="1">
+        <a:scrgbClr r="0" g="0" b="0"/>
+      </a:fillRef>
+      <a:effectRef idx="0">
+        <a:scrgbClr r="0" g="0" b="0"/>
+      </a:effectRef>
+      <a:fontRef idx="minor"/>
+    </dgm:style>
+  </dgm:styleLbl>
+  <dgm:styleLbl name="fgAcc0">
+    <dgm:scene3d>
+      <a:camera prst="orthographicFront"/>
+      <a:lightRig rig="threePt" dir="t"/>
+    </dgm:scene3d>
+    <dgm:sp3d/>
+    <dgm:txPr/>
+    <dgm:style>
+      <a:lnRef idx="2">
+        <a:scrgbClr r="0" g="0" b="0"/>
+      </a:lnRef>
+      <a:fillRef idx="1">
+        <a:scrgbClr r="0" g="0" b="0"/>
+      </a:fillRef>
+      <a:effectRef idx="0">
+        <a:scrgbClr r="0" g="0" b="0"/>
+      </a:effectRef>
+      <a:fontRef idx="minor"/>
+    </dgm:style>
+  </dgm:styleLbl>
+  <dgm:styleLbl name="fgAcc2">
+    <dgm:scene3d>
+      <a:camera prst="orthographicFront"/>
+      <a:lightRig rig="threePt" dir="t"/>
+    </dgm:scene3d>
+    <dgm:sp3d/>
+    <dgm:txPr/>
+    <dgm:style>
+      <a:lnRef idx="2">
+        <a:scrgbClr r="0" g="0" b="0"/>
+      </a:lnRef>
+      <a:fillRef idx="1">
+        <a:scrgbClr r="0" g="0" b="0"/>
+      </a:fillRef>
+      <a:effectRef idx="0">
+        <a:scrgbClr r="0" g="0" b="0"/>
+      </a:effectRef>
+      <a:fontRef idx="minor"/>
+    </dgm:style>
+  </dgm:styleLbl>
+  <dgm:styleLbl name="fgAcc3">
+    <dgm:scene3d>
+      <a:camera prst="orthographicFront"/>
+      <a:lightRig rig="threePt" dir="t"/>
+    </dgm:scene3d>
+    <dgm:sp3d/>
+    <dgm:txPr/>
+    <dgm:style>
+      <a:lnRef idx="2">
+        <a:scrgbClr r="0" g="0" b="0"/>
+      </a:lnRef>
+      <a:fillRef idx="1">
+        <a:scrgbClr r="0" g="0" b="0"/>
+      </a:fillRef>
+      <a:effectRef idx="0">
+        <a:scrgbClr r="0" g="0" b="0"/>
+      </a:effectRef>
+      <a:fontRef idx="minor"/>
+    </dgm:style>
+  </dgm:styleLbl>
+  <dgm:styleLbl name="fgAcc4">
+    <dgm:scene3d>
+      <a:camera prst="orthographicFront"/>
+      <a:lightRig rig="threePt" dir="t"/>
+    </dgm:scene3d>
+    <dgm:sp3d/>
+    <dgm:txPr/>
+    <dgm:style>
+      <a:lnRef idx="2">
+        <a:scrgbClr r="0" g="0" b="0"/>
+      </a:lnRef>
+      <a:fillRef idx="1">
+        <a:scrgbClr r="0" g="0" b="0"/>
+      </a:fillRef>
+      <a:effectRef idx="0">
+        <a:scrgbClr r="0" g="0" b="0"/>
+      </a:effectRef>
+      <a:fontRef idx="minor"/>
+    </dgm:style>
+  </dgm:styleLbl>
+  <dgm:styleLbl name="bgShp">
+    <dgm:scene3d>
+      <a:camera prst="orthographicFront"/>
+      <a:lightRig rig="threePt" dir="t"/>
+    </dgm:scene3d>
+    <dgm:sp3d/>
+    <dgm:txPr/>
+    <dgm:style>
+      <a:lnRef idx="0">
+        <a:scrgbClr r="0" g="0" b="0"/>
+      </a:lnRef>
+      <a:fillRef idx="1">
+        <a:scrgbClr r="0" g="0" b="0"/>
+      </a:fillRef>
+      <a:effectRef idx="0">
+        <a:scrgbClr r="0" g="0" b="0"/>
+      </a:effectRef>
+      <a:fontRef idx="minor"/>
+    </dgm:style>
+  </dgm:styleLbl>
+  <dgm:styleLbl name="dkBgShp">
+    <dgm:scene3d>
+      <a:camera prst="orthographicFront"/>
+      <a:lightRig rig="threePt" dir="t"/>
+    </dgm:scene3d>
+    <dgm:sp3d/>
+    <dgm:txPr/>
+    <dgm:style>
+      <a:lnRef idx="0">
+        <a:scrgbClr r="0" g="0" b="0"/>
+      </a:lnRef>
+      <a:fillRef idx="1">
+        <a:scrgbClr r="0" g="0" b="0"/>
+      </a:fillRef>
+      <a:effectRef idx="0">
+        <a:scrgbClr r="0" g="0" b="0"/>
+      </a:effectRef>
+      <a:fontRef idx="minor"/>
+    </dgm:style>
+  </dgm:styleLbl>
+  <dgm:styleLbl name="trBgShp">
+    <dgm:scene3d>
+      <a:camera prst="orthographicFront"/>
+      <a:lightRig rig="threePt" dir="t"/>
+    </dgm:scene3d>
+    <dgm:sp3d/>
+    <dgm:txPr/>
+    <dgm:style>
+      <a:lnRef idx="0">
+        <a:scrgbClr r="0" g="0" b="0"/>
+      </a:lnRef>
+      <a:fillRef idx="1">
+        <a:scrgbClr r="0" g="0" b="0"/>
+      </a:fillRef>
+      <a:effectRef idx="0">
+        <a:scrgbClr r="0" g="0" b="0"/>
+      </a:effectRef>
+      <a:fontRef idx="minor"/>
+    </dgm:style>
+  </dgm:styleLbl>
+  <dgm:styleLbl name="fgShp">
+    <dgm:scene3d>
+      <a:camera prst="orthographicFront"/>
+      <a:lightRig rig="threePt" dir="t"/>
+    </dgm:scene3d>
+    <dgm:sp3d/>
+    <dgm:txPr/>
+    <dgm:style>
+      <a:lnRef idx="2">
+        <a:scrgbClr r="0" g="0" b="0"/>
+      </a:lnRef>
+      <a:fillRef idx="1">
+        <a:scrgbClr r="0" g="0" b="0"/>
+      </a:fillRef>
+      <a:effectRef idx="0">
+        <a:scrgbClr r="0" g="0" b="0"/>
+      </a:effectRef>
+      <a:fontRef idx="minor"/>
+    </dgm:style>
+  </dgm:styleLbl>
+  <dgm:styleLbl name="revTx">
+    <dgm:scene3d>
+      <a:camera prst="orthographicFront"/>
+      <a:lightRig rig="threePt" dir="t"/>
+    </dgm:scene3d>
+    <dgm:sp3d/>
+    <dgm:txPr/>
+    <dgm:style>
+      <a:lnRef idx="0">
+        <a:scrgbClr r="0" g="0" b="0"/>
+      </a:lnRef>
+      <a:fillRef idx="0">
+        <a:scrgbClr r="0" g="0" b="0"/>
+      </a:fillRef>
+      <a:effectRef idx="0">
+        <a:scrgbClr r="0" g="0" b="0"/>
+      </a:effectRef>
+      <a:fontRef idx="minor"/>
+    </dgm:style>
+  </dgm:styleLbl>
+</dgm:styleDef>
+</file>
+
+<file path=ppt/diagrams/quickStyle7.xml><?xml version="1.0" encoding="utf-8"?>
 <dgm:styleDef xmlns:dgm="http://schemas.openxmlformats.org/drawingml/2006/diagram" xmlns:a="http://schemas.openxmlformats.org/drawingml/2006/main" uniqueId="urn:microsoft.com/office/officeart/2005/8/quickstyle/simple1">
   <dgm:title val=""/>
   <dgm:desc val=""/>
@@ -17418,7 +20514,7 @@
           <a:p>
             <a:fld id="{9549D6DC-E1CB-4874-BF52-C3407230D20E}" type="datetime1">
               <a:rPr lang="en-US" smtClean="0"/>
-              <a:t>6/8/22</a:t>
+              <a:t>6/10/2022</a:t>
             </a:fld>
             <a:endParaRPr lang="en-US"/>
           </a:p>
@@ -17627,7 +20723,7 @@
           <a:p>
             <a:fld id="{F7701D81-C4B9-4A87-89A7-22E29E6C9200}" type="datetime1">
               <a:rPr lang="en-US" smtClean="0"/>
-              <a:t>6/8/22</a:t>
+              <a:t>6/10/2022</a:t>
             </a:fld>
             <a:endParaRPr lang="en-US"/>
           </a:p>
@@ -17837,7 +20933,7 @@
           <a:p>
             <a:fld id="{EE307718-69F7-427E-95A3-C1246AF46913}" type="datetime1">
               <a:rPr lang="en-US" smtClean="0"/>
-              <a:t>6/8/22</a:t>
+              <a:t>6/10/2022</a:t>
             </a:fld>
             <a:endParaRPr lang="en-US"/>
           </a:p>
@@ -18037,7 +21133,7 @@
           <a:p>
             <a:fld id="{48913E51-B7F7-4C24-B8E3-5471755DC0E0}" type="datetime1">
               <a:rPr lang="en-US" smtClean="0"/>
-              <a:t>6/8/22</a:t>
+              <a:t>6/10/2022</a:t>
             </a:fld>
             <a:endParaRPr lang="en-US"/>
           </a:p>
@@ -18318,7 +21414,7 @@
           <a:p>
             <a:fld id="{DA91A59F-D956-4598-A3C1-AE72A5387751}" type="datetime1">
               <a:rPr lang="en-US" smtClean="0"/>
-              <a:t>6/8/22</a:t>
+              <a:t>6/10/2022</a:t>
             </a:fld>
             <a:endParaRPr lang="en-US" dirty="0"/>
           </a:p>
@@ -18586,7 +21682,7 @@
           <a:p>
             <a:fld id="{D70BBD69-7BD3-4731-8064-242619E92CBE}" type="datetime1">
               <a:rPr lang="en-US" smtClean="0"/>
-              <a:t>6/8/22</a:t>
+              <a:t>6/10/2022</a:t>
             </a:fld>
             <a:endParaRPr lang="en-US"/>
           </a:p>
@@ -19041,7 +22137,7 @@
           <a:p>
             <a:fld id="{38BD77D9-239F-488B-9358-023C46BC7084}" type="datetime1">
               <a:rPr lang="en-US" smtClean="0"/>
-              <a:t>6/8/22</a:t>
+              <a:t>6/10/2022</a:t>
             </a:fld>
             <a:endParaRPr lang="en-US"/>
           </a:p>
@@ -19188,7 +22284,7 @@
           <a:p>
             <a:fld id="{1EE61C24-7140-4FDE-92F3-654C6E2D3C1C}" type="datetime1">
               <a:rPr lang="en-US" smtClean="0"/>
-              <a:t>6/8/22</a:t>
+              <a:t>6/10/2022</a:t>
             </a:fld>
             <a:endParaRPr lang="en-US"/>
           </a:p>
@@ -19301,7 +22397,7 @@
           <a:p>
             <a:fld id="{DC4D6ACF-ECB9-4B5F-A429-08B8AC75E8EF}" type="datetime1">
               <a:rPr lang="en-US" smtClean="0"/>
-              <a:t>6/8/22</a:t>
+              <a:t>6/10/2022</a:t>
             </a:fld>
             <a:endParaRPr lang="en-US"/>
           </a:p>
@@ -19620,7 +22716,7 @@
           <a:p>
             <a:fld id="{788B429B-EE2A-486A-BDB9-0C848B4FAFDD}" type="datetime1">
               <a:rPr lang="en-US" smtClean="0"/>
-              <a:t>6/8/22</a:t>
+              <a:t>6/10/2022</a:t>
             </a:fld>
             <a:endParaRPr lang="en-US"/>
           </a:p>
@@ -19917,7 +23013,7 @@
           <a:p>
             <a:fld id="{8DA5FE4A-CB8D-40AB-BFFC-AAF37EA071CB}" type="datetime1">
               <a:rPr lang="en-US" smtClean="0"/>
-              <a:t>6/8/22</a:t>
+              <a:t>6/10/2022</a:t>
             </a:fld>
             <a:endParaRPr lang="en-US"/>
           </a:p>
@@ -20565,7 +23661,7 @@
           <a:p>
             <a:fld id="{C0517C94-3B1E-4991-BED3-41F8B0158A00}" type="datetime1">
               <a:rPr lang="en-US" smtClean="0"/>
-              <a:t>6/8/22</a:t>
+              <a:t>6/10/2022</a:t>
             </a:fld>
             <a:endParaRPr lang="en-US" dirty="0"/>
           </a:p>
@@ -21887,6 +24983,757 @@
       </p:grpSpPr>
       <p:sp useBgFill="1">
         <p:nvSpPr>
+          <p:cNvPr id="10" name="Rectangle 9">
+            <a:extLst>
+              <a:ext uri="{FF2B5EF4-FFF2-40B4-BE49-F238E27FC236}">
+                <a16:creationId xmlns:a16="http://schemas.microsoft.com/office/drawing/2014/main" id="{B62E0F97-3B68-4A9A-81FD-184E8051D278}"/>
+              </a:ext>
+              <a:ext uri="{C183D7F6-B498-43B3-948B-1728B52AA6E4}">
+                <adec:decorative xmlns:adec="http://schemas.microsoft.com/office/drawing/2017/decorative" val="1"/>
+              </a:ext>
+            </a:extLst>
+          </p:cNvPr>
+          <p:cNvSpPr>
+            <a:spLocks noGrp="1" noRot="1" noChangeAspect="1" noMove="1" noResize="1" noEditPoints="1" noAdjustHandles="1" noChangeArrowheads="1" noChangeShapeType="1" noTextEdit="1"/>
+          </p:cNvSpPr>
+          <p:nvPr>
+            <p:extLst>
+              <p:ext uri="{386F3935-93C4-4BCD-93E2-E3B085C9AB24}">
+                <p16:designElem xmlns:p16="http://schemas.microsoft.com/office/powerpoint/2015/main" val="1"/>
+              </p:ext>
+            </p:extLst>
+          </p:nvPr>
+        </p:nvSpPr>
+        <p:spPr>
+          <a:xfrm>
+            <a:off x="0" y="3"/>
+            <a:ext cx="12192000" cy="6857997"/>
+          </a:xfrm>
+          <a:prstGeom prst="rect">
+            <a:avLst/>
+          </a:prstGeom>
+          <a:ln>
+            <a:noFill/>
+          </a:ln>
+        </p:spPr>
+        <p:style>
+          <a:lnRef idx="2">
+            <a:schemeClr val="accent1">
+              <a:shade val="50000"/>
+            </a:schemeClr>
+          </a:lnRef>
+          <a:fillRef idx="1">
+            <a:schemeClr val="accent1"/>
+          </a:fillRef>
+          <a:effectRef idx="0">
+            <a:schemeClr val="accent1"/>
+          </a:effectRef>
+          <a:fontRef idx="minor">
+            <a:schemeClr val="lt1"/>
+          </a:fontRef>
+        </p:style>
+        <p:txBody>
+          <a:bodyPr rtlCol="0" anchor="ctr"/>
+          <a:lstStyle/>
+          <a:p>
+            <a:pPr algn="ctr"/>
+            <a:endParaRPr lang="en-US"/>
+          </a:p>
+        </p:txBody>
+      </p:sp>
+      <p:sp>
+        <p:nvSpPr>
+          <p:cNvPr id="12" name="Rectangle 11">
+            <a:extLst>
+              <a:ext uri="{FF2B5EF4-FFF2-40B4-BE49-F238E27FC236}">
+                <a16:creationId xmlns:a16="http://schemas.microsoft.com/office/drawing/2014/main" id="{1A9C0995-256A-4F90-97D6-FB8958A5D433}"/>
+              </a:ext>
+              <a:ext uri="{C183D7F6-B498-43B3-948B-1728B52AA6E4}">
+                <adec:decorative xmlns:adec="http://schemas.microsoft.com/office/drawing/2017/decorative" val="1"/>
+              </a:ext>
+            </a:extLst>
+          </p:cNvPr>
+          <p:cNvSpPr>
+            <a:spLocks noGrp="1" noRot="1" noChangeAspect="1" noMove="1" noResize="1" noEditPoints="1" noAdjustHandles="1" noChangeArrowheads="1" noChangeShapeType="1" noTextEdit="1"/>
+          </p:cNvSpPr>
+          <p:nvPr>
+            <p:extLst>
+              <p:ext uri="{386F3935-93C4-4BCD-93E2-E3B085C9AB24}">
+                <p16:designElem xmlns:p16="http://schemas.microsoft.com/office/powerpoint/2015/main" val="1"/>
+              </p:ext>
+            </p:extLst>
+          </p:nvPr>
+        </p:nvSpPr>
+        <p:spPr>
+          <a:xfrm>
+            <a:off x="0" y="3"/>
+            <a:ext cx="12192000" cy="6857997"/>
+          </a:xfrm>
+          <a:prstGeom prst="rect">
+            <a:avLst/>
+          </a:prstGeom>
+          <a:solidFill>
+            <a:schemeClr val="bg2">
+              <a:lumMod val="60000"/>
+              <a:lumOff val="40000"/>
+            </a:schemeClr>
+          </a:solidFill>
+          <a:ln>
+            <a:noFill/>
+          </a:ln>
+        </p:spPr>
+        <p:style>
+          <a:lnRef idx="2">
+            <a:schemeClr val="accent1">
+              <a:shade val="50000"/>
+            </a:schemeClr>
+          </a:lnRef>
+          <a:fillRef idx="1">
+            <a:schemeClr val="accent1"/>
+          </a:fillRef>
+          <a:effectRef idx="0">
+            <a:schemeClr val="accent1"/>
+          </a:effectRef>
+          <a:fontRef idx="minor">
+            <a:schemeClr val="lt1"/>
+          </a:fontRef>
+        </p:style>
+        <p:txBody>
+          <a:bodyPr rtlCol="0" anchor="ctr"/>
+          <a:lstStyle/>
+          <a:p>
+            <a:pPr algn="ctr"/>
+            <a:endParaRPr lang="en-US" dirty="0"/>
+          </a:p>
+        </p:txBody>
+      </p:sp>
+      <p:sp>
+        <p:nvSpPr>
+          <p:cNvPr id="14" name="Rectangle 13">
+            <a:extLst>
+              <a:ext uri="{FF2B5EF4-FFF2-40B4-BE49-F238E27FC236}">
+                <a16:creationId xmlns:a16="http://schemas.microsoft.com/office/drawing/2014/main" id="{26F97B8F-C372-406F-BC40-FEBF267FD199}"/>
+              </a:ext>
+              <a:ext uri="{C183D7F6-B498-43B3-948B-1728B52AA6E4}">
+                <adec:decorative xmlns:adec="http://schemas.microsoft.com/office/drawing/2017/decorative" val="1"/>
+              </a:ext>
+            </a:extLst>
+          </p:cNvPr>
+          <p:cNvSpPr>
+            <a:spLocks noGrp="1" noRot="1" noChangeAspect="1" noMove="1" noResize="1" noEditPoints="1" noAdjustHandles="1" noChangeArrowheads="1" noChangeShapeType="1" noTextEdit="1"/>
+          </p:cNvSpPr>
+          <p:nvPr>
+            <p:extLst>
+              <p:ext uri="{386F3935-93C4-4BCD-93E2-E3B085C9AB24}">
+                <p16:designElem xmlns:p16="http://schemas.microsoft.com/office/powerpoint/2015/main" val="1"/>
+              </p:ext>
+            </p:extLst>
+          </p:nvPr>
+        </p:nvSpPr>
+        <p:spPr>
+          <a:xfrm>
+            <a:off x="628719" y="2789105"/>
+            <a:ext cx="10934171" cy="3456776"/>
+          </a:xfrm>
+          <a:prstGeom prst="rect">
+            <a:avLst/>
+          </a:prstGeom>
+          <a:noFill/>
+          <a:ln>
+            <a:noFill/>
+          </a:ln>
+        </p:spPr>
+        <p:style>
+          <a:lnRef idx="2">
+            <a:schemeClr val="accent1">
+              <a:shade val="50000"/>
+            </a:schemeClr>
+          </a:lnRef>
+          <a:fillRef idx="1">
+            <a:schemeClr val="accent1"/>
+          </a:fillRef>
+          <a:effectRef idx="0">
+            <a:schemeClr val="accent1"/>
+          </a:effectRef>
+          <a:fontRef idx="minor">
+            <a:schemeClr val="lt1"/>
+          </a:fontRef>
+        </p:style>
+        <p:txBody>
+          <a:bodyPr rtlCol="0" anchor="ctr"/>
+          <a:lstStyle/>
+          <a:p>
+            <a:pPr algn="ctr"/>
+            <a:endParaRPr lang="en-US"/>
+          </a:p>
+        </p:txBody>
+      </p:sp>
+      <p:grpSp>
+        <p:nvGrpSpPr>
+          <p:cNvPr id="16" name="Group 15">
+            <a:extLst>
+              <a:ext uri="{FF2B5EF4-FFF2-40B4-BE49-F238E27FC236}">
+                <a16:creationId xmlns:a16="http://schemas.microsoft.com/office/drawing/2014/main" id="{A6F7768D-2C22-4F7C-8BCA-F460371D5CBB}"/>
+              </a:ext>
+              <a:ext uri="{C183D7F6-B498-43B3-948B-1728B52AA6E4}">
+                <adec:decorative xmlns:adec="http://schemas.microsoft.com/office/drawing/2017/decorative" val="1"/>
+              </a:ext>
+            </a:extLst>
+          </p:cNvPr>
+          <p:cNvGrpSpPr>
+            <a:grpSpLocks noGrp="1" noUngrp="1" noRot="1" noChangeAspect="1" noMove="1" noResize="1"/>
+          </p:cNvGrpSpPr>
+          <p:nvPr>
+            <p:extLst>
+              <p:ext uri="{386F3935-93C4-4BCD-93E2-E3B085C9AB24}">
+                <p16:designElem xmlns:p16="http://schemas.microsoft.com/office/powerpoint/2015/main" val="1"/>
+              </p:ext>
+            </p:extLst>
+          </p:nvPr>
+        </p:nvGrpSpPr>
+        <p:grpSpPr>
+          <a:xfrm>
+            <a:off x="572" y="-7581"/>
+            <a:ext cx="12192000" cy="6881046"/>
+            <a:chOff x="572" y="-7581"/>
+            <a:chExt cx="12192000" cy="6881046"/>
+          </a:xfrm>
+        </p:grpSpPr>
+        <p:cxnSp>
+          <p:nvCxnSpPr>
+            <p:cNvPr id="17" name="Straight Connector 16">
+              <a:extLst>
+                <a:ext uri="{FF2B5EF4-FFF2-40B4-BE49-F238E27FC236}">
+                  <a16:creationId xmlns:a16="http://schemas.microsoft.com/office/drawing/2014/main" id="{5A282329-4807-44C6-8AF9-463180C741ED}"/>
+                </a:ext>
+                <a:ext uri="{C183D7F6-B498-43B3-948B-1728B52AA6E4}">
+                  <adec:decorative xmlns:adec="http://schemas.microsoft.com/office/drawing/2017/decorative" val="1"/>
+                </a:ext>
+              </a:extLst>
+            </p:cNvPr>
+            <p:cNvCxnSpPr>
+              <a:cxnSpLocks/>
+            </p:cNvCxnSpPr>
+            <p:nvPr>
+              <p:extLst>
+                <p:ext uri="{386F3935-93C4-4BCD-93E2-E3B085C9AB24}">
+                  <p16:designElem xmlns:p16="http://schemas.microsoft.com/office/powerpoint/2015/main" val="1"/>
+                </p:ext>
+              </p:extLst>
+            </p:nvPr>
+          </p:nvCxnSpPr>
+          <p:spPr>
+            <a:xfrm>
+              <a:off x="1667" y="6245884"/>
+              <a:ext cx="12189811" cy="0"/>
+            </a:xfrm>
+            <a:prstGeom prst="line">
+              <a:avLst/>
+            </a:prstGeom>
+            <a:ln w="12700">
+              <a:solidFill>
+                <a:schemeClr val="accent4"/>
+              </a:solidFill>
+            </a:ln>
+          </p:spPr>
+          <p:style>
+            <a:lnRef idx="1">
+              <a:schemeClr val="accent1"/>
+            </a:lnRef>
+            <a:fillRef idx="0">
+              <a:schemeClr val="accent1"/>
+            </a:fillRef>
+            <a:effectRef idx="0">
+              <a:schemeClr val="accent1"/>
+            </a:effectRef>
+            <a:fontRef idx="minor">
+              <a:schemeClr val="tx1"/>
+            </a:fontRef>
+          </p:style>
+        </p:cxnSp>
+        <p:cxnSp>
+          <p:nvCxnSpPr>
+            <p:cNvPr id="18" name="Straight Connector 17">
+              <a:extLst>
+                <a:ext uri="{FF2B5EF4-FFF2-40B4-BE49-F238E27FC236}">
+                  <a16:creationId xmlns:a16="http://schemas.microsoft.com/office/drawing/2014/main" id="{D40F1351-48CB-424C-8A88-1B230647707E}"/>
+                </a:ext>
+                <a:ext uri="{C183D7F6-B498-43B3-948B-1728B52AA6E4}">
+                  <adec:decorative xmlns:adec="http://schemas.microsoft.com/office/drawing/2017/decorative" val="1"/>
+                </a:ext>
+              </a:extLst>
+            </p:cNvPr>
+            <p:cNvCxnSpPr>
+              <a:cxnSpLocks/>
+            </p:cNvCxnSpPr>
+            <p:nvPr>
+              <p:extLst>
+                <p:ext uri="{386F3935-93C4-4BCD-93E2-E3B085C9AB24}">
+                  <p16:designElem xmlns:p16="http://schemas.microsoft.com/office/powerpoint/2015/main" val="1"/>
+                </p:ext>
+              </p:extLst>
+            </p:nvPr>
+          </p:nvCxnSpPr>
+          <p:spPr>
+            <a:xfrm>
+              <a:off x="572" y="596465"/>
+              <a:ext cx="12192000" cy="0"/>
+            </a:xfrm>
+            <a:prstGeom prst="line">
+              <a:avLst/>
+            </a:prstGeom>
+            <a:ln w="12700">
+              <a:solidFill>
+                <a:schemeClr val="accent4"/>
+              </a:solidFill>
+            </a:ln>
+          </p:spPr>
+          <p:style>
+            <a:lnRef idx="1">
+              <a:schemeClr val="accent1"/>
+            </a:lnRef>
+            <a:fillRef idx="0">
+              <a:schemeClr val="accent1"/>
+            </a:fillRef>
+            <a:effectRef idx="0">
+              <a:schemeClr val="accent1"/>
+            </a:effectRef>
+            <a:fontRef idx="minor">
+              <a:schemeClr val="tx1"/>
+            </a:fontRef>
+          </p:style>
+        </p:cxnSp>
+        <p:cxnSp>
+          <p:nvCxnSpPr>
+            <p:cNvPr id="19" name="Straight Connector 18">
+              <a:extLst>
+                <a:ext uri="{FF2B5EF4-FFF2-40B4-BE49-F238E27FC236}">
+                  <a16:creationId xmlns:a16="http://schemas.microsoft.com/office/drawing/2014/main" id="{440B9EBF-57BE-4E27-B9AF-D0B8E9034DF7}"/>
+                </a:ext>
+                <a:ext uri="{C183D7F6-B498-43B3-948B-1728B52AA6E4}">
+                  <adec:decorative xmlns:adec="http://schemas.microsoft.com/office/drawing/2017/decorative" val="1"/>
+                </a:ext>
+              </a:extLst>
+            </p:cNvPr>
+            <p:cNvCxnSpPr>
+              <a:cxnSpLocks/>
+            </p:cNvCxnSpPr>
+            <p:nvPr>
+              <p:extLst>
+                <p:ext uri="{386F3935-93C4-4BCD-93E2-E3B085C9AB24}">
+                  <p16:designElem xmlns:p16="http://schemas.microsoft.com/office/powerpoint/2015/main" val="1"/>
+                </p:ext>
+              </p:extLst>
+            </p:nvPr>
+          </p:nvCxnSpPr>
+          <p:spPr>
+            <a:xfrm rot="16200000">
+              <a:off x="8134324" y="3444509"/>
+              <a:ext cx="6857912" cy="0"/>
+            </a:xfrm>
+            <a:prstGeom prst="line">
+              <a:avLst/>
+            </a:prstGeom>
+            <a:ln w="12700">
+              <a:solidFill>
+                <a:schemeClr val="accent4"/>
+              </a:solidFill>
+            </a:ln>
+          </p:spPr>
+          <p:style>
+            <a:lnRef idx="1">
+              <a:schemeClr val="accent1"/>
+            </a:lnRef>
+            <a:fillRef idx="0">
+              <a:schemeClr val="accent1"/>
+            </a:fillRef>
+            <a:effectRef idx="0">
+              <a:schemeClr val="accent1"/>
+            </a:effectRef>
+            <a:fontRef idx="minor">
+              <a:schemeClr val="tx1"/>
+            </a:fontRef>
+          </p:style>
+        </p:cxnSp>
+        <p:cxnSp>
+          <p:nvCxnSpPr>
+            <p:cNvPr id="20" name="Straight Connector 19">
+              <a:extLst>
+                <a:ext uri="{FF2B5EF4-FFF2-40B4-BE49-F238E27FC236}">
+                  <a16:creationId xmlns:a16="http://schemas.microsoft.com/office/drawing/2014/main" id="{DA53350B-5E17-48A4-8CDE-468FC9D9E4AA}"/>
+                </a:ext>
+                <a:ext uri="{C183D7F6-B498-43B3-948B-1728B52AA6E4}">
+                  <adec:decorative xmlns:adec="http://schemas.microsoft.com/office/drawing/2017/decorative" val="1"/>
+                </a:ext>
+              </a:extLst>
+            </p:cNvPr>
+            <p:cNvCxnSpPr>
+              <a:cxnSpLocks/>
+            </p:cNvCxnSpPr>
+            <p:nvPr>
+              <p:extLst>
+                <p:ext uri="{386F3935-93C4-4BCD-93E2-E3B085C9AB24}">
+                  <p16:designElem xmlns:p16="http://schemas.microsoft.com/office/powerpoint/2015/main" val="1"/>
+                </p:ext>
+              </p:extLst>
+            </p:nvPr>
+          </p:nvCxnSpPr>
+          <p:spPr>
+            <a:xfrm rot="16200000">
+              <a:off x="-2794261" y="3435428"/>
+              <a:ext cx="6857912" cy="0"/>
+            </a:xfrm>
+            <a:prstGeom prst="line">
+              <a:avLst/>
+            </a:prstGeom>
+            <a:ln w="12700">
+              <a:solidFill>
+                <a:schemeClr val="accent4"/>
+              </a:solidFill>
+            </a:ln>
+          </p:spPr>
+          <p:style>
+            <a:lnRef idx="1">
+              <a:schemeClr val="accent1"/>
+            </a:lnRef>
+            <a:fillRef idx="0">
+              <a:schemeClr val="accent1"/>
+            </a:fillRef>
+            <a:effectRef idx="0">
+              <a:schemeClr val="accent1"/>
+            </a:effectRef>
+            <a:fontRef idx="minor">
+              <a:schemeClr val="tx1"/>
+            </a:fontRef>
+          </p:style>
+        </p:cxnSp>
+        <p:sp>
+          <p:nvSpPr>
+            <p:cNvPr id="21" name="Graphic 33">
+              <a:extLst>
+                <a:ext uri="{FF2B5EF4-FFF2-40B4-BE49-F238E27FC236}">
+                  <a16:creationId xmlns:a16="http://schemas.microsoft.com/office/drawing/2014/main" id="{C673EDD6-6393-480B-B1FD-FFCC6ECD0B14}"/>
+                </a:ext>
+                <a:ext uri="{C183D7F6-B498-43B3-948B-1728B52AA6E4}">
+                  <adec:decorative xmlns:adec="http://schemas.microsoft.com/office/drawing/2017/decorative" val="1"/>
+                </a:ext>
+              </a:extLst>
+            </p:cNvPr>
+            <p:cNvSpPr/>
+            <p:nvPr>
+              <p:extLst>
+                <p:ext uri="{386F3935-93C4-4BCD-93E2-E3B085C9AB24}">
+                  <p16:designElem xmlns:p16="http://schemas.microsoft.com/office/powerpoint/2015/main" val="1"/>
+                </p:ext>
+              </p:extLst>
+            </p:nvPr>
+          </p:nvSpPr>
+          <p:spPr>
+            <a:xfrm>
+              <a:off x="4237174" y="-7581"/>
+              <a:ext cx="3722031" cy="604044"/>
+            </a:xfrm>
+            <a:custGeom>
+              <a:avLst/>
+              <a:gdLst>
+                <a:gd name="connsiteX0" fmla="*/ 0 w 2679858"/>
+                <a:gd name="connsiteY0" fmla="*/ 4953 h 434911"/>
+                <a:gd name="connsiteX1" fmla="*/ 1336548 w 2679858"/>
+                <a:gd name="connsiteY1" fmla="*/ 434912 h 434911"/>
+                <a:gd name="connsiteX2" fmla="*/ 2679859 w 2679858"/>
+                <a:gd name="connsiteY2" fmla="*/ 0 h 434911"/>
+              </a:gdLst>
+              <a:ahLst/>
+              <a:cxnLst>
+                <a:cxn ang="0">
+                  <a:pos x="connsiteX0" y="connsiteY0"/>
+                </a:cxn>
+                <a:cxn ang="0">
+                  <a:pos x="connsiteX1" y="connsiteY1"/>
+                </a:cxn>
+                <a:cxn ang="0">
+                  <a:pos x="connsiteX2" y="connsiteY2"/>
+                </a:cxn>
+              </a:cxnLst>
+              <a:rect l="l" t="t" r="r" b="b"/>
+              <a:pathLst>
+                <a:path w="2679858" h="434911">
+                  <a:moveTo>
+                    <a:pt x="0" y="4953"/>
+                  </a:moveTo>
+                  <a:cubicBezTo>
+                    <a:pt x="370427" y="274606"/>
+                    <a:pt x="833723" y="434912"/>
+                    <a:pt x="1336548" y="434912"/>
+                  </a:cubicBezTo>
+                  <a:cubicBezTo>
+                    <a:pt x="1842326" y="434912"/>
+                    <a:pt x="2308289" y="272701"/>
+                    <a:pt x="2679859" y="0"/>
+                  </a:cubicBezTo>
+                </a:path>
+              </a:pathLst>
+            </a:custGeom>
+            <a:noFill/>
+            <a:ln w="12700" cap="flat">
+              <a:solidFill>
+                <a:srgbClr val="D8897E"/>
+              </a:solidFill>
+              <a:prstDash val="solid"/>
+              <a:miter/>
+            </a:ln>
+          </p:spPr>
+          <p:txBody>
+            <a:bodyPr rtlCol="0" anchor="ctr"/>
+            <a:lstStyle/>
+            <a:p>
+              <a:endParaRPr lang="en-US"/>
+            </a:p>
+          </p:txBody>
+        </p:sp>
+        <p:sp>
+          <p:nvSpPr>
+            <p:cNvPr id="22" name="Graphic 33">
+              <a:extLst>
+                <a:ext uri="{FF2B5EF4-FFF2-40B4-BE49-F238E27FC236}">
+                  <a16:creationId xmlns:a16="http://schemas.microsoft.com/office/drawing/2014/main" id="{849F7A27-D5D7-4A62-AD00-AD61A14E3CDA}"/>
+                </a:ext>
+                <a:ext uri="{C183D7F6-B498-43B3-948B-1728B52AA6E4}">
+                  <adec:decorative xmlns:adec="http://schemas.microsoft.com/office/drawing/2017/decorative" val="1"/>
+                </a:ext>
+              </a:extLst>
+            </p:cNvPr>
+            <p:cNvSpPr/>
+            <p:nvPr>
+              <p:extLst>
+                <p:ext uri="{386F3935-93C4-4BCD-93E2-E3B085C9AB24}">
+                  <p16:designElem xmlns:p16="http://schemas.microsoft.com/office/powerpoint/2015/main" val="1"/>
+                </p:ext>
+              </p:extLst>
+            </p:nvPr>
+          </p:nvSpPr>
+          <p:spPr>
+            <a:xfrm rot="10800000">
+              <a:off x="4237174" y="6253952"/>
+              <a:ext cx="3722031" cy="604044"/>
+            </a:xfrm>
+            <a:custGeom>
+              <a:avLst/>
+              <a:gdLst>
+                <a:gd name="connsiteX0" fmla="*/ 0 w 2679858"/>
+                <a:gd name="connsiteY0" fmla="*/ 4953 h 434911"/>
+                <a:gd name="connsiteX1" fmla="*/ 1336548 w 2679858"/>
+                <a:gd name="connsiteY1" fmla="*/ 434912 h 434911"/>
+                <a:gd name="connsiteX2" fmla="*/ 2679859 w 2679858"/>
+                <a:gd name="connsiteY2" fmla="*/ 0 h 434911"/>
+              </a:gdLst>
+              <a:ahLst/>
+              <a:cxnLst>
+                <a:cxn ang="0">
+                  <a:pos x="connsiteX0" y="connsiteY0"/>
+                </a:cxn>
+                <a:cxn ang="0">
+                  <a:pos x="connsiteX1" y="connsiteY1"/>
+                </a:cxn>
+                <a:cxn ang="0">
+                  <a:pos x="connsiteX2" y="connsiteY2"/>
+                </a:cxn>
+              </a:cxnLst>
+              <a:rect l="l" t="t" r="r" b="b"/>
+              <a:pathLst>
+                <a:path w="2679858" h="434911">
+                  <a:moveTo>
+                    <a:pt x="0" y="4953"/>
+                  </a:moveTo>
+                  <a:cubicBezTo>
+                    <a:pt x="370427" y="274606"/>
+                    <a:pt x="833723" y="434912"/>
+                    <a:pt x="1336548" y="434912"/>
+                  </a:cubicBezTo>
+                  <a:cubicBezTo>
+                    <a:pt x="1842326" y="434912"/>
+                    <a:pt x="2308289" y="272701"/>
+                    <a:pt x="2679859" y="0"/>
+                  </a:cubicBezTo>
+                </a:path>
+              </a:pathLst>
+            </a:custGeom>
+            <a:noFill/>
+            <a:ln w="12700" cap="flat">
+              <a:solidFill>
+                <a:srgbClr val="D8897E"/>
+              </a:solidFill>
+              <a:prstDash val="solid"/>
+              <a:miter/>
+            </a:ln>
+          </p:spPr>
+          <p:txBody>
+            <a:bodyPr rtlCol="0" anchor="ctr"/>
+            <a:lstStyle/>
+            <a:p>
+              <a:endParaRPr lang="en-US"/>
+            </a:p>
+          </p:txBody>
+        </p:sp>
+      </p:grpSp>
+      <p:sp>
+        <p:nvSpPr>
+          <p:cNvPr id="2" name="Title 1">
+            <a:extLst>
+              <a:ext uri="{FF2B5EF4-FFF2-40B4-BE49-F238E27FC236}">
+                <a16:creationId xmlns:a16="http://schemas.microsoft.com/office/drawing/2014/main" id="{5502A43E-9F49-D069-6F23-41419BA19CBF}"/>
+              </a:ext>
+            </a:extLst>
+          </p:cNvPr>
+          <p:cNvSpPr>
+            <a:spLocks noGrp="1"/>
+          </p:cNvSpPr>
+          <p:nvPr>
+            <p:ph type="title"/>
+          </p:nvPr>
+        </p:nvSpPr>
+        <p:spPr>
+          <a:xfrm>
+            <a:off x="838200" y="706524"/>
+            <a:ext cx="10676934" cy="1972116"/>
+          </a:xfrm>
+        </p:spPr>
+        <p:txBody>
+          <a:bodyPr anchor="ctr">
+            <a:normAutofit/>
+          </a:bodyPr>
+          <a:lstStyle/>
+          <a:p>
+            <a:r>
+              <a:rPr lang="en-US" sz="5200" dirty="0"/>
+              <a:t>Flair Model Results</a:t>
+            </a:r>
+          </a:p>
+        </p:txBody>
+      </p:sp>
+      <p:cxnSp>
+        <p:nvCxnSpPr>
+          <p:cNvPr id="24" name="Straight Connector 23">
+            <a:extLst>
+              <a:ext uri="{FF2B5EF4-FFF2-40B4-BE49-F238E27FC236}">
+                <a16:creationId xmlns:a16="http://schemas.microsoft.com/office/drawing/2014/main" id="{ED77D0F5-35D0-4892-A2EA-D841FF883046}"/>
+              </a:ext>
+              <a:ext uri="{C183D7F6-B498-43B3-948B-1728B52AA6E4}">
+                <adec:decorative xmlns:adec="http://schemas.microsoft.com/office/drawing/2017/decorative" val="1"/>
+              </a:ext>
+            </a:extLst>
+          </p:cNvPr>
+          <p:cNvCxnSpPr>
+            <a:cxnSpLocks noGrp="1" noRot="1" noChangeAspect="1" noMove="1" noResize="1" noEditPoints="1" noAdjustHandles="1" noChangeArrowheads="1" noChangeShapeType="1"/>
+          </p:cNvCxnSpPr>
+          <p:nvPr>
+            <p:extLst>
+              <p:ext uri="{386F3935-93C4-4BCD-93E2-E3B085C9AB24}">
+                <p16:designElem xmlns:p16="http://schemas.microsoft.com/office/powerpoint/2015/main" val="1"/>
+              </p:ext>
+            </p:extLst>
+          </p:nvPr>
+        </p:nvCxnSpPr>
+        <p:spPr>
+          <a:xfrm>
+            <a:off x="634123" y="2794702"/>
+            <a:ext cx="10923176" cy="0"/>
+          </a:xfrm>
+          <a:prstGeom prst="line">
+            <a:avLst/>
+          </a:prstGeom>
+          <a:ln w="12700">
+            <a:solidFill>
+              <a:schemeClr val="accent4"/>
+            </a:solidFill>
+          </a:ln>
+        </p:spPr>
+        <p:style>
+          <a:lnRef idx="1">
+            <a:schemeClr val="accent1"/>
+          </a:lnRef>
+          <a:fillRef idx="0">
+            <a:schemeClr val="accent1"/>
+          </a:fillRef>
+          <a:effectRef idx="0">
+            <a:schemeClr val="accent1"/>
+          </a:effectRef>
+          <a:fontRef idx="minor">
+            <a:schemeClr val="tx1"/>
+          </a:fontRef>
+        </p:style>
+      </p:cxnSp>
+      <p:graphicFrame>
+        <p:nvGraphicFramePr>
+          <p:cNvPr id="5" name="Content Placeholder 2">
+            <a:extLst>
+              <a:ext uri="{FF2B5EF4-FFF2-40B4-BE49-F238E27FC236}">
+                <a16:creationId xmlns:a16="http://schemas.microsoft.com/office/drawing/2014/main" id="{1EB0ACCE-AA6C-5E44-76C4-354B82D63B91}"/>
+              </a:ext>
+            </a:extLst>
+          </p:cNvPr>
+          <p:cNvGraphicFramePr>
+            <a:graphicFrameLocks noGrp="1"/>
+          </p:cNvGraphicFramePr>
+          <p:nvPr>
+            <p:ph idx="1"/>
+            <p:extLst>
+              <p:ext uri="{D42A27DB-BD31-4B8C-83A1-F6EECF244321}">
+                <p14:modId xmlns:p14="http://schemas.microsoft.com/office/powerpoint/2010/main" val="4154170253"/>
+              </p:ext>
+            </p:extLst>
+          </p:nvPr>
+        </p:nvGraphicFramePr>
+        <p:xfrm>
+          <a:off x="838200" y="3143922"/>
+          <a:ext cx="10515600" cy="2653012"/>
+        </p:xfrm>
+        <a:graphic>
+          <a:graphicData uri="http://schemas.openxmlformats.org/drawingml/2006/diagram">
+            <dgm:relIds xmlns:dgm="http://schemas.openxmlformats.org/drawingml/2006/diagram" xmlns:r="http://schemas.openxmlformats.org/officeDocument/2006/relationships" r:dm="rId2" r:lo="rId3" r:qs="rId4" r:cs="rId5"/>
+          </a:graphicData>
+        </a:graphic>
+      </p:graphicFrame>
+    </p:spTree>
+    <p:extLst>
+      <p:ext uri="{BB962C8B-B14F-4D97-AF65-F5344CB8AC3E}">
+        <p14:creationId xmlns:p14="http://schemas.microsoft.com/office/powerpoint/2010/main" val="195349046"/>
+      </p:ext>
+    </p:extLst>
+  </p:cSld>
+  <p:clrMapOvr>
+    <a:masterClrMapping/>
+  </p:clrMapOvr>
+</p:sld>
+</file>
+
+<file path=ppt/slides/slide11.xml><?xml version="1.0" encoding="utf-8"?>
+<p:sld xmlns:a="http://schemas.openxmlformats.org/drawingml/2006/main" xmlns:r="http://schemas.openxmlformats.org/officeDocument/2006/relationships" xmlns:p="http://schemas.openxmlformats.org/presentationml/2006/main">
+  <p:cSld>
+    <p:bg>
+      <p:bgPr>
+        <a:solidFill>
+          <a:schemeClr val="bg1"/>
+        </a:solidFill>
+        <a:effectLst/>
+      </p:bgPr>
+    </p:bg>
+    <p:spTree>
+      <p:nvGrpSpPr>
+        <p:cNvPr id="1" name=""/>
+        <p:cNvGrpSpPr/>
+        <p:nvPr/>
+      </p:nvGrpSpPr>
+      <p:grpSpPr>
+        <a:xfrm>
+          <a:off x="0" y="0"/>
+          <a:ext cx="0" cy="0"/>
+          <a:chOff x="0" y="0"/>
+          <a:chExt cx="0" cy="0"/>
+        </a:xfrm>
+      </p:grpSpPr>
+      <p:sp useBgFill="1">
+        <p:nvSpPr>
           <p:cNvPr id="3079" name="Rectangle 3078">
             <a:extLst>
               <a:ext uri="{FF2B5EF4-FFF2-40B4-BE49-F238E27FC236}">
@@ -22902,7 +26749,7 @@
 </p:sld>
 </file>
 
-<file path=ppt/slides/slide11.xml><?xml version="1.0" encoding="utf-8"?>
+<file path=ppt/slides/slide12.xml><?xml version="1.0" encoding="utf-8"?>
 <p:sld xmlns:a="http://schemas.openxmlformats.org/drawingml/2006/main" xmlns:r="http://schemas.openxmlformats.org/officeDocument/2006/relationships" xmlns:p="http://schemas.openxmlformats.org/presentationml/2006/main">
   <p:cSld>
     <p:bg>
@@ -23813,7 +27660,7 @@
 </p:sld>
 </file>
 
-<file path=ppt/slides/slide12.xml><?xml version="1.0" encoding="utf-8"?>
+<file path=ppt/slides/slide13.xml><?xml version="1.0" encoding="utf-8"?>
 <p:sld xmlns:a="http://schemas.openxmlformats.org/drawingml/2006/main" xmlns:r="http://schemas.openxmlformats.org/officeDocument/2006/relationships" xmlns:p="http://schemas.openxmlformats.org/presentationml/2006/main">
   <p:cSld>
     <p:bg>
@@ -24283,7 +28130,7 @@
 </p:sld>
 </file>
 
-<file path=ppt/slides/slide13.xml><?xml version="1.0" encoding="utf-8"?>
+<file path=ppt/slides/slide14.xml><?xml version="1.0" encoding="utf-8"?>
 <p:sld xmlns:a="http://schemas.openxmlformats.org/drawingml/2006/main" xmlns:r="http://schemas.openxmlformats.org/officeDocument/2006/relationships" xmlns:p="http://schemas.openxmlformats.org/presentationml/2006/main">
   <p:cSld>
     <p:bg>
@@ -25264,7 +29111,7 @@
 </p:sld>
 </file>
 
-<file path=ppt/slides/slide14.xml><?xml version="1.0" encoding="utf-8"?>
+<file path=ppt/slides/slide15.xml><?xml version="1.0" encoding="utf-8"?>
 <p:sld xmlns:a="http://schemas.openxmlformats.org/drawingml/2006/main" xmlns:r="http://schemas.openxmlformats.org/officeDocument/2006/relationships" xmlns:p="http://schemas.openxmlformats.org/presentationml/2006/main">
   <p:cSld>
     <p:bg>
@@ -26173,7 +30020,7 @@
           <a:lstStyle/>
           <a:p>
             <a:r>
-              <a:rPr lang="en-US">
+              <a:rPr lang="en-US" dirty="0">
                 <a:solidFill>
                   <a:srgbClr val="FFFFFF"/>
                 </a:solidFill>
@@ -26184,7 +30031,7 @@
           <a:p>
             <a:pPr lvl="1"/>
             <a:r>
-              <a:rPr lang="en-US">
+              <a:rPr lang="en-US" dirty="0">
                 <a:solidFill>
                   <a:srgbClr val="FFFFFF"/>
                 </a:solidFill>
@@ -26195,7 +30042,7 @@
           <a:p>
             <a:pPr lvl="1"/>
             <a:r>
-              <a:rPr lang="en-US">
+              <a:rPr lang="en-US" dirty="0">
                 <a:solidFill>
                   <a:srgbClr val="FFFFFF"/>
                 </a:solidFill>
@@ -26206,7 +30053,7 @@
           <a:p>
             <a:pPr lvl="1"/>
             <a:r>
-              <a:rPr lang="en-US">
+              <a:rPr lang="en-US" dirty="0">
                 <a:solidFill>
                   <a:srgbClr val="FFFFFF"/>
                 </a:solidFill>
@@ -26229,7 +30076,7 @@
 </p:sld>
 </file>
 
-<file path=ppt/slides/slide15.xml><?xml version="1.0" encoding="utf-8"?>
+<file path=ppt/slides/slide16.xml><?xml version="1.0" encoding="utf-8"?>
 <p:sld xmlns:a="http://schemas.openxmlformats.org/drawingml/2006/main" xmlns:r="http://schemas.openxmlformats.org/officeDocument/2006/relationships" xmlns:p="http://schemas.openxmlformats.org/presentationml/2006/main">
   <p:cSld>
     <p:bg>
@@ -26764,7 +30611,7 @@
 </p:sld>
 </file>
 
-<file path=ppt/slides/slide16.xml><?xml version="1.0" encoding="utf-8"?>
+<file path=ppt/slides/slide17.xml><?xml version="1.0" encoding="utf-8"?>
 <p:sld xmlns:a="http://schemas.openxmlformats.org/drawingml/2006/main" xmlns:r="http://schemas.openxmlformats.org/officeDocument/2006/relationships" xmlns:p="http://schemas.openxmlformats.org/presentationml/2006/main">
   <p:cSld>
     <p:bg>
@@ -27535,7 +31382,7 @@
 </p:sld>
 </file>
 
-<file path=ppt/slides/slide17.xml><?xml version="1.0" encoding="utf-8"?>
+<file path=ppt/slides/slide18.xml><?xml version="1.0" encoding="utf-8"?>
 <p:sld xmlns:a="http://schemas.openxmlformats.org/drawingml/2006/main" xmlns:r="http://schemas.openxmlformats.org/officeDocument/2006/relationships" xmlns:p="http://schemas.openxmlformats.org/presentationml/2006/main">
   <p:cSld>
     <p:bg>
@@ -28233,7 +32080,7 @@
 </p:sld>
 </file>
 
-<file path=ppt/slides/slide18.xml><?xml version="1.0" encoding="utf-8"?>
+<file path=ppt/slides/slide19.xml><?xml version="1.0" encoding="utf-8"?>
 <p:sld xmlns:a="http://schemas.openxmlformats.org/drawingml/2006/main" xmlns:r="http://schemas.openxmlformats.org/officeDocument/2006/relationships" xmlns:p="http://schemas.openxmlformats.org/presentationml/2006/main">
   <p:cSld>
     <p:spTree>
@@ -28341,115 +32188,6 @@
     <p:extLst>
       <p:ext uri="{BB962C8B-B14F-4D97-AF65-F5344CB8AC3E}">
         <p14:creationId xmlns:p14="http://schemas.microsoft.com/office/powerpoint/2010/main" val="952235958"/>
-      </p:ext>
-    </p:extLst>
-  </p:cSld>
-  <p:clrMapOvr>
-    <a:masterClrMapping/>
-  </p:clrMapOvr>
-</p:sld>
-</file>
-
-<file path=ppt/slides/slide19.xml><?xml version="1.0" encoding="utf-8"?>
-<p:sld xmlns:a="http://schemas.openxmlformats.org/drawingml/2006/main" xmlns:r="http://schemas.openxmlformats.org/officeDocument/2006/relationships" xmlns:p="http://schemas.openxmlformats.org/presentationml/2006/main">
-  <p:cSld>
-    <p:spTree>
-      <p:nvGrpSpPr>
-        <p:cNvPr id="1" name=""/>
-        <p:cNvGrpSpPr/>
-        <p:nvPr/>
-      </p:nvGrpSpPr>
-      <p:grpSpPr>
-        <a:xfrm>
-          <a:off x="0" y="0"/>
-          <a:ext cx="0" cy="0"/>
-          <a:chOff x="0" y="0"/>
-          <a:chExt cx="0" cy="0"/>
-        </a:xfrm>
-      </p:grpSpPr>
-      <p:sp>
-        <p:nvSpPr>
-          <p:cNvPr id="2" name="Title 1">
-            <a:extLst>
-              <a:ext uri="{FF2B5EF4-FFF2-40B4-BE49-F238E27FC236}">
-                <a16:creationId xmlns:a16="http://schemas.microsoft.com/office/drawing/2014/main" id="{6A4F328F-C78B-2FE3-F526-E969F2F69114}"/>
-              </a:ext>
-            </a:extLst>
-          </p:cNvPr>
-          <p:cNvSpPr>
-            <a:spLocks noGrp="1"/>
-          </p:cNvSpPr>
-          <p:nvPr>
-            <p:ph type="title"/>
-          </p:nvPr>
-        </p:nvSpPr>
-        <p:spPr/>
-        <p:txBody>
-          <a:bodyPr/>
-          <a:lstStyle/>
-          <a:p>
-            <a:endParaRPr lang="en-US"/>
-          </a:p>
-        </p:txBody>
-      </p:sp>
-      <p:sp>
-        <p:nvSpPr>
-          <p:cNvPr id="3" name="Content Placeholder 2">
-            <a:extLst>
-              <a:ext uri="{FF2B5EF4-FFF2-40B4-BE49-F238E27FC236}">
-                <a16:creationId xmlns:a16="http://schemas.microsoft.com/office/drawing/2014/main" id="{B8E4DF1E-6880-DF2B-DABA-A5FBE840F666}"/>
-              </a:ext>
-            </a:extLst>
-          </p:cNvPr>
-          <p:cNvSpPr>
-            <a:spLocks noGrp="1"/>
-          </p:cNvSpPr>
-          <p:nvPr>
-            <p:ph idx="1"/>
-          </p:nvPr>
-        </p:nvSpPr>
-        <p:spPr/>
-        <p:txBody>
-          <a:bodyPr/>
-          <a:lstStyle/>
-          <a:p>
-            <a:endParaRPr lang="en-US"/>
-          </a:p>
-        </p:txBody>
-      </p:sp>
-      <p:pic>
-        <p:nvPicPr>
-          <p:cNvPr id="4" name="Picture 3">
-            <a:extLst>
-              <a:ext uri="{FF2B5EF4-FFF2-40B4-BE49-F238E27FC236}">
-                <a16:creationId xmlns:a16="http://schemas.microsoft.com/office/drawing/2014/main" id="{C763006F-6FB8-5E35-D026-76A66C72B23F}"/>
-              </a:ext>
-            </a:extLst>
-          </p:cNvPr>
-          <p:cNvPicPr>
-            <a:picLocks noChangeAspect="1"/>
-          </p:cNvPicPr>
-          <p:nvPr/>
-        </p:nvPicPr>
-        <p:blipFill rotWithShape="1">
-          <a:blip r:embed="rId2"/>
-          <a:srcRect l="15834" t="24372" r="28254" b="25447"/>
-          <a:stretch/>
-        </p:blipFill>
-        <p:spPr>
-          <a:xfrm>
-            <a:off x="858907" y="1054704"/>
-            <a:ext cx="10127402" cy="4862795"/>
-          </a:xfrm>
-          <a:prstGeom prst="rect">
-            <a:avLst/>
-          </a:prstGeom>
-        </p:spPr>
-      </p:pic>
-    </p:spTree>
-    <p:extLst>
-      <p:ext uri="{BB962C8B-B14F-4D97-AF65-F5344CB8AC3E}">
-        <p14:creationId xmlns:p14="http://schemas.microsoft.com/office/powerpoint/2010/main" val="2252754420"/>
       </p:ext>
     </p:extLst>
   </p:cSld>
@@ -29139,6 +32877,115 @@
     <p:extLst>
       <p:ext uri="{BB962C8B-B14F-4D97-AF65-F5344CB8AC3E}">
         <p14:creationId xmlns:p14="http://schemas.microsoft.com/office/powerpoint/2010/main" val="2213933403"/>
+      </p:ext>
+    </p:extLst>
+  </p:cSld>
+  <p:clrMapOvr>
+    <a:masterClrMapping/>
+  </p:clrMapOvr>
+</p:sld>
+</file>
+
+<file path=ppt/slides/slide20.xml><?xml version="1.0" encoding="utf-8"?>
+<p:sld xmlns:a="http://schemas.openxmlformats.org/drawingml/2006/main" xmlns:r="http://schemas.openxmlformats.org/officeDocument/2006/relationships" xmlns:p="http://schemas.openxmlformats.org/presentationml/2006/main">
+  <p:cSld>
+    <p:spTree>
+      <p:nvGrpSpPr>
+        <p:cNvPr id="1" name=""/>
+        <p:cNvGrpSpPr/>
+        <p:nvPr/>
+      </p:nvGrpSpPr>
+      <p:grpSpPr>
+        <a:xfrm>
+          <a:off x="0" y="0"/>
+          <a:ext cx="0" cy="0"/>
+          <a:chOff x="0" y="0"/>
+          <a:chExt cx="0" cy="0"/>
+        </a:xfrm>
+      </p:grpSpPr>
+      <p:sp>
+        <p:nvSpPr>
+          <p:cNvPr id="2" name="Title 1">
+            <a:extLst>
+              <a:ext uri="{FF2B5EF4-FFF2-40B4-BE49-F238E27FC236}">
+                <a16:creationId xmlns:a16="http://schemas.microsoft.com/office/drawing/2014/main" id="{6A4F328F-C78B-2FE3-F526-E969F2F69114}"/>
+              </a:ext>
+            </a:extLst>
+          </p:cNvPr>
+          <p:cNvSpPr>
+            <a:spLocks noGrp="1"/>
+          </p:cNvSpPr>
+          <p:nvPr>
+            <p:ph type="title"/>
+          </p:nvPr>
+        </p:nvSpPr>
+        <p:spPr/>
+        <p:txBody>
+          <a:bodyPr/>
+          <a:lstStyle/>
+          <a:p>
+            <a:endParaRPr lang="en-US"/>
+          </a:p>
+        </p:txBody>
+      </p:sp>
+      <p:sp>
+        <p:nvSpPr>
+          <p:cNvPr id="3" name="Content Placeholder 2">
+            <a:extLst>
+              <a:ext uri="{FF2B5EF4-FFF2-40B4-BE49-F238E27FC236}">
+                <a16:creationId xmlns:a16="http://schemas.microsoft.com/office/drawing/2014/main" id="{B8E4DF1E-6880-DF2B-DABA-A5FBE840F666}"/>
+              </a:ext>
+            </a:extLst>
+          </p:cNvPr>
+          <p:cNvSpPr>
+            <a:spLocks noGrp="1"/>
+          </p:cNvSpPr>
+          <p:nvPr>
+            <p:ph idx="1"/>
+          </p:nvPr>
+        </p:nvSpPr>
+        <p:spPr/>
+        <p:txBody>
+          <a:bodyPr/>
+          <a:lstStyle/>
+          <a:p>
+            <a:endParaRPr lang="en-US"/>
+          </a:p>
+        </p:txBody>
+      </p:sp>
+      <p:pic>
+        <p:nvPicPr>
+          <p:cNvPr id="4" name="Picture 3">
+            <a:extLst>
+              <a:ext uri="{FF2B5EF4-FFF2-40B4-BE49-F238E27FC236}">
+                <a16:creationId xmlns:a16="http://schemas.microsoft.com/office/drawing/2014/main" id="{C763006F-6FB8-5E35-D026-76A66C72B23F}"/>
+              </a:ext>
+            </a:extLst>
+          </p:cNvPr>
+          <p:cNvPicPr>
+            <a:picLocks noChangeAspect="1"/>
+          </p:cNvPicPr>
+          <p:nvPr/>
+        </p:nvPicPr>
+        <p:blipFill rotWithShape="1">
+          <a:blip r:embed="rId2"/>
+          <a:srcRect l="15834" t="24372" r="28254" b="25447"/>
+          <a:stretch/>
+        </p:blipFill>
+        <p:spPr>
+          <a:xfrm>
+            <a:off x="858907" y="1054704"/>
+            <a:ext cx="10127402" cy="4862795"/>
+          </a:xfrm>
+          <a:prstGeom prst="rect">
+            <a:avLst/>
+          </a:prstGeom>
+        </p:spPr>
+      </p:pic>
+    </p:spTree>
+    <p:extLst>
+      <p:ext uri="{BB962C8B-B14F-4D97-AF65-F5344CB8AC3E}">
+        <p14:creationId xmlns:p14="http://schemas.microsoft.com/office/powerpoint/2010/main" val="2252754420"/>
       </p:ext>
     </p:extLst>
   </p:cSld>
@@ -33037,8 +36884,8 @@
         </p:nvSpPr>
         <p:spPr>
           <a:xfrm>
-            <a:off x="838201" y="3429000"/>
-            <a:ext cx="5836754" cy="2601285"/>
+            <a:off x="838200" y="2601798"/>
+            <a:ext cx="6514771" cy="3428487"/>
           </a:xfrm>
         </p:spPr>
         <p:txBody>
@@ -33047,7 +36894,28 @@
           </a:bodyPr>
           <a:lstStyle/>
           <a:p>
-            <a:endParaRPr lang="en-US"/>
+            <a:pPr algn="l"/>
+            <a:r>
+              <a:rPr lang="en-US" b="0" i="0" dirty="0">
+                <a:solidFill>
+                  <a:srgbClr val="292929"/>
+                </a:solidFill>
+                <a:effectLst/>
+              </a:rPr>
+              <a:t>Flair utilizes a pre-trained model to detect positive or negative comments and print a number in brackets behind the label which is a prediction confidence.</a:t>
+            </a:r>
+          </a:p>
+          <a:p>
+            <a:r>
+              <a:rPr lang="en-US" b="0" i="0" dirty="0">
+                <a:solidFill>
+                  <a:srgbClr val="212121"/>
+                </a:solidFill>
+                <a:effectLst/>
+              </a:rPr>
+              <a:t>It contains a powerful library which allows users to use and combine different word and document embeddings. Based on the corpus, it could analyze and tell the attitudes of the speakers. Comparing with other NLP packages, flair’s sentiment classifier is based on a character-level LSTM neural network which takes sequences of letters and words into account when predicting. </a:t>
+            </a:r>
+            <a:endParaRPr lang="en-US" dirty="0"/>
           </a:p>
         </p:txBody>
       </p:sp>
